--- a/help/data-sheets/assets/DMeEliteSupportDatasheet_2022.pptx
+++ b/help/data-sheets/assets/DMeEliteSupportDatasheet_2022.pptx
@@ -156,6 +156,45 @@
 
 <file path=ppt/changesInfos/changesInfo1.xml><?xml version="1.0" encoding="utf-8"?>
 <pc:chgInfo xmlns:a="http://schemas.openxmlformats.org/drawingml/2006/main" xmlns:r="http://schemas.openxmlformats.org/officeDocument/2006/relationships" xmlns:ac="http://schemas.microsoft.com/office/drawing/2013/main/command" xmlns:pc="http://schemas.microsoft.com/office/powerpoint/2013/main/command">
+  <pc:docChgLst>
+    <pc:chgData name="David Baker" userId="da2b0875-9916-4d44-89d9-e651631ef4de" providerId="ADAL" clId="{15FC2388-40E0-524B-A732-5DC6014C06C9}"/>
+    <pc:docChg chg="modSld">
+      <pc:chgData name="David Baker" userId="da2b0875-9916-4d44-89d9-e651631ef4de" providerId="ADAL" clId="{15FC2388-40E0-524B-A732-5DC6014C06C9}" dt="2022-03-03T22:33:24.090" v="55" actId="20577"/>
+      <pc:docMkLst>
+        <pc:docMk/>
+      </pc:docMkLst>
+      <pc:sldChg chg="modSp mod">
+        <pc:chgData name="David Baker" userId="da2b0875-9916-4d44-89d9-e651631ef4de" providerId="ADAL" clId="{15FC2388-40E0-524B-A732-5DC6014C06C9}" dt="2022-03-03T22:33:16.092" v="49" actId="20577"/>
+        <pc:sldMkLst>
+          <pc:docMk/>
+          <pc:sldMk cId="0" sldId="256"/>
+        </pc:sldMkLst>
+        <pc:graphicFrameChg chg="modGraphic">
+          <ac:chgData name="David Baker" userId="da2b0875-9916-4d44-89d9-e651631ef4de" providerId="ADAL" clId="{15FC2388-40E0-524B-A732-5DC6014C06C9}" dt="2022-03-03T22:33:16.092" v="49" actId="20577"/>
+          <ac:graphicFrameMkLst>
+            <pc:docMk/>
+            <pc:sldMk cId="0" sldId="256"/>
+            <ac:graphicFrameMk id="13" creationId="{8FC06D05-42C7-D14C-86E4-0F01711669B9}"/>
+          </ac:graphicFrameMkLst>
+        </pc:graphicFrameChg>
+      </pc:sldChg>
+      <pc:sldChg chg="modSp mod">
+        <pc:chgData name="David Baker" userId="da2b0875-9916-4d44-89d9-e651631ef4de" providerId="ADAL" clId="{15FC2388-40E0-524B-A732-5DC6014C06C9}" dt="2022-03-03T22:33:24.090" v="55" actId="20577"/>
+        <pc:sldMkLst>
+          <pc:docMk/>
+          <pc:sldMk cId="3982262141" sldId="262"/>
+        </pc:sldMkLst>
+        <pc:spChg chg="mod">
+          <ac:chgData name="David Baker" userId="da2b0875-9916-4d44-89d9-e651631ef4de" providerId="ADAL" clId="{15FC2388-40E0-524B-A732-5DC6014C06C9}" dt="2022-03-03T22:33:24.090" v="55" actId="20577"/>
+          <ac:spMkLst>
+            <pc:docMk/>
+            <pc:sldMk cId="3982262141" sldId="262"/>
+            <ac:spMk id="63" creationId="{D526F789-D18E-C84B-9754-133D64A670FD}"/>
+          </ac:spMkLst>
+        </pc:spChg>
+      </pc:sldChg>
+    </pc:docChg>
+  </pc:docChgLst>
   <pc:docChgLst>
     <pc:chgData name="Jaclyn Zalesky" userId="9c0b24b4-6ad7-45a7-a9a0-5ba404afed22" providerId="ADAL" clId="{D5ADAA79-0557-4642-B5FA-AC79C44AE176}"/>
     <pc:docChg chg="undo custSel modSld">
@@ -427,14 +466,14 @@
     </pc:docChg>
   </pc:docChgLst>
   <pc:docChgLst>
-    <pc:chgData name="David Baker" userId="S::davbaker@adobe.com::da2b0875-9916-4d44-89d9-e651631ef4de" providerId="AD" clId="Web-{F5354F4D-DB15-A8BC-D7BD-1244B840E560}"/>
-    <pc:docChg chg="mod">
-      <pc:chgData name="David Baker" userId="S::davbaker@adobe.com::da2b0875-9916-4d44-89d9-e651631ef4de" providerId="AD" clId="Web-{F5354F4D-DB15-A8BC-D7BD-1244B840E560}" dt="2022-02-09T19:20:34.744" v="1"/>
+    <pc:chgData name="Jaclyn Zalesky" userId="S::zalesky@adobe.com::9c0b24b4-6ad7-45a7-a9a0-5ba404afed22" providerId="AD" clId="Web-{C425CE26-59BB-E42C-68AA-84C16DB67B9F}"/>
+    <pc:docChg chg="">
+      <pc:chgData name="Jaclyn Zalesky" userId="S::zalesky@adobe.com::9c0b24b4-6ad7-45a7-a9a0-5ba404afed22" providerId="AD" clId="Web-{C425CE26-59BB-E42C-68AA-84C16DB67B9F}" dt="2022-03-01T18:32:49.142" v="0"/>
       <pc:docMkLst>
         <pc:docMk/>
       </pc:docMkLst>
-      <pc:sldChg chg="addCm">
-        <pc:chgData name="David Baker" userId="S::davbaker@adobe.com::da2b0875-9916-4d44-89d9-e651631ef4de" providerId="AD" clId="Web-{F5354F4D-DB15-A8BC-D7BD-1244B840E560}" dt="2022-02-09T19:20:34.744" v="1"/>
+      <pc:sldChg chg="delCm">
+        <pc:chgData name="Jaclyn Zalesky" userId="S::zalesky@adobe.com::9c0b24b4-6ad7-45a7-a9a0-5ba404afed22" providerId="AD" clId="Web-{C425CE26-59BB-E42C-68AA-84C16DB67B9F}" dt="2022-03-01T18:32:49.142" v="0"/>
         <pc:sldMkLst>
           <pc:docMk/>
           <pc:sldMk cId="1050037809" sldId="261"/>
@@ -467,53 +506,14 @@
     </pc:docChg>
   </pc:docChgLst>
   <pc:docChgLst>
-    <pc:chgData name="David Baker" userId="da2b0875-9916-4d44-89d9-e651631ef4de" providerId="ADAL" clId="{15FC2388-40E0-524B-A732-5DC6014C06C9}"/>
-    <pc:docChg chg="modSld">
-      <pc:chgData name="David Baker" userId="da2b0875-9916-4d44-89d9-e651631ef4de" providerId="ADAL" clId="{15FC2388-40E0-524B-A732-5DC6014C06C9}" dt="2022-03-03T22:33:24.090" v="55" actId="20577"/>
+    <pc:chgData name="David Baker" userId="S::davbaker@adobe.com::da2b0875-9916-4d44-89d9-e651631ef4de" providerId="AD" clId="Web-{F5354F4D-DB15-A8BC-D7BD-1244B840E560}"/>
+    <pc:docChg chg="mod">
+      <pc:chgData name="David Baker" userId="S::davbaker@adobe.com::da2b0875-9916-4d44-89d9-e651631ef4de" providerId="AD" clId="Web-{F5354F4D-DB15-A8BC-D7BD-1244B840E560}" dt="2022-02-09T19:20:34.744" v="1"/>
       <pc:docMkLst>
         <pc:docMk/>
       </pc:docMkLst>
-      <pc:sldChg chg="modSp mod">
-        <pc:chgData name="David Baker" userId="da2b0875-9916-4d44-89d9-e651631ef4de" providerId="ADAL" clId="{15FC2388-40E0-524B-A732-5DC6014C06C9}" dt="2022-03-03T22:33:16.092" v="49" actId="20577"/>
-        <pc:sldMkLst>
-          <pc:docMk/>
-          <pc:sldMk cId="0" sldId="256"/>
-        </pc:sldMkLst>
-        <pc:graphicFrameChg chg="modGraphic">
-          <ac:chgData name="David Baker" userId="da2b0875-9916-4d44-89d9-e651631ef4de" providerId="ADAL" clId="{15FC2388-40E0-524B-A732-5DC6014C06C9}" dt="2022-03-03T22:33:16.092" v="49" actId="20577"/>
-          <ac:graphicFrameMkLst>
-            <pc:docMk/>
-            <pc:sldMk cId="0" sldId="256"/>
-            <ac:graphicFrameMk id="13" creationId="{8FC06D05-42C7-D14C-86E4-0F01711669B9}"/>
-          </ac:graphicFrameMkLst>
-        </pc:graphicFrameChg>
-      </pc:sldChg>
-      <pc:sldChg chg="modSp mod">
-        <pc:chgData name="David Baker" userId="da2b0875-9916-4d44-89d9-e651631ef4de" providerId="ADAL" clId="{15FC2388-40E0-524B-A732-5DC6014C06C9}" dt="2022-03-03T22:33:24.090" v="55" actId="20577"/>
-        <pc:sldMkLst>
-          <pc:docMk/>
-          <pc:sldMk cId="3982262141" sldId="262"/>
-        </pc:sldMkLst>
-        <pc:spChg chg="mod">
-          <ac:chgData name="David Baker" userId="da2b0875-9916-4d44-89d9-e651631ef4de" providerId="ADAL" clId="{15FC2388-40E0-524B-A732-5DC6014C06C9}" dt="2022-03-03T22:33:24.090" v="55" actId="20577"/>
-          <ac:spMkLst>
-            <pc:docMk/>
-            <pc:sldMk cId="3982262141" sldId="262"/>
-            <ac:spMk id="63" creationId="{D526F789-D18E-C84B-9754-133D64A670FD}"/>
-          </ac:spMkLst>
-        </pc:spChg>
-      </pc:sldChg>
-    </pc:docChg>
-  </pc:docChgLst>
-  <pc:docChgLst>
-    <pc:chgData name="Jaclyn Zalesky" userId="S::zalesky@adobe.com::9c0b24b4-6ad7-45a7-a9a0-5ba404afed22" providerId="AD" clId="Web-{C425CE26-59BB-E42C-68AA-84C16DB67B9F}"/>
-    <pc:docChg chg="">
-      <pc:chgData name="Jaclyn Zalesky" userId="S::zalesky@adobe.com::9c0b24b4-6ad7-45a7-a9a0-5ba404afed22" providerId="AD" clId="Web-{C425CE26-59BB-E42C-68AA-84C16DB67B9F}" dt="2022-03-01T18:32:49.142" v="0"/>
-      <pc:docMkLst>
-        <pc:docMk/>
-      </pc:docMkLst>
-      <pc:sldChg chg="delCm">
-        <pc:chgData name="Jaclyn Zalesky" userId="S::zalesky@adobe.com::9c0b24b4-6ad7-45a7-a9a0-5ba404afed22" providerId="AD" clId="Web-{C425CE26-59BB-E42C-68AA-84C16DB67B9F}" dt="2022-03-01T18:32:49.142" v="0"/>
+      <pc:sldChg chg="addCm">
+        <pc:chgData name="David Baker" userId="S::davbaker@adobe.com::da2b0875-9916-4d44-89d9-e651631ef4de" providerId="AD" clId="Web-{F5354F4D-DB15-A8BC-D7BD-1244B840E560}" dt="2022-02-09T19:20:34.744" v="1"/>
         <pc:sldMkLst>
           <pc:docMk/>
           <pc:sldMk cId="1050037809" sldId="261"/>
@@ -606,7 +606,7 @@
           <a:p>
             <a:fld id="{C12E57D6-2086-AA47-A7A4-C0CDE7C14E44}" type="datetimeFigureOut">
               <a:rPr lang="en-US" smtClean="0"/>
-              <a:t>3/3/22</a:t>
+              <a:t>3/25/2022</a:t>
             </a:fld>
             <a:endParaRPr lang="en-US"/>
           </a:p>
@@ -1264,7 +1264,7 @@
           <a:p>
             <a:fld id="{1D8BD707-D9CF-40AE-B4C6-C98DA3205C09}" type="datetimeFigureOut">
               <a:rPr lang="en-US"/>
-              <a:t>3/3/22</a:t>
+              <a:t>3/25/2022</a:t>
             </a:fld>
             <a:endParaRPr lang="en-US"/>
           </a:p>
@@ -1509,7 +1509,7 @@
           <a:p>
             <a:fld id="{1D8BD707-D9CF-40AE-B4C6-C98DA3205C09}" type="datetimeFigureOut">
               <a:rPr lang="en-US"/>
-              <a:t>3/3/22</a:t>
+              <a:t>3/25/2022</a:t>
             </a:fld>
             <a:endParaRPr lang="en-US"/>
           </a:p>
@@ -1767,7 +1767,7 @@
           <a:p>
             <a:fld id="{1D8BD707-D9CF-40AE-B4C6-C98DA3205C09}" type="datetimeFigureOut">
               <a:rPr lang="en-US"/>
-              <a:t>3/3/22</a:t>
+              <a:t>3/25/2022</a:t>
             </a:fld>
             <a:endParaRPr lang="en-US"/>
           </a:p>
@@ -1959,7 +1959,7 @@
           <a:p>
             <a:fld id="{1D8BD707-D9CF-40AE-B4C6-C98DA3205C09}" type="datetimeFigureOut">
               <a:rPr lang="en-US"/>
-              <a:t>3/3/22</a:t>
+              <a:t>3/25/2022</a:t>
             </a:fld>
             <a:endParaRPr lang="en-US"/>
           </a:p>
@@ -2122,7 +2122,7 @@
           <a:p>
             <a:fld id="{1D8BD707-D9CF-40AE-B4C6-C98DA3205C09}" type="datetimeFigureOut">
               <a:rPr lang="en-US"/>
-              <a:t>3/3/22</a:t>
+              <a:t>3/25/2022</a:t>
             </a:fld>
             <a:endParaRPr lang="en-US"/>
           </a:p>
@@ -2385,7 +2385,7 @@
           <a:p>
             <a:fld id="{1D8BD707-D9CF-40AE-B4C6-C98DA3205C09}" type="datetimeFigureOut">
               <a:rPr lang="en-US"/>
-              <a:t>3/3/22</a:t>
+              <a:t>3/25/2022</a:t>
             </a:fld>
             <a:endParaRPr lang="en-US"/>
           </a:p>
@@ -2682,20 +2682,11 @@
               </a:spcBef>
             </a:pPr>
             <a:r>
-              <a:rPr sz="2300" dirty="0">
+              <a:rPr lang="fr-FR" sz="2300">
                 <a:latin typeface="Adobe Clean" panose="020B0503020404020204" pitchFamily="34" charset="0"/>
               </a:rPr>
-              <a:t>ADOBE SUPPORT</a:t>
+              <a:t>PLANS D’ASSISTANCE ADOBE</a:t>
             </a:r>
-            <a:r>
-              <a:rPr lang="en-US" sz="2300" dirty="0">
-                <a:latin typeface="Adobe Clean" panose="020B0503020404020204" pitchFamily="34" charset="0"/>
-              </a:rPr>
-              <a:t> PLANS</a:t>
-            </a:r>
-            <a:endParaRPr sz="2300" dirty="0">
-              <a:latin typeface="Adobe Clean" panose="020B0503020404020204" pitchFamily="34" charset="0"/>
-            </a:endParaRPr>
           </a:p>
         </p:txBody>
       </p:sp>
@@ -2707,8 +2698,8 @@
         </p:nvSpPr>
         <p:spPr>
           <a:xfrm>
-            <a:off x="159523" y="560755"/>
-            <a:ext cx="6889348" cy="1327928"/>
+            <a:off x="159523" y="617905"/>
+            <a:ext cx="6889348" cy="1361783"/>
           </a:xfrm>
           <a:prstGeom prst="rect">
             <a:avLst/>
@@ -2729,107 +2720,17 @@
               </a:spcBef>
             </a:pPr>
             <a:r>
-              <a:rPr lang="en-US" sz="1100" spc="-5" dirty="0">
+              <a:rPr lang="fr-FR" sz="1050" dirty="0">
                 <a:solidFill>
                   <a:srgbClr val="FFFFFF"/>
                 </a:solidFill>
                 <a:latin typeface="AdobeClean-Light"/>
                 <a:cs typeface="AdobeClean-Light"/>
               </a:rPr>
-              <a:t>Standard</a:t>
+              <a:t>Standard | Commerciale | Entreprise | </a:t>
             </a:r>
             <a:r>
-              <a:rPr sz="1100" dirty="0">
-                <a:solidFill>
-                  <a:srgbClr val="FFFFFF"/>
-                </a:solidFill>
-                <a:latin typeface="AdobeClean-Light"/>
-                <a:cs typeface="AdobeClean-Light"/>
-              </a:rPr>
-              <a:t> |</a:t>
-            </a:r>
-            <a:r>
-              <a:rPr sz="1100" spc="5" dirty="0">
-                <a:solidFill>
-                  <a:srgbClr val="FFFFFF"/>
-                </a:solidFill>
-                <a:latin typeface="AdobeClean-Light"/>
-                <a:cs typeface="AdobeClean-Light"/>
-              </a:rPr>
-              <a:t> </a:t>
-            </a:r>
-            <a:r>
-              <a:rPr sz="1100" spc="-5" dirty="0">
-                <a:solidFill>
-                  <a:srgbClr val="FFFFFF"/>
-                </a:solidFill>
-                <a:latin typeface="AdobeClean-Light"/>
-                <a:cs typeface="AdobeClean-Light"/>
-              </a:rPr>
-              <a:t>Business</a:t>
-            </a:r>
-            <a:r>
-              <a:rPr sz="1100" dirty="0">
-                <a:solidFill>
-                  <a:srgbClr val="FFFFFF"/>
-                </a:solidFill>
-                <a:latin typeface="AdobeClean-Light"/>
-                <a:cs typeface="AdobeClean-Light"/>
-              </a:rPr>
-              <a:t> |</a:t>
-            </a:r>
-            <a:r>
-              <a:rPr sz="1100" spc="10" dirty="0">
-                <a:solidFill>
-                  <a:srgbClr val="FFFFFF"/>
-                </a:solidFill>
-                <a:latin typeface="AdobeClean-Light"/>
-                <a:cs typeface="AdobeClean-Light"/>
-              </a:rPr>
-              <a:t> </a:t>
-            </a:r>
-            <a:r>
-              <a:rPr sz="1100" spc="-5" dirty="0">
-                <a:solidFill>
-                  <a:srgbClr val="FFFFFF"/>
-                </a:solidFill>
-                <a:latin typeface="AdobeClean-Light"/>
-                <a:cs typeface="AdobeClean-Light"/>
-              </a:rPr>
-              <a:t>Enterprise</a:t>
-            </a:r>
-            <a:r>
-              <a:rPr sz="1100" spc="10" dirty="0">
-                <a:solidFill>
-                  <a:srgbClr val="FFFFFF"/>
-                </a:solidFill>
-                <a:latin typeface="AdobeClean-Light"/>
-                <a:cs typeface="AdobeClean-Light"/>
-              </a:rPr>
-              <a:t> </a:t>
-            </a:r>
-            <a:r>
-              <a:rPr sz="1100" dirty="0">
-                <a:solidFill>
-                  <a:srgbClr val="FFFFFF"/>
-                </a:solidFill>
-                <a:latin typeface="AdobeClean-Light"/>
-                <a:cs typeface="AdobeClean-Light"/>
-              </a:rPr>
-              <a:t>|</a:t>
-            </a:r>
-            <a:r>
-              <a:rPr sz="1100" spc="5" dirty="0">
-                <a:solidFill>
-                  <a:srgbClr val="FFFFFF"/>
-                </a:solidFill>
-                <a:latin typeface="AdobeClean-Light"/>
-                <a:cs typeface="AdobeClean-Light"/>
-              </a:rPr>
-              <a:t> </a:t>
-            </a:r>
-            <a:r>
-              <a:rPr sz="1100" b="1" spc="-65" dirty="0">
+              <a:rPr lang="fr-FR" sz="1050" b="1" dirty="0">
                 <a:solidFill>
                   <a:srgbClr val="FFFFFF"/>
                 </a:solidFill>
@@ -2838,10 +2739,6 @@
               </a:rPr>
               <a:t>Elite</a:t>
             </a:r>
-            <a:endParaRPr sz="1100" dirty="0">
-              <a:latin typeface="Arial"/>
-              <a:cs typeface="Arial"/>
-            </a:endParaRPr>
           </a:p>
           <a:p>
             <a:pPr marL="12700" marR="1076325">
@@ -2850,39 +2747,32 @@
               </a:spcBef>
             </a:pPr>
             <a:r>
-              <a:rPr lang="en-US" sz="900" dirty="0">
+              <a:rPr lang="fr-FR" sz="830" dirty="0">
                 <a:solidFill>
                   <a:schemeClr val="bg1"/>
                 </a:solidFill>
                 <a:latin typeface="Adobe Clean SemiLight" panose="020B0403020404020204" pitchFamily="34" charset="0"/>
               </a:rPr>
-              <a:t>Adobe provides a comprehensive range of technical resources to help support your business included as part of your Adobe enterprise </a:t>
+              <a:t>Adobe offre une gamme complète de ressources techniques afin d’appuyer votre entreprise. Elles sont comprises dans votre abonnement à la </a:t>
             </a:r>
             <a:r>
-              <a:rPr lang="en-US" sz="900" dirty="0">
+              <a:rPr lang="fr-FR" sz="830" dirty="0">
                 <a:solidFill>
                   <a:schemeClr val="bg1"/>
                 </a:solidFill>
                 <a:latin typeface="Adobe Clean SemiLight"/>
               </a:rPr>
-              <a:t>subscription. This is enhanced with the ELITE Support Plan</a:t>
+              <a:t>licence pour les entreprises d’Adobe. Amélioré avec le plan d’assistance ELITE</a:t>
             </a:r>
             <a:r>
-              <a:rPr lang="en-US" sz="900" dirty="0">
+              <a:rPr lang="fr-FR" sz="830" dirty="0">
                 <a:solidFill>
                   <a:schemeClr val="bg1"/>
                 </a:solidFill>
                 <a:latin typeface="Adobe Clean SemiLight" panose="020B0403020404020204" pitchFamily="34" charset="0"/>
               </a:rPr>
-              <a:t>. ELITE customers have access to a Named Support Engineer as well as a Technical Account Manager who work in partnership with you to provide best in class proactive and reactive support while acting as your designated technical contacts within the Adobe Support Team. With deep experience in your applicable Creative Cloud and Document Cloud solutions, your Support Team works to ensure that no matter how complex your support needs are, the Adobe Support Team will be there side by side with you throughout, to ensure you maximize your investment in applicable Adobe solutions and to help you avoid problems before they happen. You can also take advantage of our detailed and in-depth technical product documentation and current release notes. </a:t>
+              <a:t>. Les clients ELITE ont également accès à un ingénieur d’assistance nommé, ainsi qu’à un gestionnaire de compte technique qui travaillent en collaboration avec vous afin de vous offrir la meilleure assistance proactive et réactive de sa catégorie. Parallèlement, ils jouent le rôle de contacts techniques désignés dans l’équipe d’assistance d’Adobe. Grâce à sa grande expérience dans vos solutions Creative Cloud et Document Cloud applicables, votre équipe d’assistance travaille dans le but de s’assurer que, peu importe la complexité de vos besoins en matière d’assistance, l’équipe d’assistance d’Adobe sera à vos côtés du début à la fin. Elle s’assurera ainsi que vous maximisiez votre investissement dans les solutions Adobe applicables et vous permettra d’éviter tout problème avant même qu’il ne survienne. Vous pouvez également tirer profit de notre documentation technique détaillée et approfondie sur les produits, ainsi que de nos notes de mise à jour actuelles. </a:t>
             </a:r>
-            <a:endParaRPr sz="900" dirty="0">
-              <a:solidFill>
-                <a:schemeClr val="bg1"/>
-              </a:solidFill>
-              <a:latin typeface="AdobeClean-Light"/>
-              <a:cs typeface="AdobeClean-Light"/>
-            </a:endParaRPr>
           </a:p>
         </p:txBody>
       </p:sp>
@@ -2894,8 +2784,8 @@
         </p:nvSpPr>
         <p:spPr>
           <a:xfrm>
-            <a:off x="209607" y="7078651"/>
-            <a:ext cx="2780665" cy="238760"/>
+            <a:off x="209607" y="7154851"/>
+            <a:ext cx="4133793" cy="212879"/>
           </a:xfrm>
           <a:prstGeom prst="rect">
             <a:avLst/>
@@ -2916,7 +2806,7 @@
               </a:spcBef>
             </a:pPr>
             <a:r>
-              <a:rPr sz="1400" b="1" u="heavy" spc="20">
+              <a:rPr lang="fr-FR" sz="1300" b="1" u="heavy" dirty="0">
                 <a:solidFill>
                   <a:srgbClr val="020302"/>
                 </a:solidFill>
@@ -2928,447 +2818,8 @@
                 <a:latin typeface="Adobe Clean"/>
                 <a:cs typeface="Adobe Clean"/>
               </a:rPr>
-              <a:t>S</a:t>
+              <a:t>Cibles du niveau de service : Réponse initiale</a:t>
             </a:r>
-            <a:r>
-              <a:rPr sz="1400" b="1" u="heavy">
-                <a:solidFill>
-                  <a:srgbClr val="020302"/>
-                </a:solidFill>
-                <a:uFill>
-                  <a:solidFill>
-                    <a:srgbClr val="020302"/>
-                  </a:solidFill>
-                </a:uFill>
-                <a:latin typeface="Adobe Clean"/>
-                <a:cs typeface="Adobe Clean"/>
-              </a:rPr>
-              <a:t>er</a:t>
-            </a:r>
-            <a:r>
-              <a:rPr sz="1400" b="1" u="heavy" spc="10">
-                <a:solidFill>
-                  <a:srgbClr val="020302"/>
-                </a:solidFill>
-                <a:uFill>
-                  <a:solidFill>
-                    <a:srgbClr val="020302"/>
-                  </a:solidFill>
-                </a:uFill>
-                <a:latin typeface="Adobe Clean"/>
-                <a:cs typeface="Adobe Clean"/>
-              </a:rPr>
-              <a:t>vi</a:t>
-            </a:r>
-            <a:r>
-              <a:rPr sz="1400" b="1" u="heavy">
-                <a:solidFill>
-                  <a:srgbClr val="020302"/>
-                </a:solidFill>
-                <a:uFill>
-                  <a:solidFill>
-                    <a:srgbClr val="020302"/>
-                  </a:solidFill>
-                </a:uFill>
-                <a:latin typeface="Adobe Clean"/>
-                <a:cs typeface="Adobe Clean"/>
-              </a:rPr>
-              <a:t>ce</a:t>
-            </a:r>
-            <a:r>
-              <a:rPr sz="1400" b="1" u="heavy" spc="20">
-                <a:solidFill>
-                  <a:srgbClr val="020302"/>
-                </a:solidFill>
-                <a:uFill>
-                  <a:solidFill>
-                    <a:srgbClr val="020302"/>
-                  </a:solidFill>
-                </a:uFill>
-                <a:latin typeface="Adobe Clean"/>
-                <a:cs typeface="Adobe Clean"/>
-              </a:rPr>
-              <a:t> </a:t>
-            </a:r>
-            <a:r>
-              <a:rPr sz="1400" b="1" u="heavy" spc="-20">
-                <a:solidFill>
-                  <a:srgbClr val="020302"/>
-                </a:solidFill>
-                <a:uFill>
-                  <a:solidFill>
-                    <a:srgbClr val="020302"/>
-                  </a:solidFill>
-                </a:uFill>
-                <a:latin typeface="Adobe Clean"/>
-                <a:cs typeface="Adobe Clean"/>
-              </a:rPr>
-              <a:t>Le</a:t>
-            </a:r>
-            <a:r>
-              <a:rPr sz="1400" b="1" u="heavy" spc="-10">
-                <a:solidFill>
-                  <a:srgbClr val="020302"/>
-                </a:solidFill>
-                <a:uFill>
-                  <a:solidFill>
-                    <a:srgbClr val="020302"/>
-                  </a:solidFill>
-                </a:uFill>
-                <a:latin typeface="Adobe Clean"/>
-                <a:cs typeface="Adobe Clean"/>
-              </a:rPr>
-              <a:t>v</a:t>
-            </a:r>
-            <a:r>
-              <a:rPr sz="1400" b="1" u="heavy" spc="-20">
-                <a:solidFill>
-                  <a:srgbClr val="020302"/>
-                </a:solidFill>
-                <a:uFill>
-                  <a:solidFill>
-                    <a:srgbClr val="020302"/>
-                  </a:solidFill>
-                </a:uFill>
-                <a:latin typeface="Adobe Clean"/>
-                <a:cs typeface="Adobe Clean"/>
-              </a:rPr>
-              <a:t>e</a:t>
-            </a:r>
-            <a:r>
-              <a:rPr sz="1400" b="1" u="heavy">
-                <a:solidFill>
-                  <a:srgbClr val="020302"/>
-                </a:solidFill>
-                <a:uFill>
-                  <a:solidFill>
-                    <a:srgbClr val="020302"/>
-                  </a:solidFill>
-                </a:uFill>
-                <a:latin typeface="Adobe Clean"/>
-                <a:cs typeface="Adobe Clean"/>
-              </a:rPr>
-              <a:t>l</a:t>
-            </a:r>
-            <a:r>
-              <a:rPr sz="1400" b="1" u="heavy" spc="-10">
-                <a:solidFill>
-                  <a:srgbClr val="020302"/>
-                </a:solidFill>
-                <a:uFill>
-                  <a:solidFill>
-                    <a:srgbClr val="020302"/>
-                  </a:solidFill>
-                </a:uFill>
-                <a:latin typeface="Adobe Clean"/>
-                <a:cs typeface="Adobe Clean"/>
-              </a:rPr>
-              <a:t> </a:t>
-            </a:r>
-            <a:r>
-              <a:rPr sz="1400" b="1" u="heavy" spc="-65">
-                <a:solidFill>
-                  <a:srgbClr val="020302"/>
-                </a:solidFill>
-                <a:uFill>
-                  <a:solidFill>
-                    <a:srgbClr val="020302"/>
-                  </a:solidFill>
-                </a:uFill>
-                <a:latin typeface="Adobe Clean"/>
-                <a:cs typeface="Adobe Clean"/>
-              </a:rPr>
-              <a:t>T</a:t>
-            </a:r>
-            <a:r>
-              <a:rPr sz="1400" b="1" u="heavy" spc="-35">
-                <a:solidFill>
-                  <a:srgbClr val="020302"/>
-                </a:solidFill>
-                <a:uFill>
-                  <a:solidFill>
-                    <a:srgbClr val="020302"/>
-                  </a:solidFill>
-                </a:uFill>
-                <a:latin typeface="Adobe Clean"/>
-                <a:cs typeface="Adobe Clean"/>
-              </a:rPr>
-              <a:t>a</a:t>
-            </a:r>
-            <a:r>
-              <a:rPr sz="1400" b="1" u="heavy" spc="-45">
-                <a:solidFill>
-                  <a:srgbClr val="020302"/>
-                </a:solidFill>
-                <a:uFill>
-                  <a:solidFill>
-                    <a:srgbClr val="020302"/>
-                  </a:solidFill>
-                </a:uFill>
-                <a:latin typeface="Adobe Clean"/>
-                <a:cs typeface="Adobe Clean"/>
-              </a:rPr>
-              <a:t>r</a:t>
-            </a:r>
-            <a:r>
-              <a:rPr sz="1400" b="1" u="heavy" spc="-35">
-                <a:solidFill>
-                  <a:srgbClr val="020302"/>
-                </a:solidFill>
-                <a:uFill>
-                  <a:solidFill>
-                    <a:srgbClr val="020302"/>
-                  </a:solidFill>
-                </a:uFill>
-                <a:latin typeface="Adobe Clean"/>
-                <a:cs typeface="Adobe Clean"/>
-              </a:rPr>
-              <a:t>g</a:t>
-            </a:r>
-            <a:r>
-              <a:rPr sz="1400" b="1" u="heavy" spc="-55">
-                <a:solidFill>
-                  <a:srgbClr val="020302"/>
-                </a:solidFill>
-                <a:uFill>
-                  <a:solidFill>
-                    <a:srgbClr val="020302"/>
-                  </a:solidFill>
-                </a:uFill>
-                <a:latin typeface="Adobe Clean"/>
-                <a:cs typeface="Adobe Clean"/>
-              </a:rPr>
-              <a:t>et</a:t>
-            </a:r>
-            <a:r>
-              <a:rPr sz="1400" b="1" u="heavy" spc="-45">
-                <a:solidFill>
-                  <a:srgbClr val="020302"/>
-                </a:solidFill>
-                <a:uFill>
-                  <a:solidFill>
-                    <a:srgbClr val="020302"/>
-                  </a:solidFill>
-                </a:uFill>
-                <a:latin typeface="Adobe Clean"/>
-                <a:cs typeface="Adobe Clean"/>
-              </a:rPr>
-              <a:t>s</a:t>
-            </a:r>
-            <a:r>
-              <a:rPr sz="1400" b="1" u="heavy">
-                <a:solidFill>
-                  <a:srgbClr val="020302"/>
-                </a:solidFill>
-                <a:uFill>
-                  <a:solidFill>
-                    <a:srgbClr val="020302"/>
-                  </a:solidFill>
-                </a:uFill>
-                <a:latin typeface="Adobe Clean"/>
-                <a:cs typeface="Adobe Clean"/>
-              </a:rPr>
-              <a:t>:</a:t>
-            </a:r>
-            <a:r>
-              <a:rPr sz="1400" b="1" u="heavy" spc="-80">
-                <a:solidFill>
-                  <a:srgbClr val="020302"/>
-                </a:solidFill>
-                <a:uFill>
-                  <a:solidFill>
-                    <a:srgbClr val="020302"/>
-                  </a:solidFill>
-                </a:uFill>
-                <a:latin typeface="Adobe Clean"/>
-                <a:cs typeface="Adobe Clean"/>
-              </a:rPr>
-              <a:t> </a:t>
-            </a:r>
-            <a:r>
-              <a:rPr sz="1400" b="1" u="heavy" spc="-20">
-                <a:solidFill>
-                  <a:srgbClr val="020302"/>
-                </a:solidFill>
-                <a:uFill>
-                  <a:solidFill>
-                    <a:srgbClr val="020302"/>
-                  </a:solidFill>
-                </a:uFill>
-                <a:latin typeface="Adobe Clean"/>
-                <a:cs typeface="Adobe Clean"/>
-              </a:rPr>
-              <a:t>I</a:t>
-            </a:r>
-            <a:r>
-              <a:rPr sz="1400" b="1" u="heavy" spc="-10">
-                <a:solidFill>
-                  <a:srgbClr val="020302"/>
-                </a:solidFill>
-                <a:uFill>
-                  <a:solidFill>
-                    <a:srgbClr val="020302"/>
-                  </a:solidFill>
-                </a:uFill>
-                <a:latin typeface="Adobe Clean"/>
-                <a:cs typeface="Adobe Clean"/>
-              </a:rPr>
-              <a:t>ni</a:t>
-            </a:r>
-            <a:r>
-              <a:rPr sz="1400" b="1" u="heavy" spc="-20">
-                <a:solidFill>
-                  <a:srgbClr val="020302"/>
-                </a:solidFill>
-                <a:uFill>
-                  <a:solidFill>
-                    <a:srgbClr val="020302"/>
-                  </a:solidFill>
-                </a:uFill>
-                <a:latin typeface="Adobe Clean"/>
-                <a:cs typeface="Adobe Clean"/>
-              </a:rPr>
-              <a:t>t</a:t>
-            </a:r>
-            <a:r>
-              <a:rPr sz="1400" b="1" u="heavy" spc="-10">
-                <a:solidFill>
-                  <a:srgbClr val="020302"/>
-                </a:solidFill>
-                <a:uFill>
-                  <a:solidFill>
-                    <a:srgbClr val="020302"/>
-                  </a:solidFill>
-                </a:uFill>
-                <a:latin typeface="Adobe Clean"/>
-                <a:cs typeface="Adobe Clean"/>
-              </a:rPr>
-              <a:t>i</a:t>
-            </a:r>
-            <a:r>
-              <a:rPr sz="1400" b="1" u="heavy">
-                <a:solidFill>
-                  <a:srgbClr val="020302"/>
-                </a:solidFill>
-                <a:uFill>
-                  <a:solidFill>
-                    <a:srgbClr val="020302"/>
-                  </a:solidFill>
-                </a:uFill>
-                <a:latin typeface="Adobe Clean"/>
-                <a:cs typeface="Adobe Clean"/>
-              </a:rPr>
-              <a:t>al</a:t>
-            </a:r>
-            <a:r>
-              <a:rPr sz="1400" b="1" u="heavy" spc="-140">
-                <a:solidFill>
-                  <a:srgbClr val="020302"/>
-                </a:solidFill>
-                <a:uFill>
-                  <a:solidFill>
-                    <a:srgbClr val="020302"/>
-                  </a:solidFill>
-                </a:uFill>
-                <a:latin typeface="Adobe Clean"/>
-                <a:cs typeface="Adobe Clean"/>
-              </a:rPr>
-              <a:t> </a:t>
-            </a:r>
-            <a:r>
-              <a:rPr sz="1400" b="1" u="heavy" spc="-15">
-                <a:solidFill>
-                  <a:srgbClr val="020302"/>
-                </a:solidFill>
-                <a:uFill>
-                  <a:solidFill>
-                    <a:srgbClr val="020302"/>
-                  </a:solidFill>
-                </a:uFill>
-                <a:latin typeface="Adobe Clean"/>
-                <a:cs typeface="Adobe Clean"/>
-              </a:rPr>
-              <a:t>R</a:t>
-            </a:r>
-            <a:r>
-              <a:rPr sz="1400" b="1" u="heavy" spc="-25">
-                <a:solidFill>
-                  <a:srgbClr val="020302"/>
-                </a:solidFill>
-                <a:uFill>
-                  <a:solidFill>
-                    <a:srgbClr val="020302"/>
-                  </a:solidFill>
-                </a:uFill>
-                <a:latin typeface="Adobe Clean"/>
-                <a:cs typeface="Adobe Clean"/>
-              </a:rPr>
-              <a:t>e</a:t>
-            </a:r>
-            <a:r>
-              <a:rPr sz="1400" b="1" u="heavy" spc="-15">
-                <a:solidFill>
-                  <a:srgbClr val="020302"/>
-                </a:solidFill>
-                <a:uFill>
-                  <a:solidFill>
-                    <a:srgbClr val="020302"/>
-                  </a:solidFill>
-                </a:uFill>
-                <a:latin typeface="Adobe Clean"/>
-                <a:cs typeface="Adobe Clean"/>
-              </a:rPr>
-              <a:t>s</a:t>
-            </a:r>
-            <a:r>
-              <a:rPr sz="1400" b="1" u="heavy" spc="-25">
-                <a:solidFill>
-                  <a:srgbClr val="020302"/>
-                </a:solidFill>
-                <a:uFill>
-                  <a:solidFill>
-                    <a:srgbClr val="020302"/>
-                  </a:solidFill>
-                </a:uFill>
-                <a:latin typeface="Adobe Clean"/>
-                <a:cs typeface="Adobe Clean"/>
-              </a:rPr>
-              <a:t>p</a:t>
-            </a:r>
-            <a:r>
-              <a:rPr sz="1400" b="1" u="heavy" spc="-15">
-                <a:solidFill>
-                  <a:srgbClr val="020302"/>
-                </a:solidFill>
-                <a:uFill>
-                  <a:solidFill>
-                    <a:srgbClr val="020302"/>
-                  </a:solidFill>
-                </a:uFill>
-                <a:latin typeface="Adobe Clean"/>
-                <a:cs typeface="Adobe Clean"/>
-              </a:rPr>
-              <a:t>ons</a:t>
-            </a:r>
-            <a:r>
-              <a:rPr sz="1400" b="1" u="heavy">
-                <a:solidFill>
-                  <a:srgbClr val="020302"/>
-                </a:solidFill>
-                <a:uFill>
-                  <a:solidFill>
-                    <a:srgbClr val="020302"/>
-                  </a:solidFill>
-                </a:uFill>
-                <a:latin typeface="Adobe Clean"/>
-                <a:cs typeface="Adobe Clean"/>
-              </a:rPr>
-              <a:t>e</a:t>
-            </a:r>
-            <a:endParaRPr sz="1400">
-              <a:latin typeface="Adobe Clean"/>
-              <a:cs typeface="Adobe Clean"/>
-            </a:endParaRPr>
           </a:p>
         </p:txBody>
       </p:sp>
@@ -3423,13 +2874,13 @@
           <a:lstStyle/>
           <a:p>
             <a:r>
-              <a:rPr lang="en-US" sz="700" i="1" dirty="0">
+              <a:rPr lang="fr-FR" sz="700" i="1">
                 <a:solidFill>
                   <a:schemeClr val="bg1"/>
                 </a:solidFill>
                 <a:latin typeface="Adobe Clean" panose="020B0503020404020204" pitchFamily="34" charset="0"/>
               </a:rPr>
-              <a:t>Adobe Creative Cloud / Adobe Document Cloud (including Adobe Sign)</a:t>
+              <a:t>Adobe Creative Cloud / Adobe Document Cloud (y compris Adobe Sign)</a:t>
             </a:r>
           </a:p>
         </p:txBody>
@@ -3449,14 +2900,14 @@
           <p:nvPr>
             <p:extLst>
               <p:ext uri="{D42A27DB-BD31-4B8C-83A1-F6EECF244321}">
-                <p14:modId xmlns:p14="http://schemas.microsoft.com/office/powerpoint/2010/main" val="510994612"/>
+                <p14:modId xmlns:p14="http://schemas.microsoft.com/office/powerpoint/2010/main" val="1205434511"/>
               </p:ext>
             </p:extLst>
           </p:nvPr>
         </p:nvGraphicFramePr>
         <p:xfrm>
           <a:off x="209607" y="2098711"/>
-          <a:ext cx="7281936" cy="4943471"/>
+          <a:ext cx="7281936" cy="4958711"/>
         </p:xfrm>
         <a:graphic>
           <a:graphicData uri="http://schemas.openxmlformats.org/drawingml/2006/table">
@@ -3538,39 +2989,15 @@
                         <a:defRPr/>
                       </a:pPr>
                       <a:r>
-                        <a:rPr lang="en-US" sz="1200" spc="-20" dirty="0">
+                        <a:rPr lang="fr-FR" sz="1100" dirty="0">
                           <a:solidFill>
                             <a:srgbClr val="404040"/>
                           </a:solidFill>
                           <a:latin typeface="Adobe Clean"/>
                           <a:cs typeface="Adobe Clean"/>
                         </a:rPr>
-                        <a:t>Standard </a:t>
+                        <a:t>Assistance standard</a:t>
                       </a:r>
-                      <a:r>
-                        <a:rPr lang="en-US" sz="1200" spc="-135" dirty="0">
-                          <a:solidFill>
-                            <a:srgbClr val="404040"/>
-                          </a:solidFill>
-                          <a:latin typeface="Adobe Clean"/>
-                          <a:cs typeface="Adobe Clean"/>
-                        </a:rPr>
-                        <a:t> </a:t>
-                      </a:r>
-                      <a:r>
-                        <a:rPr lang="en-US" sz="1200" spc="-20" dirty="0">
-                          <a:solidFill>
-                            <a:srgbClr val="404040"/>
-                          </a:solidFill>
-                          <a:latin typeface="Adobe Clean"/>
-                          <a:cs typeface="Adobe Clean"/>
-                        </a:rPr>
-                        <a:t>Support</a:t>
-                      </a:r>
-                      <a:endParaRPr lang="en-US" sz="1200" dirty="0">
-                        <a:latin typeface="Adobe Clean"/>
-                        <a:cs typeface="Adobe Clean"/>
-                      </a:endParaRPr>
                     </a:p>
                   </a:txBody>
                   <a:tcPr marL="0" marR="0" marT="7620" marB="0" anchor="ctr">
@@ -3611,29 +3038,15 @@
                         </a:spcBef>
                       </a:pPr>
                       <a:r>
-                        <a:rPr lang="en-US" sz="1200" spc="-20" dirty="0">
+                        <a:rPr lang="fr-FR" sz="1100">
                           <a:solidFill>
                             <a:srgbClr val="FFFFFF"/>
                           </a:solidFill>
                           <a:latin typeface="Adobe Clean"/>
                           <a:cs typeface="Adobe Clean"/>
                         </a:rPr>
-                        <a:t>Elite </a:t>
+                        <a:t>Assistance Elite</a:t>
                       </a:r>
-                      <a:r>
-                        <a:rPr sz="1200" spc="-20" dirty="0">
-                          <a:solidFill>
-                            <a:srgbClr val="FFFFFF"/>
-                          </a:solidFill>
-                          <a:latin typeface="Adobe Clean"/>
-                          <a:cs typeface="Adobe Clean"/>
-                        </a:rPr>
-                        <a:t>Support</a:t>
-                      </a:r>
-                      <a:endParaRPr sz="1200" dirty="0">
-                        <a:latin typeface="Adobe Clean"/>
-                        <a:cs typeface="Adobe Clean"/>
-                      </a:endParaRPr>
                     </a:p>
                   </a:txBody>
                   <a:tcPr marL="0" marR="0" marT="7620" marB="0" anchor="ctr">
@@ -3698,7 +3111,7 @@
                     <a:bodyPr/>
                     <a:lstStyle/>
                     <a:p>
-                      <a:pPr marL="0" marR="0" lvl="0" indent="0" algn="ctr" defTabSz="914400" eaLnBrk="1" fontAlgn="auto" latinLnBrk="0" hangingPunct="1">
+                      <a:pPr marL="0" marR="0" lvl="0" indent="0" algn="l" defTabSz="914400" rtl="0" eaLnBrk="1" fontAlgn="auto" latinLnBrk="0" hangingPunct="1">
                         <a:lnSpc>
                           <a:spcPct val="100000"/>
                         </a:lnSpc>
@@ -3715,7 +3128,7 @@
                         <a:tabLst/>
                         <a:defRPr/>
                       </a:pPr>
-                      <a:endParaRPr lang="en-US" sz="1200" i="1">
+                      <a:endParaRPr lang="en-US" sz="1100" i="1">
                         <a:solidFill>
                           <a:sysClr val="windowText" lastClr="000000"/>
                         </a:solidFill>
@@ -3779,13 +3192,13 @@
                         <a:defRPr/>
                       </a:pPr>
                       <a:r>
-                        <a:rPr lang="en-US" sz="1200" b="1" i="1" dirty="0">
+                        <a:rPr lang="fr-FR" sz="1100" b="1" i="1" dirty="0">
                           <a:solidFill>
                             <a:schemeClr val="bg1"/>
                           </a:solidFill>
                           <a:latin typeface="Adobe Clean" panose="020B0503020404020204" pitchFamily="34" charset="0"/>
                         </a:rPr>
-                        <a:t>Paid Support ($)</a:t>
+                        <a:t>Assistance payante ($)</a:t>
                       </a:r>
                     </a:p>
                   </a:txBody>
@@ -3849,22 +3262,15 @@
                         </a:spcBef>
                       </a:pPr>
                       <a:r>
-                        <a:rPr lang="en-US" sz="1200" b="1" i="0" spc="0">
+                        <a:rPr lang="fr-FR" sz="1100" b="1" i="0" dirty="0">
                           <a:solidFill>
                             <a:schemeClr val="bg1"/>
                           </a:solidFill>
                           <a:latin typeface="Adobe Clean" panose="020B0503020404020204" pitchFamily="34" charset="0"/>
                           <a:cs typeface="AdobeClean-Light"/>
                         </a:rPr>
-                        <a:t>Assigned Experts</a:t>
+                        <a:t>Experts assignés</a:t>
                       </a:r>
-                      <a:endParaRPr sz="1200" b="1" i="0" spc="0">
-                        <a:solidFill>
-                          <a:schemeClr val="bg1"/>
-                        </a:solidFill>
-                        <a:latin typeface="Adobe Clean" panose="020B0503020404020204" pitchFamily="34" charset="0"/>
-                        <a:cs typeface="AdobeClean-Light"/>
-                      </a:endParaRPr>
                     </a:p>
                   </a:txBody>
                   <a:tcPr marL="0" marR="0" marT="58419" marB="0" anchor="ctr">
@@ -3914,19 +3320,15 @@
                         </a:spcBef>
                       </a:pPr>
                       <a:r>
-                        <a:rPr sz="1100" b="0" i="0" spc="0" dirty="0">
+                        <a:rPr lang="fr-FR" sz="1000" b="0" i="0" dirty="0">
                           <a:solidFill>
                             <a:srgbClr val="020302"/>
                           </a:solidFill>
                           <a:latin typeface="Adobe Clean Light" panose="020B0303020404020204" pitchFamily="34" charset="0"/>
                           <a:cs typeface="AdobeClean-Light"/>
                         </a:rPr>
-                        <a:t>Account Support Lead</a:t>
+                        <a:t>Assistance principale du compte</a:t>
                       </a:r>
-                      <a:endParaRPr sz="1100" b="0" i="0" spc="0" dirty="0">
-                        <a:latin typeface="Adobe Clean Light" panose="020B0303020404020204" pitchFamily="34" charset="0"/>
-                        <a:cs typeface="AdobeClean-Light"/>
-                      </a:endParaRPr>
                     </a:p>
                   </a:txBody>
                   <a:tcPr marL="0" marR="0" marT="58419" marB="0">
@@ -3961,7 +3363,7 @@
                     <a:bodyPr/>
                     <a:lstStyle/>
                     <a:p>
-                      <a:pPr algn="ctr">
+                      <a:pPr algn="l" rtl="0">
                         <a:lnSpc>
                           <a:spcPct val="100000"/>
                         </a:lnSpc>
@@ -4002,12 +3404,12 @@
                     <a:bodyPr/>
                     <a:lstStyle/>
                     <a:p>
-                      <a:pPr>
+                      <a:pPr algn="l" rtl="0">
                         <a:lnSpc>
                           <a:spcPct val="100000"/>
                         </a:lnSpc>
                       </a:pPr>
-                      <a:endParaRPr sz="900" spc="0">
+                      <a:endParaRPr sz="900" spc="0" dirty="0">
                         <a:latin typeface="Times New Roman"/>
                         <a:cs typeface="Times New Roman"/>
                       </a:endParaRPr>
@@ -4042,7 +3444,7 @@
                     <a:bodyPr/>
                     <a:lstStyle/>
                     <a:p>
-                      <a:pPr marL="50800">
+                      <a:pPr marL="50800" algn="l" rtl="0">
                         <a:lnSpc>
                           <a:spcPct val="100000"/>
                         </a:lnSpc>
@@ -4072,19 +3474,15 @@
                         </a:spcBef>
                       </a:pPr>
                       <a:r>
-                        <a:rPr sz="1100" b="0" i="0" spc="0" dirty="0">
+                        <a:rPr lang="fr-FR" sz="1000" b="0" i="0" dirty="0">
                           <a:solidFill>
                             <a:srgbClr val="020302"/>
                           </a:solidFill>
                           <a:latin typeface="Adobe Clean Light" panose="020B0303020404020204" pitchFamily="34" charset="0"/>
                           <a:cs typeface="AdobeClean-Light"/>
                         </a:rPr>
-                        <a:t>Named Support Engineer</a:t>
+                        <a:t>Ingénieur d’assistance nommé</a:t>
                       </a:r>
-                      <a:endParaRPr sz="1100" b="0" i="0" spc="0" dirty="0">
-                        <a:latin typeface="Adobe Clean Light" panose="020B0303020404020204" pitchFamily="34" charset="0"/>
-                        <a:cs typeface="AdobeClean-Light"/>
-                      </a:endParaRPr>
                     </a:p>
                   </a:txBody>
                   <a:tcPr marL="0" marR="0" marT="58419" marB="0">
@@ -4113,7 +3511,7 @@
                     <a:bodyPr/>
                     <a:lstStyle/>
                     <a:p>
-                      <a:pPr algn="ctr">
+                      <a:pPr algn="l" rtl="0">
                         <a:lnSpc>
                           <a:spcPct val="100000"/>
                         </a:lnSpc>
@@ -4154,7 +3552,7 @@
                         </a:spcBef>
                       </a:pPr>
                       <a:r>
-                        <a:rPr sz="900" spc="0">
+                        <a:rPr lang="fr-FR" sz="900">
                           <a:solidFill>
                             <a:srgbClr val="020302"/>
                           </a:solidFill>
@@ -4163,10 +3561,6 @@
                         </a:rPr>
                         <a:t></a:t>
                       </a:r>
-                      <a:endParaRPr sz="900" spc="0">
-                        <a:latin typeface="Wingdings"/>
-                        <a:cs typeface="Wingdings"/>
-                      </a:endParaRPr>
                     </a:p>
                   </a:txBody>
                   <a:tcPr marL="0" marR="0" marT="59055" marB="0">
@@ -4189,7 +3583,7 @@
                     <a:bodyPr/>
                     <a:lstStyle/>
                     <a:p>
-                      <a:pPr marL="50800">
+                      <a:pPr marL="50800" algn="l" rtl="0">
                         <a:lnSpc>
                           <a:spcPct val="100000"/>
                         </a:lnSpc>
@@ -4219,19 +3613,15 @@
                         </a:spcBef>
                       </a:pPr>
                       <a:r>
-                        <a:rPr sz="1100" b="0" i="0" spc="0" dirty="0">
+                        <a:rPr lang="fr-FR" sz="1000" b="0" i="0" dirty="0">
                           <a:solidFill>
                             <a:srgbClr val="020302"/>
                           </a:solidFill>
                           <a:latin typeface="Adobe Clean Light" panose="020B0303020404020204" pitchFamily="34" charset="0"/>
                           <a:cs typeface="AdobeClean-Light"/>
                         </a:rPr>
-                        <a:t>Technical Account Manager</a:t>
+                        <a:t>Gestionnaire de compte technique</a:t>
                       </a:r>
-                      <a:endParaRPr sz="1100" b="0" i="0" spc="0" dirty="0">
-                        <a:latin typeface="Adobe Clean Light" panose="020B0303020404020204" pitchFamily="34" charset="0"/>
-                        <a:cs typeface="AdobeClean-Light"/>
-                      </a:endParaRPr>
                     </a:p>
                   </a:txBody>
                   <a:tcPr marL="0" marR="0" marT="63500" marB="0">
@@ -4269,7 +3659,7 @@
                     <a:bodyPr/>
                     <a:lstStyle/>
                     <a:p>
-                      <a:pPr algn="ctr">
+                      <a:pPr algn="l" rtl="0">
                         <a:lnSpc>
                           <a:spcPct val="100000"/>
                         </a:lnSpc>
@@ -4319,7 +3709,7 @@
                         </a:spcBef>
                       </a:pPr>
                       <a:r>
-                        <a:rPr sz="900" spc="0">
+                        <a:rPr lang="fr-FR" sz="900">
                           <a:solidFill>
                             <a:srgbClr val="020302"/>
                           </a:solidFill>
@@ -4328,10 +3718,6 @@
                         </a:rPr>
                         <a:t></a:t>
                       </a:r>
-                      <a:endParaRPr sz="900" spc="0">
-                        <a:latin typeface="Wingdings"/>
-                        <a:cs typeface="Wingdings"/>
-                      </a:endParaRPr>
                     </a:p>
                   </a:txBody>
                   <a:tcPr marL="0" marR="0" marT="64135" marB="0">
@@ -4372,22 +3758,15 @@
                         </a:spcBef>
                       </a:pPr>
                       <a:r>
-                        <a:rPr lang="en-US" sz="1200" b="1" i="0" spc="0">
+                        <a:rPr lang="fr-FR" sz="1100" b="1" i="0" dirty="0">
                           <a:solidFill>
                             <a:schemeClr val="bg1"/>
                           </a:solidFill>
                           <a:latin typeface="Adobe Clean" panose="020B0503020404020204" pitchFamily="34" charset="0"/>
                           <a:cs typeface="AdobeClean-Light"/>
                         </a:rPr>
-                        <a:t>Support Services</a:t>
+                        <a:t>Services d’assistance</a:t>
                       </a:r>
-                      <a:endParaRPr sz="1200" b="1" i="0" spc="0">
-                        <a:solidFill>
-                          <a:schemeClr val="bg1"/>
-                        </a:solidFill>
-                        <a:latin typeface="Adobe Clean" panose="020B0503020404020204" pitchFamily="34" charset="0"/>
-                        <a:cs typeface="AdobeClean-Light"/>
-                      </a:endParaRPr>
                     </a:p>
                   </a:txBody>
                   <a:tcPr marL="0" marR="0" marT="57150" marB="0" anchor="ctr">
@@ -4437,19 +3816,15 @@
                         </a:spcBef>
                       </a:pPr>
                       <a:r>
-                        <a:rPr lang="en-US" sz="1100" b="0" i="0" spc="0" dirty="0">
+                        <a:rPr lang="fr-FR" sz="1000" b="0" i="0" dirty="0">
                           <a:solidFill>
                             <a:srgbClr val="020302"/>
                           </a:solidFill>
                           <a:latin typeface="Adobe Clean Light" panose="020B0303020404020204" pitchFamily="34" charset="0"/>
                           <a:cs typeface="AdobeClean-Light"/>
                         </a:rPr>
-                        <a:t>24x7 Self-Help Support </a:t>
+                        <a:t>Assistance en libre-service 24h/24 et 7j/7 </a:t>
                       </a:r>
-                      <a:endParaRPr lang="en-US" sz="1100" b="0" i="0" spc="0" dirty="0">
-                        <a:latin typeface="Adobe Clean Light" panose="020B0303020404020204" pitchFamily="34" charset="0"/>
-                        <a:cs typeface="AdobeClean-Light"/>
-                      </a:endParaRPr>
                     </a:p>
                   </a:txBody>
                   <a:tcPr marL="0" marR="0" marT="57150" marB="0">
@@ -4493,7 +3868,7 @@
                         </a:spcBef>
                       </a:pPr>
                       <a:r>
-                        <a:rPr lang="en-US" sz="900">
+                        <a:rPr lang="fr-FR" sz="900">
                           <a:solidFill>
                             <a:srgbClr val="020302"/>
                           </a:solidFill>
@@ -4502,10 +3877,6 @@
                         </a:rPr>
                         <a:t></a:t>
                       </a:r>
-                      <a:endParaRPr lang="en-US" sz="900">
-                        <a:latin typeface="Wingdings"/>
-                        <a:cs typeface="Wingdings"/>
-                      </a:endParaRPr>
                     </a:p>
                   </a:txBody>
                   <a:tcPr marL="0" marR="0" marT="58419" marB="0">
@@ -4544,7 +3915,7 @@
                         </a:spcBef>
                       </a:pPr>
                       <a:r>
-                        <a:rPr sz="900" spc="0">
+                        <a:rPr lang="fr-FR" sz="900">
                           <a:solidFill>
                             <a:srgbClr val="020302"/>
                           </a:solidFill>
@@ -4553,10 +3924,6 @@
                         </a:rPr>
                         <a:t></a:t>
                       </a:r>
-                      <a:endParaRPr sz="900" spc="0">
-                        <a:latin typeface="Wingdings"/>
-                        <a:cs typeface="Wingdings"/>
-                      </a:endParaRPr>
                     </a:p>
                   </a:txBody>
                   <a:tcPr marL="0" marR="0" marT="59055" marB="0">
@@ -4588,7 +3955,7 @@
                     <a:bodyPr/>
                     <a:lstStyle/>
                     <a:p>
-                      <a:pPr marL="50800">
+                      <a:pPr marL="50800" algn="l" rtl="0">
                         <a:lnSpc>
                           <a:spcPct val="100000"/>
                         </a:lnSpc>
@@ -4646,19 +4013,15 @@
                         </a:spcBef>
                       </a:pPr>
                       <a:r>
-                        <a:rPr lang="en-US" sz="1100" b="0" i="0" spc="0" dirty="0">
+                        <a:rPr lang="fr-FR" sz="1000" b="0" i="0" dirty="0">
                           <a:solidFill>
                             <a:srgbClr val="020302"/>
                           </a:solidFill>
                           <a:latin typeface="Adobe Clean Light" panose="020B0303020404020204" pitchFamily="34" charset="0"/>
                           <a:cs typeface="AdobeClean-Light"/>
                         </a:rPr>
-                        <a:t>24x7 Support via Chat / Phone</a:t>
+                        <a:t>Assistance 24h/24 et 7j/7 via chat/téléphone</a:t>
                       </a:r>
-                      <a:endParaRPr sz="1100" b="0" i="0" spc="0" dirty="0">
-                        <a:latin typeface="Adobe Clean Light" panose="020B0303020404020204" pitchFamily="34" charset="0"/>
-                        <a:cs typeface="AdobeClean-Light"/>
-                      </a:endParaRPr>
                     </a:p>
                   </a:txBody>
                   <a:tcPr marL="0" marR="0" marT="57785" marB="0">
@@ -4697,7 +4060,7 @@
                         </a:spcBef>
                       </a:pPr>
                       <a:r>
-                        <a:rPr lang="en-US" sz="900">
+                        <a:rPr lang="fr-FR" sz="900">
                           <a:solidFill>
                             <a:srgbClr val="020302"/>
                           </a:solidFill>
@@ -4706,10 +4069,6 @@
                         </a:rPr>
                         <a:t></a:t>
                       </a:r>
-                      <a:endParaRPr lang="en-US" sz="900">
-                        <a:latin typeface="Wingdings"/>
-                        <a:cs typeface="Wingdings"/>
-                      </a:endParaRPr>
                     </a:p>
                   </a:txBody>
                   <a:tcPr marL="0" marR="0" marT="58419" marB="0">
@@ -4746,7 +4105,7 @@
                         </a:spcBef>
                       </a:pPr>
                       <a:r>
-                        <a:rPr sz="900" spc="0">
+                        <a:rPr lang="fr-FR" sz="900">
                           <a:solidFill>
                             <a:srgbClr val="020302"/>
                           </a:solidFill>
@@ -4755,10 +4114,6 @@
                         </a:rPr>
                         <a:t></a:t>
                       </a:r>
-                      <a:endParaRPr sz="900" spc="0">
-                        <a:latin typeface="Wingdings"/>
-                        <a:cs typeface="Wingdings"/>
-                      </a:endParaRPr>
                     </a:p>
                   </a:txBody>
                   <a:tcPr marL="0" marR="0" marT="64135" marB="0">
@@ -4790,7 +4145,7 @@
                     <a:bodyPr/>
                     <a:lstStyle/>
                     <a:p>
-                      <a:pPr marL="50800">
+                      <a:pPr marL="50800" algn="l" rtl="0">
                         <a:lnSpc>
                           <a:spcPct val="100000"/>
                         </a:lnSpc>
@@ -4857,16 +4212,12 @@
                         </a:spcBef>
                       </a:pPr>
                       <a:r>
-                        <a:rPr lang="en-US" sz="1100" b="0" i="0" spc="0">
+                        <a:rPr lang="fr-FR" sz="1000" b="0" i="0" dirty="0">
                           <a:latin typeface="Adobe Clean Light" panose="020B0303020404020204" pitchFamily="34" charset="0"/>
                           <a:cs typeface="AdobeClean-Light"/>
                         </a:rPr>
-                        <a:t>Web Case Submissions </a:t>
+                        <a:t>Envoi de cas en ligne </a:t>
                       </a:r>
-                      <a:endParaRPr sz="1100" b="0" i="0" spc="0">
-                        <a:latin typeface="Adobe Clean Light" panose="020B0303020404020204" pitchFamily="34" charset="0"/>
-                        <a:cs typeface="AdobeClean-Light"/>
-                      </a:endParaRPr>
                     </a:p>
                   </a:txBody>
                   <a:tcPr marL="0" marR="0" marT="57785" marB="0">
@@ -4905,7 +4256,7 @@
                         </a:spcBef>
                       </a:pPr>
                       <a:r>
-                        <a:rPr sz="900">
+                        <a:rPr lang="fr-FR" sz="900">
                           <a:solidFill>
                             <a:srgbClr val="020302"/>
                           </a:solidFill>
@@ -4914,10 +4265,6 @@
                         </a:rPr>
                         <a:t></a:t>
                       </a:r>
-                      <a:endParaRPr sz="900">
-                        <a:latin typeface="Wingdings"/>
-                        <a:cs typeface="Wingdings"/>
-                      </a:endParaRPr>
                     </a:p>
                   </a:txBody>
                   <a:tcPr marL="0" marR="0" marT="58419" marB="0">
@@ -4954,7 +4301,7 @@
                         </a:spcBef>
                       </a:pPr>
                       <a:r>
-                        <a:rPr sz="900" spc="0">
+                        <a:rPr lang="fr-FR" sz="900">
                           <a:solidFill>
                             <a:srgbClr val="020302"/>
                           </a:solidFill>
@@ -4963,10 +4310,6 @@
                         </a:rPr>
                         <a:t></a:t>
                       </a:r>
-                      <a:endParaRPr sz="900" spc="0">
-                        <a:latin typeface="Wingdings"/>
-                        <a:cs typeface="Wingdings"/>
-                      </a:endParaRPr>
                     </a:p>
                   </a:txBody>
                   <a:tcPr marL="0" marR="0" marT="58419" marB="0">
@@ -4998,7 +4341,7 @@
                     <a:bodyPr/>
                     <a:lstStyle/>
                     <a:p>
-                      <a:pPr marL="50800">
+                      <a:pPr marL="50800" algn="l" rtl="0">
                         <a:lnSpc>
                           <a:spcPct val="100000"/>
                         </a:lnSpc>
@@ -5047,19 +4390,15 @@
                         </a:spcBef>
                       </a:pPr>
                       <a:r>
-                        <a:rPr lang="en-US" sz="1100" b="0" i="0" spc="0" dirty="0">
+                        <a:rPr lang="fr-FR" sz="1000" b="0" i="0" dirty="0">
                           <a:solidFill>
                             <a:srgbClr val="020302"/>
                           </a:solidFill>
                           <a:latin typeface="Adobe Clean Light" panose="020B0303020404020204" pitchFamily="34" charset="0"/>
                           <a:cs typeface="AdobeClean-Light"/>
                         </a:rPr>
-                        <a:t>Priority Case Routing</a:t>
+                        <a:t>Acheminement prioritaire des cas</a:t>
                       </a:r>
-                      <a:endParaRPr sz="1100" b="0" i="0" spc="0" dirty="0">
-                        <a:latin typeface="Adobe Clean Light" panose="020B0303020404020204" pitchFamily="34" charset="0"/>
-                        <a:cs typeface="AdobeClean-Light"/>
-                      </a:endParaRPr>
                     </a:p>
                   </a:txBody>
                   <a:tcPr marL="0" marR="0" marT="58419" marB="0">
@@ -5082,7 +4421,7 @@
                     <a:bodyPr/>
                     <a:lstStyle/>
                     <a:p>
-                      <a:pPr algn="ctr">
+                      <a:pPr algn="l" rtl="0">
                         <a:lnSpc>
                           <a:spcPct val="100000"/>
                         </a:lnSpc>
@@ -5123,7 +4462,7 @@
                         </a:spcBef>
                       </a:pPr>
                       <a:r>
-                        <a:rPr sz="900" spc="0">
+                        <a:rPr lang="fr-FR" sz="900">
                           <a:solidFill>
                             <a:srgbClr val="020302"/>
                           </a:solidFill>
@@ -5132,10 +4471,6 @@
                         </a:rPr>
                         <a:t></a:t>
                       </a:r>
-                      <a:endParaRPr sz="900" spc="0">
-                        <a:latin typeface="Wingdings"/>
-                        <a:cs typeface="Wingdings"/>
-                      </a:endParaRPr>
                     </a:p>
                   </a:txBody>
                   <a:tcPr marL="0" marR="0" marT="58419" marB="0">
@@ -5158,7 +4493,7 @@
                     <a:bodyPr/>
                     <a:lstStyle/>
                     <a:p>
-                      <a:pPr marL="50800">
+                      <a:pPr marL="50800" algn="l" rtl="0">
                         <a:lnSpc>
                           <a:spcPct val="100000"/>
                         </a:lnSpc>
@@ -5225,11 +4560,11 @@
                         <a:defRPr/>
                       </a:pPr>
                       <a:r>
-                        <a:rPr lang="en-US" sz="1100" b="0" i="0" spc="0" dirty="0">
+                        <a:rPr lang="fr-FR" sz="1000" b="0" i="0">
                           <a:latin typeface="Adobe Clean Light" panose="020B0303020404020204" pitchFamily="34" charset="0"/>
                           <a:cs typeface="AdobeClean-Light"/>
                         </a:rPr>
-                        <a:t>Accelerated Issue Prioritization</a:t>
+                        <a:t>Accélération du traitement des problèmes</a:t>
                       </a:r>
                     </a:p>
                   </a:txBody>
@@ -5259,7 +4594,7 @@
                     <a:bodyPr/>
                     <a:lstStyle/>
                     <a:p>
-                      <a:pPr algn="ctr">
+                      <a:pPr algn="l" rtl="0">
                         <a:lnSpc>
                           <a:spcPct val="100000"/>
                         </a:lnSpc>
@@ -5300,7 +4635,7 @@
                         </a:spcBef>
                       </a:pPr>
                       <a:r>
-                        <a:rPr sz="900" spc="0">
+                        <a:rPr lang="fr-FR" sz="900">
                           <a:solidFill>
                             <a:srgbClr val="020302"/>
                           </a:solidFill>
@@ -5309,10 +4644,6 @@
                         </a:rPr>
                         <a:t></a:t>
                       </a:r>
-                      <a:endParaRPr sz="900" spc="0">
-                        <a:latin typeface="Wingdings"/>
-                        <a:cs typeface="Wingdings"/>
-                      </a:endParaRPr>
                     </a:p>
                   </a:txBody>
                   <a:tcPr marL="0" marR="0" marT="58419" marB="0">
@@ -5373,16 +4704,12 @@
                         </a:spcBef>
                       </a:pPr>
                       <a:r>
-                        <a:rPr lang="en-US" sz="1100" b="0" i="0" spc="0">
+                        <a:rPr lang="fr-FR" sz="1000" b="0" i="0">
                           <a:latin typeface="Adobe Clean Light" panose="020B0303020404020204" pitchFamily="34" charset="0"/>
                           <a:cs typeface="AdobeClean-Light"/>
                         </a:rPr>
-                        <a:t>Escalation Management</a:t>
+                        <a:t>Gestion des remontées d’informations</a:t>
                       </a:r>
-                      <a:endParaRPr sz="1100" b="0" i="0" spc="0">
-                        <a:latin typeface="Adobe Clean Light" panose="020B0303020404020204" pitchFamily="34" charset="0"/>
-                        <a:cs typeface="AdobeClean-Light"/>
-                      </a:endParaRPr>
                     </a:p>
                   </a:txBody>
                   <a:tcPr marL="0" marR="0" marT="57150" marB="0">
@@ -5405,7 +4732,7 @@
                     <a:bodyPr/>
                     <a:lstStyle/>
                     <a:p>
-                      <a:pPr algn="ctr">
+                      <a:pPr algn="l" rtl="0">
                         <a:lnSpc>
                           <a:spcPct val="100000"/>
                         </a:lnSpc>
@@ -5446,7 +4773,7 @@
                         </a:spcBef>
                       </a:pPr>
                       <a:r>
-                        <a:rPr sz="900" spc="0">
+                        <a:rPr lang="fr-FR" sz="900">
                           <a:solidFill>
                             <a:srgbClr val="020302"/>
                           </a:solidFill>
@@ -5455,10 +4782,6 @@
                         </a:rPr>
                         <a:t></a:t>
                       </a:r>
-                      <a:endParaRPr sz="900" spc="0">
-                        <a:latin typeface="Wingdings"/>
-                        <a:cs typeface="Wingdings"/>
-                      </a:endParaRPr>
                     </a:p>
                   </a:txBody>
                   <a:tcPr marL="0" marR="0" marT="59690" marB="0">
@@ -5519,16 +4842,12 @@
                         </a:spcBef>
                       </a:pPr>
                       <a:r>
-                        <a:rPr lang="en-US" sz="1100" b="0" i="0" spc="0" dirty="0">
+                        <a:rPr lang="fr-FR" sz="1000" b="0" i="0">
                           <a:latin typeface="Adobe Clean Light" panose="020B0303020404020204" pitchFamily="34" charset="0"/>
                           <a:cs typeface="AdobeClean-Light"/>
                         </a:rPr>
-                        <a:t>Proactive Case Monitoring</a:t>
+                        <a:t>Surveillance des cas proactive</a:t>
                       </a:r>
-                      <a:endParaRPr sz="1100" b="0" i="0" spc="0" dirty="0">
-                        <a:latin typeface="Adobe Clean Light" panose="020B0303020404020204" pitchFamily="34" charset="0"/>
-                        <a:cs typeface="AdobeClean-Light"/>
-                      </a:endParaRPr>
                     </a:p>
                   </a:txBody>
                   <a:tcPr marL="0" marR="0" marT="57150" marB="0">
@@ -5551,7 +4870,7 @@
                     <a:bodyPr/>
                     <a:lstStyle/>
                     <a:p>
-                      <a:pPr algn="ctr">
+                      <a:pPr algn="l" rtl="0">
                         <a:lnSpc>
                           <a:spcPct val="100000"/>
                         </a:lnSpc>
@@ -5592,7 +4911,7 @@
                         </a:spcBef>
                       </a:pPr>
                       <a:r>
-                        <a:rPr sz="900" spc="0" dirty="0">
+                        <a:rPr lang="fr-FR" sz="900">
                           <a:solidFill>
                             <a:srgbClr val="020302"/>
                           </a:solidFill>
@@ -5601,10 +4920,6 @@
                         </a:rPr>
                         <a:t></a:t>
                       </a:r>
-                      <a:endParaRPr sz="900" spc="0" dirty="0">
-                        <a:latin typeface="Wingdings"/>
-                        <a:cs typeface="Wingdings"/>
-                      </a:endParaRPr>
                     </a:p>
                   </a:txBody>
                   <a:tcPr marL="0" marR="0" marT="59690" marB="0">
@@ -5627,7 +4942,7 @@
                     <a:bodyPr/>
                     <a:lstStyle/>
                     <a:p>
-                      <a:pPr marL="48895">
+                      <a:pPr marL="48895" algn="l" rtl="0">
                         <a:lnSpc>
                           <a:spcPct val="100000"/>
                         </a:lnSpc>
@@ -5676,19 +4991,15 @@
                         </a:spcBef>
                       </a:pPr>
                       <a:r>
-                        <a:rPr lang="en-US" sz="1100" b="0" i="0" spc="0" dirty="0">
+                        <a:rPr lang="fr-FR" sz="1000" b="0" i="0" dirty="0">
                           <a:solidFill>
                             <a:srgbClr val="020302"/>
                           </a:solidFill>
                           <a:latin typeface="Adobe Clean Light" panose="020B0303020404020204" pitchFamily="34" charset="0"/>
                           <a:cs typeface="AdobeClean-Light"/>
                         </a:rPr>
-                        <a:t>In-Region Support Option</a:t>
+                        <a:t>Option d’assistance régionale</a:t>
                       </a:r>
-                      <a:endParaRPr sz="1100" b="0" i="0" spc="0" dirty="0">
-                        <a:latin typeface="Adobe Clean Light" panose="020B0303020404020204" pitchFamily="34" charset="0"/>
-                        <a:cs typeface="AdobeClean-Light"/>
-                      </a:endParaRPr>
                     </a:p>
                   </a:txBody>
                   <a:tcPr marL="0" marR="0" marT="58419" marB="0">
@@ -5711,7 +5022,7 @@
                     <a:bodyPr/>
                     <a:lstStyle/>
                     <a:p>
-                      <a:pPr>
+                      <a:pPr algn="l" rtl="0">
                         <a:lnSpc>
                           <a:spcPct val="100000"/>
                         </a:lnSpc>
@@ -5749,7 +5060,7 @@
                         </a:spcBef>
                       </a:pPr>
                       <a:r>
-                        <a:rPr sz="900" spc="0" dirty="0">
+                        <a:rPr lang="fr-FR" sz="900">
                           <a:solidFill>
                             <a:srgbClr val="020302"/>
                           </a:solidFill>
@@ -5758,10 +5069,6 @@
                         </a:rPr>
                         <a:t></a:t>
                       </a:r>
-                      <a:endParaRPr sz="900" spc="0" dirty="0">
-                        <a:latin typeface="Wingdings"/>
-                        <a:cs typeface="Wingdings"/>
-                      </a:endParaRPr>
                     </a:p>
                   </a:txBody>
                   <a:tcPr marL="0" marR="0" marT="59690" marB="0">
@@ -5784,7 +5091,7 @@
                     <a:bodyPr/>
                     <a:lstStyle/>
                     <a:p>
-                      <a:pPr marL="48895">
+                      <a:pPr marL="48895" algn="l" rtl="0">
                         <a:lnSpc>
                           <a:spcPct val="100000"/>
                         </a:lnSpc>
@@ -5814,19 +5121,15 @@
                         </a:spcBef>
                       </a:pPr>
                       <a:r>
-                        <a:rPr lang="en-US" sz="1100" b="0" i="0" spc="0">
+                        <a:rPr lang="fr-FR" sz="1000" b="0" i="0">
                           <a:solidFill>
                             <a:srgbClr val="020302"/>
                           </a:solidFill>
                           <a:latin typeface="Adobe Clean Light" panose="020B0303020404020204" pitchFamily="34" charset="0"/>
                           <a:cs typeface="AdobeClean-Light"/>
                         </a:rPr>
-                        <a:t>Service Reviews</a:t>
+                        <a:t>Examens de service</a:t>
                       </a:r>
-                      <a:endParaRPr sz="1100" b="0" i="0" spc="0">
-                        <a:latin typeface="Adobe Clean Light" panose="020B0303020404020204" pitchFamily="34" charset="0"/>
-                        <a:cs typeface="AdobeClean-Light"/>
-                      </a:endParaRPr>
                     </a:p>
                   </a:txBody>
                   <a:tcPr marL="0" marR="0" marT="59055" marB="0">
@@ -5855,7 +5158,7 @@
                     <a:bodyPr/>
                     <a:lstStyle/>
                     <a:p>
-                      <a:pPr>
+                      <a:pPr algn="l" rtl="0">
                         <a:lnSpc>
                           <a:spcPct val="100000"/>
                         </a:lnSpc>
@@ -5893,29 +5196,15 @@
                         </a:spcBef>
                       </a:pPr>
                       <a:r>
-                        <a:rPr sz="900" spc="0" dirty="0">
+                        <a:rPr lang="fr-FR" sz="900" dirty="0">
                           <a:solidFill>
                             <a:srgbClr val="020302"/>
                           </a:solidFill>
                           <a:latin typeface="AdobeClean-Light"/>
                           <a:cs typeface="AdobeClean-Light"/>
                         </a:rPr>
-                        <a:t>4</a:t>
+                        <a:t>4/an</a:t>
                       </a:r>
-                      <a:r>
-                        <a:rPr lang="en-US" sz="900" spc="0" dirty="0">
-                          <a:solidFill>
-                            <a:srgbClr val="020302"/>
-                          </a:solidFill>
-                          <a:latin typeface="AdobeClean-Light"/>
-                          <a:cs typeface="AdobeClean-Light"/>
-                        </a:rPr>
-                        <a:t>/year</a:t>
-                      </a:r>
-                      <a:endParaRPr sz="900" spc="0" dirty="0">
-                        <a:latin typeface="AdobeClean-Light"/>
-                        <a:cs typeface="AdobeClean-Light"/>
-                      </a:endParaRPr>
                     </a:p>
                   </a:txBody>
                   <a:tcPr marL="0" marR="0" marT="57150" marB="0">
@@ -5938,7 +5227,7 @@
                     <a:bodyPr/>
                     <a:lstStyle/>
                     <a:p>
-                      <a:pPr marL="49530">
+                      <a:pPr marL="49530" algn="l" rtl="0">
                         <a:lnSpc>
                           <a:spcPct val="100000"/>
                         </a:lnSpc>
@@ -5968,16 +5257,12 @@
                         </a:spcBef>
                       </a:pPr>
                       <a:r>
-                        <a:rPr lang="en-US" sz="1100" b="0" i="0" spc="0">
+                        <a:rPr lang="fr-FR" sz="1000" b="0" i="0">
                           <a:latin typeface="Adobe Clean Light" panose="020B0303020404020204" pitchFamily="34" charset="0"/>
                           <a:cs typeface="AdobeClean-Light"/>
                         </a:rPr>
-                        <a:t>Case Reviews</a:t>
+                        <a:t>Examens de cas</a:t>
                       </a:r>
-                      <a:endParaRPr sz="1100" b="0" i="0" spc="0">
-                        <a:latin typeface="Adobe Clean Light" panose="020B0303020404020204" pitchFamily="34" charset="0"/>
-                        <a:cs typeface="AdobeClean-Light"/>
-                      </a:endParaRPr>
                     </a:p>
                   </a:txBody>
                   <a:tcPr marL="0" marR="0" marT="63500" marB="0">
@@ -6006,7 +5291,7 @@
                     <a:bodyPr/>
                     <a:lstStyle/>
                     <a:p>
-                      <a:pPr>
+                      <a:pPr algn="l" rtl="0">
                         <a:lnSpc>
                           <a:spcPct val="100000"/>
                         </a:lnSpc>
@@ -6044,16 +5329,12 @@
                         </a:spcBef>
                       </a:pPr>
                       <a:r>
-                        <a:rPr lang="en-US" sz="900" spc="0">
+                        <a:rPr lang="fr-FR" sz="900">
                           <a:latin typeface="AdobeClean-Light"/>
                           <a:cs typeface="AdobeClean-Light"/>
                         </a:rPr>
-                        <a:t>2/month</a:t>
+                        <a:t>2/mois</a:t>
                       </a:r>
-                      <a:endParaRPr sz="900" spc="0">
-                        <a:latin typeface="AdobeClean-Light"/>
-                        <a:cs typeface="AdobeClean-Light"/>
-                      </a:endParaRPr>
                     </a:p>
                   </a:txBody>
                   <a:tcPr marL="0" marR="0" marT="57150" marB="0">
@@ -6132,11 +5413,11 @@
                         <a:defRPr/>
                       </a:pPr>
                       <a:r>
-                        <a:rPr lang="en-US" sz="1100" b="0" i="0" spc="0">
+                        <a:rPr lang="fr-FR" sz="1000" b="0" i="0">
                           <a:latin typeface="Adobe Clean Light" panose="020B0303020404020204" pitchFamily="34" charset="0"/>
                           <a:cs typeface="AdobeClean-Light"/>
                         </a:rPr>
-                        <a:t>Solution Review</a:t>
+                        <a:t>Examen des solutions</a:t>
                       </a:r>
                     </a:p>
                   </a:txBody>
@@ -6166,7 +5447,7 @@
                     <a:bodyPr/>
                     <a:lstStyle/>
                     <a:p>
-                      <a:pPr>
+                      <a:pPr algn="l" rtl="0">
                         <a:lnSpc>
                           <a:spcPct val="100000"/>
                         </a:lnSpc>
@@ -6204,7 +5485,7 @@
                         </a:spcBef>
                       </a:pPr>
                       <a:r>
-                        <a:rPr sz="900" spc="0">
+                        <a:rPr lang="fr-FR" sz="900">
                           <a:solidFill>
                             <a:srgbClr val="020302"/>
                           </a:solidFill>
@@ -6213,10 +5494,6 @@
                         </a:rPr>
                         <a:t></a:t>
                       </a:r>
-                      <a:endParaRPr sz="900" spc="0">
-                        <a:latin typeface="Wingdings"/>
-                        <a:cs typeface="Wingdings"/>
-                      </a:endParaRPr>
                     </a:p>
                   </a:txBody>
                   <a:tcPr marL="0" marR="0" marT="59690" marB="0">
@@ -6286,11 +5563,11 @@
                         <a:defRPr/>
                       </a:pPr>
                       <a:r>
-                        <a:rPr lang="en-US" sz="1100" b="0" i="0" spc="0" dirty="0">
+                        <a:rPr lang="fr-FR" sz="1000" b="0" i="0">
                           <a:latin typeface="Adobe Clean Light" panose="020B0303020404020204" pitchFamily="34" charset="0"/>
                           <a:cs typeface="AdobeClean-Light"/>
                         </a:rPr>
-                        <a:t>Roadmap Review </a:t>
+                        <a:t>Examen de la feuille de route </a:t>
                       </a:r>
                     </a:p>
                   </a:txBody>
@@ -6314,7 +5591,7 @@
                     <a:bodyPr/>
                     <a:lstStyle/>
                     <a:p>
-                      <a:pPr>
+                      <a:pPr algn="l" rtl="0">
                         <a:lnSpc>
                           <a:spcPct val="100000"/>
                         </a:lnSpc>
@@ -6352,7 +5629,7 @@
                         </a:spcBef>
                       </a:pPr>
                       <a:r>
-                        <a:rPr sz="900" spc="0">
+                        <a:rPr lang="fr-FR" sz="900">
                           <a:solidFill>
                             <a:srgbClr val="020302"/>
                           </a:solidFill>
@@ -6361,10 +5638,6 @@
                         </a:rPr>
                         <a:t></a:t>
                       </a:r>
-                      <a:endParaRPr sz="900" spc="0">
-                        <a:latin typeface="Wingdings"/>
-                        <a:cs typeface="Wingdings"/>
-                      </a:endParaRPr>
                     </a:p>
                   </a:txBody>
                   <a:tcPr marL="0" marR="0" marT="59690" marB="0">
@@ -6434,19 +5707,15 @@
                         <a:defRPr/>
                       </a:pPr>
                       <a:r>
-                        <a:rPr lang="en-US" sz="1100" b="0" i="0" spc="0">
+                        <a:rPr lang="fr-FR" sz="1000" b="0" i="0">
                           <a:solidFill>
                             <a:srgbClr val="020302"/>
                           </a:solidFill>
                           <a:latin typeface="Adobe Clean Light" panose="020B0303020404020204" pitchFamily="34" charset="0"/>
                           <a:cs typeface="AdobeClean-Light"/>
                         </a:rPr>
-                        <a:t>Additional Named Support Contacts </a:t>
+                        <a:t>Contacts d’assistance nommés supplémentaires </a:t>
                       </a:r>
-                      <a:endParaRPr lang="en-US" sz="1100" b="0" i="0" spc="0">
-                        <a:latin typeface="Adobe Clean Light" panose="020B0303020404020204" pitchFamily="34" charset="0"/>
-                        <a:cs typeface="AdobeClean-Light"/>
-                      </a:endParaRPr>
                     </a:p>
                   </a:txBody>
                   <a:tcPr marL="0" marR="0" marT="63500" marB="0">
@@ -6469,7 +5738,7 @@
                     <a:bodyPr/>
                     <a:lstStyle/>
                     <a:p>
-                      <a:pPr>
+                      <a:pPr algn="l" rtl="0">
                         <a:lnSpc>
                           <a:spcPct val="100000"/>
                         </a:lnSpc>
@@ -6516,7 +5785,7 @@
                         <a:defRPr/>
                       </a:pPr>
                       <a:r>
-                        <a:rPr lang="en-US" sz="900" spc="0">
+                        <a:rPr lang="fr-FR" sz="900">
                           <a:solidFill>
                             <a:srgbClr val="020302"/>
                           </a:solidFill>
@@ -6525,10 +5794,6 @@
                         </a:rPr>
                         <a:t></a:t>
                       </a:r>
-                      <a:endParaRPr lang="en-US" sz="900" spc="0">
-                        <a:latin typeface="Wingdings"/>
-                        <a:cs typeface="Wingdings"/>
-                      </a:endParaRPr>
                     </a:p>
                   </a:txBody>
                   <a:tcPr marL="0" marR="0" marT="64135" marB="0">
@@ -6598,16 +5863,12 @@
                         </a:spcBef>
                       </a:pPr>
                       <a:r>
-                        <a:rPr lang="en-US" sz="1100" b="0" i="0" spc="0" dirty="0">
+                        <a:rPr lang="fr-FR" sz="1000" b="0" i="0" dirty="0">
                           <a:latin typeface="Adobe Clean Light" panose="020B0303020404020204" pitchFamily="34" charset="0"/>
                           <a:cs typeface="AdobeClean-Light"/>
                         </a:rPr>
-                        <a:t>Upgrade/Migration Planning</a:t>
+                        <a:t>Planification des mises à niveau/de la migration</a:t>
                       </a:r>
-                      <a:endParaRPr sz="1100" b="0" i="0" spc="0" dirty="0">
-                        <a:latin typeface="Adobe Clean Light" panose="020B0303020404020204" pitchFamily="34" charset="0"/>
-                        <a:cs typeface="AdobeClean-Light"/>
-                      </a:endParaRPr>
                     </a:p>
                   </a:txBody>
                   <a:tcPr marL="0" marR="0" marT="63500" marB="0">
@@ -6639,7 +5900,7 @@
                     <a:bodyPr/>
                     <a:lstStyle/>
                     <a:p>
-                      <a:pPr>
+                      <a:pPr algn="l" rtl="0">
                         <a:lnSpc>
                           <a:spcPct val="100000"/>
                         </a:lnSpc>
@@ -6695,7 +5956,7 @@
                         <a:defRPr/>
                       </a:pPr>
                       <a:r>
-                        <a:rPr lang="en-US" sz="900" spc="0" dirty="0">
+                        <a:rPr lang="fr-FR" sz="900">
                           <a:solidFill>
                             <a:srgbClr val="020302"/>
                           </a:solidFill>
@@ -6704,10 +5965,6 @@
                         </a:rPr>
                         <a:t></a:t>
                       </a:r>
-                      <a:endParaRPr lang="en-US" sz="900" spc="0" dirty="0">
-                        <a:latin typeface="Wingdings"/>
-                        <a:cs typeface="Wingdings"/>
-                      </a:endParaRPr>
                     </a:p>
                   </a:txBody>
                   <a:tcPr marL="0" marR="0" marT="64135" marB="0">
@@ -6758,16 +6015,12 @@
                         </a:spcBef>
                       </a:pPr>
                       <a:r>
-                        <a:rPr lang="en-US" sz="1100" b="0" i="0" spc="0" dirty="0">
+                        <a:rPr lang="fr-FR" sz="1000" b="0" i="0">
                           <a:latin typeface="Adobe Clean Light" panose="020B0303020404020204" pitchFamily="34" charset="0"/>
                           <a:cs typeface="AdobeClean-Light"/>
                         </a:rPr>
-                        <a:t>Release Preparation and Planning</a:t>
+                        <a:t>Préparation et planification des versions</a:t>
                       </a:r>
-                      <a:endParaRPr sz="1100" b="0" i="0" spc="0" dirty="0">
-                        <a:latin typeface="Adobe Clean Light" panose="020B0303020404020204" pitchFamily="34" charset="0"/>
-                        <a:cs typeface="AdobeClean-Light"/>
-                      </a:endParaRPr>
                     </a:p>
                   </a:txBody>
                   <a:tcPr marL="0" marR="0" marT="63500" marB="0">
@@ -6814,7 +6067,7 @@
                     <a:bodyPr/>
                     <a:lstStyle/>
                     <a:p>
-                      <a:pPr>
+                      <a:pPr algn="l" rtl="0">
                         <a:lnSpc>
                           <a:spcPct val="100000"/>
                         </a:lnSpc>
@@ -6879,7 +6132,7 @@
                         <a:defRPr/>
                       </a:pPr>
                       <a:r>
-                        <a:rPr lang="en-US" sz="900" spc="0" dirty="0">
+                        <a:rPr lang="fr-FR" sz="900">
                           <a:solidFill>
                             <a:srgbClr val="020302"/>
                           </a:solidFill>
@@ -6888,10 +6141,6 @@
                         </a:rPr>
                         <a:t></a:t>
                       </a:r>
-                      <a:endParaRPr lang="en-US" sz="900" spc="0" dirty="0">
-                        <a:latin typeface="Wingdings"/>
-                        <a:cs typeface="Wingdings"/>
-                      </a:endParaRPr>
                     </a:p>
                   </a:txBody>
                   <a:tcPr marL="0" marR="0" marT="64135" marB="0">
@@ -6932,7 +6181,7 @@
                     <a:bodyPr/>
                     <a:lstStyle/>
                     <a:p>
-                      <a:pPr marL="49530">
+                      <a:pPr marL="49530" algn="l" rtl="0">
                         <a:lnSpc>
                           <a:spcPct val="100000"/>
                         </a:lnSpc>
@@ -6996,16 +6245,12 @@
                         </a:spcBef>
                       </a:pPr>
                       <a:r>
-                        <a:rPr lang="en-US" sz="1100" b="0" i="0" spc="0" dirty="0">
+                        <a:rPr lang="fr-FR" sz="1000" b="0" i="0" dirty="0">
                           <a:latin typeface="Adobe Clean Light" panose="020B0303020404020204" pitchFamily="34" charset="0"/>
                           <a:cs typeface="AdobeClean-Light"/>
                         </a:rPr>
-                        <a:t>Executive Sponsor</a:t>
+                        <a:t>Parrain du projet</a:t>
                       </a:r>
-                      <a:endParaRPr sz="1100" b="0" i="0" spc="0" dirty="0">
-                        <a:latin typeface="Adobe Clean Light" panose="020B0303020404020204" pitchFamily="34" charset="0"/>
-                        <a:cs typeface="AdobeClean-Light"/>
-                      </a:endParaRPr>
                     </a:p>
                   </a:txBody>
                   <a:tcPr marL="0" marR="0" marT="67310" marB="0">
@@ -7049,7 +6294,7 @@
                     <a:bodyPr/>
                     <a:lstStyle/>
                     <a:p>
-                      <a:pPr>
+                      <a:pPr algn="l" rtl="0">
                         <a:lnSpc>
                           <a:spcPct val="100000"/>
                         </a:lnSpc>
@@ -7114,7 +6359,7 @@
                         </a:spcBef>
                       </a:pPr>
                       <a:r>
-                        <a:rPr sz="900" spc="0" dirty="0">
+                        <a:rPr lang="fr-FR" sz="900" dirty="0">
                           <a:solidFill>
                             <a:srgbClr val="020302"/>
                           </a:solidFill>
@@ -7123,10 +6368,6 @@
                         </a:rPr>
                         <a:t></a:t>
                       </a:r>
-                      <a:endParaRPr sz="900" spc="0" dirty="0">
-                        <a:latin typeface="Wingdings"/>
-                        <a:cs typeface="Wingdings"/>
-                      </a:endParaRPr>
                     </a:p>
                   </a:txBody>
                   <a:tcPr marL="0" marR="0" marT="62230" marB="0">
@@ -7189,14 +6430,14 @@
           <p:nvPr>
             <p:extLst>
               <p:ext uri="{D42A27DB-BD31-4B8C-83A1-F6EECF244321}">
-                <p14:modId xmlns:p14="http://schemas.microsoft.com/office/powerpoint/2010/main" val="2386093707"/>
+                <p14:modId xmlns:p14="http://schemas.microsoft.com/office/powerpoint/2010/main" val="2970317773"/>
               </p:ext>
             </p:extLst>
           </p:nvPr>
         </p:nvGraphicFramePr>
         <p:xfrm>
           <a:off x="209607" y="7483227"/>
-          <a:ext cx="7281936" cy="2361428"/>
+          <a:ext cx="7281936" cy="2336859"/>
         </p:xfrm>
         <a:graphic>
           <a:graphicData uri="http://schemas.openxmlformats.org/drawingml/2006/table">
@@ -7205,21 +6446,21 @@
                 <a:tableStyleId>{2D5ABB26-0587-4C30-8999-92F81FD0307C}</a:tableStyleId>
               </a:tblPr>
               <a:tblGrid>
-                <a:gridCol w="3640970">
+                <a:gridCol w="3759143">
                   <a:extLst>
                     <a:ext uri="{9D8B030D-6E8A-4147-A177-3AD203B41FA5}">
                       <a16:colId xmlns:a16="http://schemas.microsoft.com/office/drawing/2014/main" val="20000"/>
                     </a:ext>
                   </a:extLst>
                 </a:gridCol>
-                <a:gridCol w="950023">
+                <a:gridCol w="863600">
                   <a:extLst>
                     <a:ext uri="{9D8B030D-6E8A-4147-A177-3AD203B41FA5}">
                       <a16:colId xmlns:a16="http://schemas.microsoft.com/office/drawing/2014/main" val="20001"/>
                     </a:ext>
                   </a:extLst>
                 </a:gridCol>
-                <a:gridCol w="896981">
+                <a:gridCol w="865231">
                   <a:extLst>
                     <a:ext uri="{9D8B030D-6E8A-4147-A177-3AD203B41FA5}">
                       <a16:colId xmlns:a16="http://schemas.microsoft.com/office/drawing/2014/main" val="20002"/>
@@ -7256,19 +6497,15 @@
                         </a:spcBef>
                       </a:pPr>
                       <a:r>
-                        <a:rPr sz="900" spc="0">
+                        <a:rPr lang="fr-FR" sz="800" dirty="0">
                           <a:solidFill>
                             <a:srgbClr val="020302"/>
                           </a:solidFill>
                           <a:latin typeface="Adobe Clean"/>
                           <a:cs typeface="Adobe Clean"/>
                         </a:rPr>
-                        <a:t>Priority</a:t>
+                        <a:t>Priorité</a:t>
                       </a:r>
-                      <a:endParaRPr sz="900" spc="0">
-                        <a:latin typeface="Adobe Clean"/>
-                        <a:cs typeface="Adobe Clean"/>
-                      </a:endParaRPr>
                     </a:p>
                   </a:txBody>
                   <a:tcPr marL="0" marR="0" marT="7620" marB="0" anchor="ctr">
@@ -7315,49 +6552,15 @@
                         </a:spcBef>
                       </a:pPr>
                       <a:r>
-                        <a:rPr lang="en-US" sz="900" spc="0">
+                        <a:rPr lang="fr-FR" sz="800" dirty="0">
                           <a:solidFill>
                             <a:srgbClr val="020302"/>
                           </a:solidFill>
                           <a:latin typeface="Adobe Clean"/>
                           <a:cs typeface="Adobe Clean"/>
                         </a:rPr>
-                        <a:t>Standard</a:t>
+                        <a:t>Assistance standard</a:t>
                       </a:r>
-                      <a:r>
-                        <a:rPr sz="900" spc="0">
-                          <a:solidFill>
-                            <a:srgbClr val="020302"/>
-                          </a:solidFill>
-                          <a:latin typeface="Adobe Clean"/>
-                          <a:cs typeface="Adobe Clean"/>
-                        </a:rPr>
-                        <a:t> </a:t>
-                      </a:r>
-                      <a:r>
-                        <a:rPr lang="en-US" sz="900" spc="0">
-                          <a:solidFill>
-                            <a:srgbClr val="020302"/>
-                          </a:solidFill>
-                          <a:latin typeface="Adobe Clean"/>
-                          <a:cs typeface="Adobe Clean"/>
-                        </a:rPr>
-                        <a:t> </a:t>
-                      </a:r>
-                      <a:r>
-                        <a:rPr sz="900" spc="0">
-                          <a:solidFill>
-                            <a:srgbClr val="020302"/>
-                          </a:solidFill>
-                          <a:latin typeface="Adobe Clean"/>
-                          <a:cs typeface="Adobe Clean"/>
-                        </a:rPr>
-                        <a:t>Support</a:t>
-                      </a:r>
-                      <a:endParaRPr sz="900" spc="0">
-                        <a:latin typeface="Adobe Clean"/>
-                        <a:cs typeface="Adobe Clean"/>
-                      </a:endParaRPr>
                     </a:p>
                   </a:txBody>
                   <a:tcPr marL="0" marR="0" marT="0" marB="0" anchor="ctr">
@@ -7407,39 +6610,15 @@
                         </a:spcBef>
                       </a:pPr>
                       <a:r>
-                        <a:rPr sz="900" spc="0">
+                        <a:rPr lang="fr-FR" sz="800" dirty="0">
                           <a:solidFill>
                             <a:srgbClr val="FFFFFF"/>
                           </a:solidFill>
                           <a:latin typeface="Adobe Clean"/>
                           <a:cs typeface="Adobe Clean"/>
                         </a:rPr>
-                        <a:t>Business</a:t>
+                        <a:t>Assistance commerciale</a:t>
                       </a:r>
-                      <a:r>
-                        <a:rPr lang="en-US" sz="900" spc="0">
-                          <a:solidFill>
-                            <a:srgbClr val="FFFFFF"/>
-                          </a:solidFill>
-                          <a:latin typeface="Adobe Clean"/>
-                          <a:cs typeface="Adobe Clean"/>
-                        </a:rPr>
-                        <a:t> </a:t>
-                      </a:r>
-                      <a:r>
-                        <a:rPr sz="900" spc="0">
-                          <a:solidFill>
-                            <a:srgbClr val="FFFFFF"/>
-                          </a:solidFill>
-                          <a:latin typeface="Adobe Clean"/>
-                          <a:cs typeface="Adobe Clean"/>
-                        </a:rPr>
-                        <a:t>Support</a:t>
-                      </a:r>
-                      <a:endParaRPr sz="900" spc="0">
-                        <a:latin typeface="Adobe Clean"/>
-                        <a:cs typeface="Adobe Clean"/>
-                      </a:endParaRPr>
                     </a:p>
                   </a:txBody>
                   <a:tcPr marL="0" marR="0" marT="0" marB="0" anchor="ctr">
@@ -7486,39 +6665,15 @@
                         </a:spcBef>
                       </a:pPr>
                       <a:r>
-                        <a:rPr sz="900" spc="0">
+                        <a:rPr lang="fr-FR" sz="800" dirty="0">
                           <a:solidFill>
                             <a:srgbClr val="FFFFFF"/>
                           </a:solidFill>
                           <a:latin typeface="Adobe Clean"/>
                           <a:cs typeface="Adobe Clean"/>
                         </a:rPr>
-                        <a:t>Enterprise </a:t>
+                        <a:t>Assistance aux entreprises</a:t>
                       </a:r>
-                      <a:r>
-                        <a:rPr lang="en-US" sz="900" spc="0">
-                          <a:solidFill>
-                            <a:srgbClr val="FFFFFF"/>
-                          </a:solidFill>
-                          <a:latin typeface="Adobe Clean"/>
-                          <a:cs typeface="Adobe Clean"/>
-                        </a:rPr>
-                        <a:t> </a:t>
-                      </a:r>
-                      <a:r>
-                        <a:rPr sz="900" spc="0">
-                          <a:solidFill>
-                            <a:srgbClr val="FFFFFF"/>
-                          </a:solidFill>
-                          <a:latin typeface="Adobe Clean"/>
-                          <a:cs typeface="Adobe Clean"/>
-                        </a:rPr>
-                        <a:t>Support</a:t>
-                      </a:r>
-                      <a:endParaRPr sz="900" spc="0">
-                        <a:latin typeface="Adobe Clean"/>
-                        <a:cs typeface="Adobe Clean"/>
-                      </a:endParaRPr>
                     </a:p>
                   </a:txBody>
                   <a:tcPr marL="0" marR="0" marT="0" marB="0" anchor="ctr">
@@ -7565,39 +6720,15 @@
                         </a:spcBef>
                       </a:pPr>
                       <a:r>
-                        <a:rPr sz="900" spc="0">
+                        <a:rPr lang="fr-FR" sz="850" dirty="0">
                           <a:solidFill>
                             <a:srgbClr val="FFFFFF"/>
                           </a:solidFill>
                           <a:latin typeface="Adobe Clean"/>
                           <a:cs typeface="Adobe Clean"/>
                         </a:rPr>
-                        <a:t>Elite</a:t>
+                        <a:t>Assistance Elite</a:t>
                       </a:r>
-                      <a:r>
-                        <a:rPr lang="en-US" sz="900" spc="0">
-                          <a:solidFill>
-                            <a:srgbClr val="FFFFFF"/>
-                          </a:solidFill>
-                          <a:latin typeface="Adobe Clean"/>
-                          <a:cs typeface="Adobe Clean"/>
-                        </a:rPr>
-                        <a:t> </a:t>
-                      </a:r>
-                      <a:r>
-                        <a:rPr sz="900" spc="0">
-                          <a:solidFill>
-                            <a:srgbClr val="FFFFFF"/>
-                          </a:solidFill>
-                          <a:latin typeface="Adobe Clean"/>
-                          <a:cs typeface="Adobe Clean"/>
-                        </a:rPr>
-                        <a:t>Support</a:t>
-                      </a:r>
-                      <a:endParaRPr sz="900" spc="0">
-                        <a:latin typeface="Adobe Clean"/>
-                        <a:cs typeface="Adobe Clean"/>
-                      </a:endParaRPr>
                     </a:p>
                   </a:txBody>
                   <a:tcPr marL="0" marR="0" marT="0" marB="0" anchor="ctr">
@@ -7651,19 +6782,15 @@
                         </a:spcBef>
                       </a:pPr>
                       <a:r>
-                        <a:rPr sz="900" b="1" spc="0">
+                        <a:rPr lang="fr-FR" sz="800" b="1" dirty="0">
                           <a:solidFill>
                             <a:srgbClr val="020302"/>
                           </a:solidFill>
                           <a:latin typeface="Adobe Clean"/>
                           <a:cs typeface="Adobe Clean"/>
                         </a:rPr>
-                        <a:t>PRIORITY 1</a:t>
+                        <a:t>PRIORITÉ 1</a:t>
                       </a:r>
-                      <a:endParaRPr sz="900" spc="0">
-                        <a:latin typeface="Adobe Clean"/>
-                        <a:cs typeface="Adobe Clean"/>
-                      </a:endParaRPr>
                     </a:p>
                     <a:p>
                       <a:pPr marL="50800" marR="387985">
@@ -7675,19 +6802,14 @@
                         </a:spcBef>
                       </a:pPr>
                       <a:r>
-                        <a:rPr lang="en-US" sz="900" b="0" i="0" spc="0">
+                        <a:rPr lang="fr-FR" sz="800" b="0" i="0" dirty="0">
                           <a:solidFill>
                             <a:srgbClr val="000000"/>
                           </a:solidFill>
-                          <a:effectLst/>
                           <a:latin typeface="Adobe Clean Light" panose="020B0303020404020204" pitchFamily="34" charset="0"/>
                         </a:rPr>
-                        <a:t>Customer's production business functions are down or have significant data loss or service degradation and immediate attention is required to restore functionality and usability. </a:t>
+                        <a:t>Les fonctions commerciales de production du client sont en panne ou présentent une perte de données ou une dégradation importante du service. Une attention immédiate est requise afin de restaurer les fonctionnalités et l’accessibilité. </a:t>
                       </a:r>
-                      <a:endParaRPr sz="900" spc="0">
-                        <a:latin typeface="AdobeClean-Light"/>
-                        <a:cs typeface="AdobeClean-Light"/>
-                      </a:endParaRPr>
                     </a:p>
                   </a:txBody>
                   <a:tcPr marL="0" marR="0" marT="0" marB="0" anchor="ctr">
@@ -7734,7 +6856,7 @@
                         </a:spcBef>
                       </a:pPr>
                       <a:r>
-                        <a:rPr lang="en-US" sz="900" spc="0">
+                        <a:rPr lang="fr-FR" sz="800" dirty="0">
                           <a:solidFill>
                             <a:srgbClr val="020302"/>
                           </a:solidFill>
@@ -7754,19 +6876,15 @@
                         </a:spcBef>
                       </a:pPr>
                       <a:r>
-                        <a:rPr lang="en-US" sz="900" spc="0">
+                        <a:rPr lang="fr-FR" sz="800" dirty="0">
                           <a:solidFill>
                             <a:srgbClr val="020302"/>
                           </a:solidFill>
                           <a:latin typeface="AdobeClean-Light"/>
                           <a:cs typeface="AdobeClean-Light"/>
                         </a:rPr>
-                        <a:t> 30 minutes</a:t>
+                        <a:t> 30 minutes</a:t>
                       </a:r>
-                      <a:endParaRPr lang="en-US" sz="900" spc="0">
-                        <a:latin typeface="AdobeClean-Light"/>
-                        <a:cs typeface="AdobeClean-Light"/>
-                      </a:endParaRPr>
                     </a:p>
                   </a:txBody>
                   <a:tcPr marL="0" marR="0" marT="0" marB="0" anchor="ctr">
@@ -7811,10 +6929,10 @@
                         <a:tabLst/>
                       </a:pPr>
                       <a:r>
-                        <a:rPr lang="en-US" sz="900" i="0" spc="0" dirty="0">
+                        <a:rPr lang="fr-FR" sz="800" i="0" dirty="0">
                           <a:latin typeface="AdobeClean-Light"/>
                         </a:rPr>
-                        <a:t>Customers who purchase a Support Plan for applicable Adobe Products and Services receive priority case routing that fast-tracks cases to Adobe’s Support Engineers. </a:t>
+                        <a:t>Les clients qui achètent un plan d’assistance pour les produits et services Adobe concernés bénéficient de l’acheminement prioritaire des cas qui accélère leur résolution par les ingénieurs d’assistance Adobe. </a:t>
                       </a:r>
                     </a:p>
                   </a:txBody>
@@ -7862,7 +6980,7 @@
                         </a:spcBef>
                       </a:pPr>
                       <a:r>
-                        <a:rPr sz="900" spc="0">
+                        <a:rPr lang="fr-FR" sz="900">
                           <a:solidFill>
                             <a:srgbClr val="020302"/>
                           </a:solidFill>
@@ -7872,67 +6990,8 @@
                           <a:latin typeface="AdobeClean-Light"/>
                           <a:cs typeface="AdobeClean-Light"/>
                         </a:rPr>
-                        <a:t>24x7 /  </a:t>
+                        <a:t>24x7 /            30 minutes</a:t>
                       </a:r>
-                      <a:r>
-                        <a:rPr lang="en-US" sz="900" spc="0">
-                          <a:solidFill>
-                            <a:srgbClr val="020302"/>
-                          </a:solidFill>
-                          <a:highlight>
-                            <a:srgbClr val="FFFF00"/>
-                          </a:highlight>
-                          <a:latin typeface="AdobeClean-Light"/>
-                          <a:cs typeface="AdobeClean-Light"/>
-                        </a:rPr>
-                        <a:t>         </a:t>
-                      </a:r>
-                      <a:r>
-                        <a:rPr sz="900" spc="0">
-                          <a:solidFill>
-                            <a:srgbClr val="020302"/>
-                          </a:solidFill>
-                          <a:highlight>
-                            <a:srgbClr val="FFFF00"/>
-                          </a:highlight>
-                          <a:latin typeface="AdobeClean-Light"/>
-                          <a:cs typeface="AdobeClean-Light"/>
-                        </a:rPr>
-                        <a:t>30</a:t>
-                      </a:r>
-                      <a:r>
-                        <a:rPr lang="en-US" sz="900" spc="0">
-                          <a:solidFill>
-                            <a:srgbClr val="020302"/>
-                          </a:solidFill>
-                          <a:highlight>
-                            <a:srgbClr val="FFFF00"/>
-                          </a:highlight>
-                          <a:latin typeface="AdobeClean-Light"/>
-                          <a:cs typeface="AdobeClean-Light"/>
-                        </a:rPr>
-                        <a:t> </a:t>
-                      </a:r>
-                      <a:r>
-                        <a:rPr sz="900" spc="0">
-                          <a:solidFill>
-                            <a:srgbClr val="020302"/>
-                          </a:solidFill>
-                          <a:highlight>
-                            <a:srgbClr val="FFFF00"/>
-                          </a:highlight>
-                          <a:latin typeface="AdobeClean-Light"/>
-                          <a:cs typeface="AdobeClean-Light"/>
-                        </a:rPr>
-                        <a:t>minutes</a:t>
-                      </a:r>
-                      <a:endParaRPr sz="900" spc="0">
-                        <a:highlight>
-                          <a:srgbClr val="FFFF00"/>
-                        </a:highlight>
-                        <a:latin typeface="AdobeClean-Light"/>
-                        <a:cs typeface="AdobeClean-Light"/>
-                      </a:endParaRPr>
                     </a:p>
                   </a:txBody>
                   <a:tcPr marL="0" marR="0" marT="0" marB="0" anchor="ctr">
@@ -7976,7 +7035,7 @@
                         </a:spcBef>
                       </a:pPr>
                       <a:r>
-                        <a:rPr sz="900" spc="0">
+                        <a:rPr lang="fr-FR" sz="900">
                           <a:solidFill>
                             <a:srgbClr val="020302"/>
                           </a:solidFill>
@@ -7986,67 +7045,8 @@
                           <a:latin typeface="AdobeClean-Light"/>
                           <a:cs typeface="AdobeClean-Light"/>
                         </a:rPr>
-                        <a:t>24x7 / </a:t>
+                        <a:t>24x7 /          15 minutes</a:t>
                       </a:r>
-                      <a:r>
-                        <a:rPr lang="en-US" sz="900" spc="0">
-                          <a:solidFill>
-                            <a:srgbClr val="020302"/>
-                          </a:solidFill>
-                          <a:highlight>
-                            <a:srgbClr val="FFFF00"/>
-                          </a:highlight>
-                          <a:latin typeface="AdobeClean-Light"/>
-                          <a:cs typeface="AdobeClean-Light"/>
-                        </a:rPr>
-                        <a:t>       </a:t>
-                      </a:r>
-                      <a:r>
-                        <a:rPr sz="900" spc="0">
-                          <a:solidFill>
-                            <a:srgbClr val="020302"/>
-                          </a:solidFill>
-                          <a:highlight>
-                            <a:srgbClr val="FFFF00"/>
-                          </a:highlight>
-                          <a:latin typeface="AdobeClean-Light"/>
-                          <a:cs typeface="AdobeClean-Light"/>
-                        </a:rPr>
-                        <a:t> 15</a:t>
-                      </a:r>
-                      <a:r>
-                        <a:rPr lang="en-US" sz="900" spc="0">
-                          <a:solidFill>
-                            <a:srgbClr val="020302"/>
-                          </a:solidFill>
-                          <a:highlight>
-                            <a:srgbClr val="FFFF00"/>
-                          </a:highlight>
-                          <a:latin typeface="AdobeClean-Light"/>
-                          <a:cs typeface="AdobeClean-Light"/>
-                        </a:rPr>
-                        <a:t> </a:t>
-                      </a:r>
-                      <a:r>
-                        <a:rPr sz="900" spc="0">
-                          <a:solidFill>
-                            <a:srgbClr val="020302"/>
-                          </a:solidFill>
-                          <a:highlight>
-                            <a:srgbClr val="FFFF00"/>
-                          </a:highlight>
-                          <a:latin typeface="AdobeClean-Light"/>
-                          <a:cs typeface="AdobeClean-Light"/>
-                        </a:rPr>
-                        <a:t>minutes</a:t>
-                      </a:r>
-                      <a:endParaRPr sz="900" spc="0">
-                        <a:highlight>
-                          <a:srgbClr val="FFFF00"/>
-                        </a:highlight>
-                        <a:latin typeface="AdobeClean-Light"/>
-                        <a:cs typeface="AdobeClean-Light"/>
-                      </a:endParaRPr>
                     </a:p>
                   </a:txBody>
                   <a:tcPr marL="0" marR="0" marT="0" marB="0" anchor="ctr">
@@ -8097,19 +7097,15 @@
                         </a:spcBef>
                       </a:pPr>
                       <a:r>
-                        <a:rPr sz="900" b="1" spc="0">
+                        <a:rPr lang="fr-FR" sz="800" b="1" dirty="0">
                           <a:solidFill>
                             <a:srgbClr val="020302"/>
                           </a:solidFill>
                           <a:latin typeface="Adobe Clean"/>
                           <a:cs typeface="Adobe Clean"/>
                         </a:rPr>
-                        <a:t>PRIORITY 2</a:t>
+                        <a:t>PRIORITÉ 2</a:t>
                       </a:r>
-                      <a:endParaRPr sz="900" spc="0">
-                        <a:latin typeface="Adobe Clean"/>
-                        <a:cs typeface="Adobe Clean"/>
-                      </a:endParaRPr>
                     </a:p>
                     <a:p>
                       <a:pPr marL="50165" marR="203200" indent="0" defTabSz="914400" eaLnBrk="1" fontAlgn="auto" latinLnBrk="0" hangingPunct="1">
@@ -8130,19 +7126,14 @@
                         <a:defRPr/>
                       </a:pPr>
                       <a:r>
-                        <a:rPr lang="en-US" sz="900" b="0" i="0" spc="0">
+                        <a:rPr lang="fr-FR" sz="800" b="0" i="0" dirty="0">
                           <a:solidFill>
                             <a:srgbClr val="000000"/>
                           </a:solidFill>
-                          <a:effectLst/>
                           <a:latin typeface="Adobe Clean Light" panose="020B0303020404020204" pitchFamily="34" charset="0"/>
                         </a:rPr>
-                        <a:t>Customer's business functions have major service degradation or potential data loss, or a major feature is impacted.  </a:t>
+                        <a:t>Les fonctions commerciales du client présentent une dégradation importante des services ou une perte potentielle de données. Il est également possible qu’une fonctionnalité majeure soit affectée.  </a:t>
                       </a:r>
-                      <a:endParaRPr sz="900" b="0" i="0" spc="0">
-                        <a:latin typeface="Adobe Clean Light" panose="020B0303020404020204" pitchFamily="34" charset="0"/>
-                        <a:cs typeface="AdobeClean-Light"/>
-                      </a:endParaRPr>
                     </a:p>
                   </a:txBody>
                   <a:tcPr marL="0" marR="0" marT="0" marB="0" anchor="ctr">
@@ -8189,7 +7180,7 @@
                         </a:spcBef>
                       </a:pPr>
                       <a:r>
-                        <a:rPr lang="en-US" sz="900" spc="0">
+                        <a:rPr lang="fr-FR" sz="800" dirty="0">
                           <a:solidFill>
                             <a:srgbClr val="020302"/>
                           </a:solidFill>
@@ -8209,19 +7200,15 @@
                         </a:spcBef>
                       </a:pPr>
                       <a:r>
-                        <a:rPr lang="en-US" sz="900" spc="0">
+                        <a:rPr lang="fr-FR" sz="800" dirty="0">
                           <a:solidFill>
                             <a:srgbClr val="020302"/>
                           </a:solidFill>
                           <a:latin typeface="AdobeClean-Light"/>
                           <a:cs typeface="AdobeClean-Light"/>
                         </a:rPr>
-                        <a:t>     1 hour</a:t>
+                        <a:t>     1 heure</a:t>
                       </a:r>
-                      <a:endParaRPr lang="en-US" sz="900" spc="0">
-                        <a:latin typeface="AdobeClean-Light"/>
-                        <a:cs typeface="AdobeClean-Light"/>
-                      </a:endParaRPr>
                     </a:p>
                   </a:txBody>
                   <a:tcPr marL="0" marR="0" marT="0" marB="0" anchor="ctr">
@@ -8256,7 +7243,7 @@
                     <a:bodyPr/>
                     <a:lstStyle/>
                     <a:p>
-                      <a:pPr marL="0" marR="184785" indent="-194310" algn="ctr">
+                      <a:pPr marL="0" marR="184785" indent="-194310" algn="l" rtl="0">
                         <a:lnSpc>
                           <a:spcPct val="100000"/>
                         </a:lnSpc>
@@ -8308,7 +7295,7 @@
                     <a:bodyPr/>
                     <a:lstStyle/>
                     <a:p>
-                      <a:pPr marL="0" marR="325755" indent="-5715" algn="ctr">
+                      <a:pPr marL="0" marR="325755" indent="-5715" algn="l" rtl="0">
                         <a:lnSpc>
                           <a:spcPct val="100000"/>
                         </a:lnSpc>
@@ -8357,7 +7344,7 @@
                     <a:bodyPr/>
                     <a:lstStyle/>
                     <a:p>
-                      <a:pPr marL="0" marR="259079" indent="111760" algn="ctr">
+                      <a:pPr marL="0" marR="259079" indent="111760" algn="l" rtl="0">
                         <a:lnSpc>
                           <a:spcPct val="100000"/>
                         </a:lnSpc>
@@ -8422,29 +7409,15 @@
                         </a:spcBef>
                       </a:pPr>
                       <a:r>
-                        <a:rPr sz="900" b="1" spc="0">
+                        <a:rPr lang="fr-FR" sz="800" b="1" dirty="0">
                           <a:solidFill>
                             <a:srgbClr val="020302"/>
                           </a:solidFill>
                           <a:latin typeface="Adobe Clean"/>
                           <a:cs typeface="Adobe Clean"/>
                         </a:rPr>
-                        <a:t>PRIORITY</a:t>
+                        <a:t>PRIORITÉ 3</a:t>
                       </a:r>
-                      <a:r>
-                        <a:rPr lang="en-US" sz="900" b="1" spc="0">
-                          <a:solidFill>
-                            <a:srgbClr val="020302"/>
-                          </a:solidFill>
-                          <a:latin typeface="Adobe Clean"/>
-                          <a:cs typeface="Adobe Clean"/>
-                        </a:rPr>
-                        <a:t> 3</a:t>
-                      </a:r>
-                      <a:endParaRPr lang="en-US" sz="900" spc="0">
-                        <a:latin typeface="Adobe Clean"/>
-                        <a:cs typeface="Adobe Clean"/>
-                      </a:endParaRPr>
                     </a:p>
                     <a:p>
                       <a:pPr marL="49530" marR="212090" indent="-2540" defTabSz="914400" eaLnBrk="1" fontAlgn="auto" latinLnBrk="0" hangingPunct="1">
@@ -8465,26 +7438,21 @@
                         <a:defRPr/>
                       </a:pPr>
                       <a:r>
-                        <a:rPr kumimoji="0" lang="en-US" sz="900" b="0" i="0" u="none" strike="noStrike" kern="1200" cap="none" spc="0" normalizeH="0" baseline="0" noProof="0">
+                        <a:rPr kumimoji="0" lang="fr-FR" sz="800" b="0" i="0" u="none" strike="noStrike" cap="none" normalizeH="0" baseline="0" noProof="0" dirty="0">
                           <a:ln>
                             <a:noFill/>
                           </a:ln>
                           <a:solidFill>
                             <a:srgbClr val="000000"/>
                           </a:solidFill>
-                          <a:effectLst/>
                           <a:uLnTx/>
                           <a:uFillTx/>
                           <a:latin typeface="Adobe Clean Light" panose="020B0303020404020204" pitchFamily="34" charset="0"/>
                           <a:ea typeface="+mn-ea"/>
                           <a:cs typeface="+mn-cs"/>
                         </a:rPr>
-                        <a:t>Customer's business functions have minor service degradation but there exists a solution/workaround allowing business functions to continue normally.</a:t>
+                        <a:t>Les fonctions commerciales du client présentent une dégradation mineure du service, mais il existe une solution/un moyen permettant aux fonctions commerciales de continuer de fonctionner normalement.</a:t>
                       </a:r>
-                      <a:endParaRPr lang="en-US" sz="900" b="0" i="0" spc="0">
-                        <a:latin typeface="Adobe Clean Light" panose="020B0303020404020204" pitchFamily="34" charset="0"/>
-                        <a:cs typeface="AdobeClean-Light"/>
-                      </a:endParaRPr>
                     </a:p>
                   </a:txBody>
                   <a:tcPr marL="0" marR="0" marT="0" marB="0" anchor="ctr">
@@ -8534,14 +7502,14 @@
                         </a:tabLst>
                       </a:pPr>
                       <a:r>
-                        <a:rPr lang="en-US" sz="900" spc="0" dirty="0">
+                        <a:rPr lang="fr-FR" sz="800" dirty="0">
                           <a:solidFill>
                             <a:srgbClr val="020302"/>
                           </a:solidFill>
                           <a:latin typeface="AdobeClean-Light"/>
                           <a:cs typeface="AdobeClean-Light"/>
                         </a:rPr>
-                        <a:t>   Business day /   </a:t>
+                        <a:t>   Jour ouvrable /   </a:t>
                       </a:r>
                     </a:p>
                     <a:p>
@@ -8554,19 +7522,15 @@
                         </a:spcBef>
                       </a:pPr>
                       <a:r>
-                        <a:rPr lang="en-US" sz="900" spc="0" dirty="0">
+                        <a:rPr lang="fr-FR" sz="800" dirty="0">
                           <a:solidFill>
                             <a:srgbClr val="020302"/>
                           </a:solidFill>
                           <a:latin typeface="AdobeClean-Light"/>
                           <a:cs typeface="AdobeClean-Light"/>
                         </a:rPr>
-                        <a:t>4 hours</a:t>
+                        <a:t>4 heures</a:t>
                       </a:r>
-                      <a:endParaRPr lang="en-US" sz="900" spc="0" dirty="0">
-                        <a:latin typeface="AdobeClean-Light"/>
-                        <a:cs typeface="AdobeClean-Light"/>
-                      </a:endParaRPr>
                     </a:p>
                   </a:txBody>
                   <a:tcPr marL="0" marR="0" marT="0" marB="0" anchor="ctr">
@@ -8601,7 +7565,7 @@
                     <a:bodyPr/>
                     <a:lstStyle/>
                     <a:p>
-                      <a:pPr marL="0" marR="185420" indent="-193675" algn="ctr">
+                      <a:pPr marL="0" marR="185420" indent="-193675" algn="l" rtl="0">
                         <a:lnSpc>
                           <a:spcPct val="100000"/>
                         </a:lnSpc>
@@ -8653,7 +7617,7 @@
                     <a:bodyPr/>
                     <a:lstStyle/>
                     <a:p>
-                      <a:pPr marL="0" marR="184785" indent="-194310" algn="ctr">
+                      <a:pPr marL="0" marR="184785" indent="-194310" algn="l" rtl="0">
                         <a:lnSpc>
                           <a:spcPct val="100000"/>
                         </a:lnSpc>
@@ -8702,7 +7666,7 @@
                     <a:bodyPr/>
                     <a:lstStyle/>
                     <a:p>
-                      <a:pPr marL="0" marR="326390" indent="-5715" algn="ctr">
+                      <a:pPr marL="0" marR="326390" indent="-5715" algn="l" rtl="0">
                         <a:lnSpc>
                           <a:spcPct val="100000"/>
                         </a:lnSpc>
@@ -8767,19 +7731,15 @@
                         </a:spcBef>
                       </a:pPr>
                       <a:r>
-                        <a:rPr sz="900" b="1" spc="0">
+                        <a:rPr lang="fr-FR" sz="800" b="1" dirty="0">
                           <a:solidFill>
                             <a:srgbClr val="020302"/>
                           </a:solidFill>
                           <a:latin typeface="Adobe Clean"/>
                           <a:cs typeface="Adobe Clean"/>
                         </a:rPr>
-                        <a:t>PRIORITY 4</a:t>
+                        <a:t>PRIORITÉ 4</a:t>
                       </a:r>
-                      <a:endParaRPr sz="900" spc="0">
-                        <a:latin typeface="Adobe Clean"/>
-                        <a:cs typeface="Adobe Clean"/>
-                      </a:endParaRPr>
                     </a:p>
                     <a:p>
                       <a:pPr marL="48895" marR="0" indent="0" defTabSz="914400" eaLnBrk="1" fontAlgn="auto" latinLnBrk="0" hangingPunct="1">
@@ -8800,19 +7760,14 @@
                         <a:defRPr/>
                       </a:pPr>
                       <a:r>
-                        <a:rPr lang="en-US" sz="900" b="0" i="0" spc="0">
+                        <a:rPr lang="fr-FR" sz="800" b="0" i="0" dirty="0">
                           <a:solidFill>
                             <a:srgbClr val="000000"/>
                           </a:solidFill>
-                          <a:effectLst/>
                           <a:latin typeface="Adobe Clean Light" panose="020B0303020404020204" pitchFamily="34" charset="0"/>
                         </a:rPr>
-                        <a:t>General question regarding current product functionality or an enhancement request. </a:t>
+                        <a:t>Question générale concernant les fonctionnalités actuelles du produit ou une demande d’amélioration. </a:t>
                       </a:r>
-                      <a:endParaRPr sz="900" b="0" i="0" spc="0">
-                        <a:latin typeface="Adobe Clean Light" panose="020B0303020404020204" pitchFamily="34" charset="0"/>
-                        <a:cs typeface="AdobeClean-Light"/>
-                      </a:endParaRPr>
                     </a:p>
                   </a:txBody>
                   <a:tcPr marL="0" marR="0" marT="0" marB="0" anchor="ctr">
@@ -8862,14 +7817,14 @@
                         </a:tabLst>
                       </a:pPr>
                       <a:r>
-                        <a:rPr lang="en-US" sz="900" spc="0" dirty="0">
+                        <a:rPr lang="fr-FR" sz="800" dirty="0">
                           <a:solidFill>
                             <a:srgbClr val="020302"/>
                           </a:solidFill>
                           <a:latin typeface="AdobeClean-Light"/>
                           <a:cs typeface="AdobeClean-Light"/>
                         </a:rPr>
-                        <a:t>  Business day /   </a:t>
+                        <a:t>  Jour ouvrable /   </a:t>
                       </a:r>
                     </a:p>
                     <a:p>
@@ -8882,19 +7837,15 @@
                         </a:spcBef>
                       </a:pPr>
                       <a:r>
-                        <a:rPr lang="en-US" sz="900" spc="0" dirty="0">
+                        <a:rPr lang="fr-FR" sz="800" dirty="0">
                           <a:solidFill>
                             <a:srgbClr val="020302"/>
                           </a:solidFill>
                           <a:latin typeface="AdobeClean-Light"/>
                           <a:cs typeface="AdobeClean-Light"/>
                         </a:rPr>
-                        <a:t>1 day </a:t>
+                        <a:t>1 jour </a:t>
                       </a:r>
-                      <a:endParaRPr lang="en-US" sz="900" spc="0" dirty="0">
-                        <a:latin typeface="AdobeClean-Light"/>
-                        <a:cs typeface="AdobeClean-Light"/>
-                      </a:endParaRPr>
                     </a:p>
                   </a:txBody>
                   <a:tcPr marL="0" marR="0" marT="0" marB="0" anchor="ctr">
@@ -8929,7 +7880,7 @@
                     <a:bodyPr/>
                     <a:lstStyle/>
                     <a:p>
-                      <a:pPr marL="0" marR="223520" indent="-202565" algn="ctr">
+                      <a:pPr marL="0" marR="223520" indent="-202565" algn="l" rtl="0">
                         <a:lnSpc>
                           <a:spcPct val="100000"/>
                         </a:lnSpc>
@@ -8981,7 +7932,7 @@
                     <a:bodyPr/>
                     <a:lstStyle/>
                     <a:p>
-                      <a:pPr marL="0" marR="223520" indent="-202565" algn="ctr">
+                      <a:pPr marL="0" marR="223520" indent="-202565" algn="l" rtl="0">
                         <a:lnSpc>
                           <a:spcPct val="100000"/>
                         </a:lnSpc>
@@ -9030,7 +7981,7 @@
                     <a:bodyPr/>
                     <a:lstStyle/>
                     <a:p>
-                      <a:pPr marL="0" marR="223520" indent="-202565" algn="ctr">
+                      <a:pPr marL="0" marR="223520" indent="-202565" algn="l" rtl="0">
                         <a:lnSpc>
                           <a:spcPct val="100000"/>
                         </a:lnSpc>
@@ -9101,7 +8052,7 @@
         <p:spPr>
           <a:xfrm>
             <a:off x="97788" y="9857050"/>
-            <a:ext cx="2245360" cy="133370"/>
+            <a:ext cx="3185162" cy="133370"/>
           </a:xfrm>
           <a:prstGeom prst="rect">
             <a:avLst/>
@@ -9213,36 +8164,24 @@
               </a:spcBef>
             </a:pPr>
             <a:r>
-              <a:rPr lang="en-US" spc="-10" dirty="0"/>
-              <a:t>©202</a:t>
+              <a:rPr lang="fr-FR" dirty="0"/>
+              <a:t>©2020 Adobe. All </a:t>
             </a:r>
             <a:r>
-              <a:rPr lang="en-US" spc="-5" dirty="0"/>
-              <a:t>2 Adobe. All</a:t>
+              <a:rPr lang="fr-FR" dirty="0" err="1"/>
+              <a:t>Rights</a:t>
             </a:r>
             <a:r>
-              <a:rPr lang="en-US" spc="-10" dirty="0"/>
-              <a:t> Rights</a:t>
-            </a:r>
-            <a:r>
-              <a:rPr lang="en-US" spc="-5" dirty="0"/>
+              <a:rPr lang="fr-FR" dirty="0"/>
               <a:t> </a:t>
             </a:r>
             <a:r>
-              <a:rPr lang="en-US" spc="-10" dirty="0"/>
-              <a:t>Reserved.</a:t>
+              <a:rPr lang="fr-FR" dirty="0" err="1"/>
+              <a:t>Reserved</a:t>
             </a:r>
             <a:r>
-              <a:rPr lang="en-US" spc="-5" dirty="0"/>
-              <a:t> Adobe</a:t>
-            </a:r>
-            <a:r>
-              <a:rPr lang="en-US" spc="60" dirty="0"/>
-              <a:t> </a:t>
-            </a:r>
-            <a:r>
-              <a:rPr lang="en-US" spc="-10" dirty="0"/>
-              <a:t>Confidential.</a:t>
+              <a:rPr lang="fr-FR" dirty="0"/>
+              <a:t>. Données confidentielles Adobe</a:t>
             </a:r>
           </a:p>
         </p:txBody>
@@ -9303,7 +8242,7 @@
         <p:spPr>
           <a:xfrm>
             <a:off x="324341" y="688596"/>
-            <a:ext cx="1647825" cy="45719"/>
+            <a:ext cx="2759958" cy="88190"/>
           </a:xfrm>
           <a:custGeom>
             <a:avLst/>
@@ -9345,7 +8284,7 @@
         <p:spPr>
           <a:xfrm>
             <a:off x="324341" y="405315"/>
-            <a:ext cx="1647825" cy="238760"/>
+            <a:ext cx="3479309" cy="228268"/>
           </a:xfrm>
           <a:prstGeom prst="rect">
             <a:avLst/>
@@ -9366,59 +8305,15 @@
               </a:spcBef>
             </a:pPr>
             <a:r>
-              <a:rPr sz="1400" b="1" spc="-10">
+              <a:rPr lang="fr-FR" sz="1400" b="1" dirty="0">
                 <a:solidFill>
                   <a:srgbClr val="020302"/>
                 </a:solidFill>
                 <a:latin typeface="Adobe Clean"/>
                 <a:cs typeface="Adobe Clean"/>
               </a:rPr>
-              <a:t>Elite</a:t>
+              <a:t>Fonctionnalités de l’assistance Elite</a:t>
             </a:r>
-            <a:r>
-              <a:rPr sz="1400" b="1" spc="-50">
-                <a:solidFill>
-                  <a:srgbClr val="020302"/>
-                </a:solidFill>
-                <a:latin typeface="Adobe Clean"/>
-                <a:cs typeface="Adobe Clean"/>
-              </a:rPr>
-              <a:t> </a:t>
-            </a:r>
-            <a:r>
-              <a:rPr sz="1400" b="1" spc="-10">
-                <a:solidFill>
-                  <a:srgbClr val="020302"/>
-                </a:solidFill>
-                <a:latin typeface="Adobe Clean"/>
-                <a:cs typeface="Adobe Clean"/>
-              </a:rPr>
-              <a:t>Support</a:t>
-            </a:r>
-            <a:r>
-              <a:rPr sz="1400" b="1" spc="-45">
-                <a:solidFill>
-                  <a:srgbClr val="020302"/>
-                </a:solidFill>
-                <a:latin typeface="Adobe Clean"/>
-                <a:cs typeface="Adobe Clean"/>
-              </a:rPr>
-              <a:t> </a:t>
-            </a:r>
-            <a:r>
-              <a:rPr sz="1400" b="1" spc="-15">
-                <a:solidFill>
-                  <a:srgbClr val="020302"/>
-                </a:solidFill>
-                <a:latin typeface="Adobe Clean"/>
-                <a:cs typeface="Adobe Clean"/>
-              </a:rPr>
-              <a:t>Features</a:t>
-            </a:r>
-            <a:endParaRPr sz="1400">
-              <a:latin typeface="Adobe Clean"/>
-              <a:cs typeface="Adobe Clean"/>
-            </a:endParaRPr>
           </a:p>
         </p:txBody>
       </p:sp>
@@ -9430,8 +8325,8 @@
         </p:nvSpPr>
         <p:spPr>
           <a:xfrm>
-            <a:off x="2783950" y="1197324"/>
-            <a:ext cx="2194560" cy="936154"/>
+            <a:off x="2783950" y="1235424"/>
+            <a:ext cx="2194560" cy="843821"/>
           </a:xfrm>
           <a:prstGeom prst="rect">
             <a:avLst/>
@@ -9452,53 +8347,11 @@
               </a:spcBef>
             </a:pPr>
             <a:r>
-              <a:rPr sz="1000" dirty="0">
+              <a:rPr lang="fr-FR" sz="900">
                 <a:latin typeface="AdobeClean-Light"/>
                 <a:cs typeface="AdobeClean-Light"/>
               </a:rPr>
-              <a:t>A</a:t>
-            </a:r>
-            <a:r>
-              <a:rPr lang="en-US" sz="1000" dirty="0">
-                <a:latin typeface="AdobeClean-Light"/>
-                <a:cs typeface="AdobeClean-Light"/>
-              </a:rPr>
-              <a:t> designated Su</a:t>
-            </a:r>
-            <a:r>
-              <a:rPr sz="1000" dirty="0">
-                <a:latin typeface="AdobeClean-Light"/>
-                <a:cs typeface="AdobeClean-Light"/>
-              </a:rPr>
-              <a:t>pport </a:t>
-            </a:r>
-            <a:r>
-              <a:rPr lang="en-US" sz="1000" dirty="0">
-                <a:latin typeface="AdobeClean-Light"/>
-                <a:cs typeface="AdobeClean-Light"/>
-              </a:rPr>
-              <a:t>E</a:t>
-            </a:r>
-            <a:r>
-              <a:rPr sz="1000" dirty="0">
-                <a:latin typeface="AdobeClean-Light"/>
-                <a:cs typeface="AdobeClean-Light"/>
-              </a:rPr>
-              <a:t>ngineer who  becomes familiar with your solution  environment and business goals. The NSE  is an experienced support engineer that  helps coordinate your </a:t>
-            </a:r>
-            <a:r>
-              <a:rPr lang="en-US" sz="1000" dirty="0">
-                <a:latin typeface="AdobeClean-Light"/>
-                <a:cs typeface="AdobeClean-Light"/>
-              </a:rPr>
-              <a:t>Elite</a:t>
-            </a:r>
-            <a:r>
-              <a:rPr sz="1000" dirty="0">
-                <a:latin typeface="AdobeClean-Light"/>
-                <a:cs typeface="AdobeClean-Light"/>
-              </a:rPr>
-              <a:t> Support  experience.</a:t>
+              <a:t>L’ingénieur d’assistance désigné se familiarisera avec votre environnement de solution et vos objectifs commerciaux. L’ingénieur d’assistance nommé est un ingénieur d’assistance expérimenté qui vous aide à coordonner votre expérience d’assistance Elite.</a:t>
             </a:r>
           </a:p>
         </p:txBody>
@@ -9511,8 +8364,8 @@
         </p:nvSpPr>
         <p:spPr>
           <a:xfrm>
-            <a:off x="398637" y="1209971"/>
-            <a:ext cx="2148839" cy="782265"/>
+            <a:off x="398637" y="1248071"/>
+            <a:ext cx="2148839" cy="705321"/>
           </a:xfrm>
           <a:prstGeom prst="rect">
             <a:avLst/>
@@ -9533,14 +8386,14 @@
               </a:spcBef>
             </a:pPr>
             <a:r>
-              <a:rPr lang="en-US" sz="1000" dirty="0">
+              <a:rPr lang="fr-FR" sz="900" dirty="0">
                 <a:solidFill>
                   <a:srgbClr val="020302"/>
                 </a:solidFill>
                 <a:latin typeface="AdobeClean-Light"/>
                 <a:cs typeface="AdobeClean-Light"/>
               </a:rPr>
-              <a:t>A designated Technical Account Manager to oversee and advocate for your Elite support experience and provide proactive services to maximize your business value.</a:t>
+              <a:t>Le gestionnaire de compte technique désigné supervise votre expérience d’assistance Elite, et fournit des services proactifs afin de maximiser la valeur de votre entreprise.</a:t>
             </a:r>
           </a:p>
         </p:txBody>
@@ -9553,8 +8406,8 @@
         </p:nvSpPr>
         <p:spPr>
           <a:xfrm>
-            <a:off x="773188" y="944502"/>
-            <a:ext cx="2194560" cy="184666"/>
+            <a:off x="773188" y="868302"/>
+            <a:ext cx="1725428" cy="338554"/>
           </a:xfrm>
           <a:prstGeom prst="rect">
             <a:avLst/>
@@ -9575,19 +8428,15 @@
               </a:spcBef>
             </a:pPr>
             <a:r>
-              <a:rPr sz="1200" b="1" dirty="0">
+              <a:rPr lang="fr-FR" sz="1100" b="1" dirty="0">
                 <a:solidFill>
                   <a:srgbClr val="020302"/>
                 </a:solidFill>
                 <a:latin typeface="Adobe Clean" panose="020B0503020404020204" pitchFamily="34" charset="0"/>
                 <a:cs typeface="Arial"/>
               </a:rPr>
-              <a:t>Technical Account Manager</a:t>
+              <a:t>Gestionnaire de compte technique</a:t>
             </a:r>
-            <a:endParaRPr sz="1200" dirty="0">
-              <a:latin typeface="Adobe Clean" panose="020B0503020404020204" pitchFamily="34" charset="0"/>
-              <a:cs typeface="Arial"/>
-            </a:endParaRPr>
           </a:p>
         </p:txBody>
       </p:sp>
@@ -9600,7 +8449,7 @@
         <p:spPr>
           <a:xfrm>
             <a:off x="375777" y="5597386"/>
-            <a:ext cx="2194560" cy="615553"/>
+            <a:ext cx="2194560" cy="692497"/>
           </a:xfrm>
           <a:prstGeom prst="rect">
             <a:avLst/>
@@ -9618,39 +8467,15 @@
               </a:spcBef>
             </a:pPr>
             <a:r>
-              <a:rPr sz="1000" dirty="0">
+              <a:rPr lang="fr-FR" sz="900" dirty="0">
                 <a:solidFill>
                   <a:srgbClr val="020302"/>
                 </a:solidFill>
                 <a:latin typeface="AdobeClean-Light"/>
                 <a:cs typeface="AdobeClean-Light"/>
               </a:rPr>
-              <a:t>Receive personalized guidance</a:t>
+              <a:t>Recevez des conseils personnalisés et profitez d’un examen proactif à des fins de planification des mises à niveau et de la migration. Demandez à des experts Adobe d’examiner la version et le plan de mise à niveau.</a:t>
             </a:r>
-            <a:r>
-              <a:rPr lang="en-US" sz="1000" dirty="0">
-                <a:solidFill>
-                  <a:srgbClr val="020302"/>
-                </a:solidFill>
-                <a:latin typeface="AdobeClean-Light"/>
-                <a:cs typeface="AdobeClean-Light"/>
-              </a:rPr>
-              <a:t> and a proactive review for upgrade and migration planning purposes. Benefit from Adobe</a:t>
-            </a:r>
-            <a:r>
-              <a:rPr sz="1000" dirty="0">
-                <a:solidFill>
-                  <a:srgbClr val="020302"/>
-                </a:solidFill>
-                <a:latin typeface="AdobeClean-Light"/>
-                <a:cs typeface="AdobeClean-Light"/>
-              </a:rPr>
-              <a:t>  experts review release and upgrade plan.</a:t>
-            </a:r>
-            <a:endParaRPr sz="1000" dirty="0">
-              <a:latin typeface="AdobeClean-Light"/>
-              <a:cs typeface="AdobeClean-Light"/>
-            </a:endParaRPr>
           </a:p>
         </p:txBody>
       </p:sp>
@@ -9796,7 +8621,7 @@
         <p:spPr>
           <a:xfrm>
             <a:off x="5129336" y="5594945"/>
-            <a:ext cx="2442314" cy="615553"/>
+            <a:ext cx="2598614" cy="553998"/>
           </a:xfrm>
           <a:prstGeom prst="rect">
             <a:avLst/>
@@ -9814,28 +8639,22 @@
               </a:spcBef>
             </a:pPr>
             <a:r>
-              <a:rPr lang="en-US" sz="1000" dirty="0">
+              <a:rPr lang="fr-FR" sz="900" dirty="0">
                 <a:solidFill>
                   <a:srgbClr val="020302"/>
                 </a:solidFill>
                 <a:latin typeface="AdobeClean-Light"/>
                 <a:cs typeface="AdobeClean-Light"/>
               </a:rPr>
-              <a:t>Additional named support contacts have the benefit of leveraging </a:t>
+              <a:t>Les contacts d’assistance nommés supplémentaires peuvent exploiter </a:t>
             </a:r>
             <a:r>
-              <a:rPr lang="en-US" sz="1000" dirty="0">
+              <a:rPr lang="fr-FR" sz="900" dirty="0">
                 <a:latin typeface="Adobe Clean Light" panose="020B0303020404020204" pitchFamily="34" charset="0"/>
+                <a:cs typeface="AdobeClean-Light"/>
               </a:rPr>
-              <a:t>available channels to interact with our technical support team on behalf of your company. </a:t>
+              <a:t>les canaux disponibles pour interagir avec notre équipe d’assistance technique au nom de votre entreprise. </a:t>
             </a:r>
-            <a:endParaRPr lang="en-US" sz="1000" dirty="0">
-              <a:solidFill>
-                <a:prstClr val="black"/>
-              </a:solidFill>
-              <a:latin typeface="AdobeClean-Light"/>
-              <a:cs typeface="AdobeClean-Light"/>
-            </a:endParaRPr>
           </a:p>
         </p:txBody>
       </p:sp>
@@ -9854,7 +8673,7 @@
         <p:spPr>
           <a:xfrm>
             <a:off x="3164797" y="948996"/>
-            <a:ext cx="2194560" cy="184666"/>
+            <a:ext cx="2194560" cy="169277"/>
           </a:xfrm>
           <a:prstGeom prst="rect">
             <a:avLst/>
@@ -9872,22 +8691,15 @@
               </a:spcBef>
             </a:pPr>
             <a:r>
-              <a:rPr lang="en-US" sz="1200" b="1" dirty="0">
+              <a:rPr lang="fr-FR" sz="1100" b="1">
                 <a:solidFill>
                   <a:srgbClr val="020302"/>
                 </a:solidFill>
                 <a:latin typeface="Adobe Clean" panose="020B0503020404020204" pitchFamily="34" charset="0"/>
                 <a:cs typeface="Arial"/>
               </a:rPr>
-              <a:t>Named Support Engineer</a:t>
+              <a:t>Ingénieur d’assistance nommé</a:t>
             </a:r>
-            <a:endParaRPr lang="en-US" sz="1200" dirty="0">
-              <a:solidFill>
-                <a:prstClr val="black"/>
-              </a:solidFill>
-              <a:latin typeface="Adobe Clean" panose="020B0503020404020204" pitchFamily="34" charset="0"/>
-              <a:cs typeface="Arial"/>
-            </a:endParaRPr>
           </a:p>
         </p:txBody>
       </p:sp>
@@ -9906,7 +8718,7 @@
         <p:spPr>
           <a:xfrm>
             <a:off x="5616494" y="5218925"/>
-            <a:ext cx="1769315" cy="369332"/>
+            <a:ext cx="1769315" cy="338554"/>
           </a:xfrm>
           <a:prstGeom prst="rect">
             <a:avLst/>
@@ -9924,22 +8736,15 @@
               </a:spcBef>
             </a:pPr>
             <a:r>
-              <a:rPr lang="en-US" sz="1200" b="1" dirty="0">
+              <a:rPr lang="fr-FR" sz="1100" b="1">
                 <a:solidFill>
                   <a:srgbClr val="020302"/>
                 </a:solidFill>
                 <a:latin typeface="Adobe Clean" panose="020B0503020404020204" pitchFamily="34" charset="0"/>
                 <a:cs typeface="Adobe Clean"/>
               </a:rPr>
-              <a:t>Additional Named Support Contacts</a:t>
+              <a:t>Contacts d’assistance nommés supplémentaires</a:t>
             </a:r>
-            <a:endParaRPr lang="en-US" sz="1200" dirty="0">
-              <a:solidFill>
-                <a:prstClr val="black"/>
-              </a:solidFill>
-              <a:latin typeface="Adobe Clean" panose="020B0503020404020204" pitchFamily="34" charset="0"/>
-              <a:cs typeface="Adobe Clean"/>
-            </a:endParaRPr>
           </a:p>
         </p:txBody>
       </p:sp>
@@ -9958,7 +8763,7 @@
         <p:spPr>
           <a:xfrm>
             <a:off x="818833" y="5227865"/>
-            <a:ext cx="1947019" cy="369332"/>
+            <a:ext cx="1947019" cy="338554"/>
           </a:xfrm>
           <a:prstGeom prst="rect">
             <a:avLst/>
@@ -9976,22 +8781,15 @@
               </a:spcBef>
             </a:pPr>
             <a:r>
-              <a:rPr lang="en-US" sz="1200" b="1" dirty="0">
+              <a:rPr lang="fr-FR" sz="1100" b="1">
                 <a:solidFill>
                   <a:srgbClr val="020302"/>
                 </a:solidFill>
                 <a:latin typeface="Adobe Clean" panose="020B0503020404020204" pitchFamily="34" charset="0"/>
                 <a:cs typeface="Adobe Clean"/>
               </a:rPr>
-              <a:t>Upgrade/Migration     Planning</a:t>
+              <a:t>Planification des mises à niveau/de la migration</a:t>
             </a:r>
-            <a:endParaRPr lang="en-US" sz="1200" dirty="0">
-              <a:solidFill>
-                <a:prstClr val="black"/>
-              </a:solidFill>
-              <a:latin typeface="Adobe Clean" panose="020B0503020404020204" pitchFamily="34" charset="0"/>
-              <a:cs typeface="Adobe Clean"/>
-            </a:endParaRPr>
           </a:p>
         </p:txBody>
       </p:sp>
@@ -10119,8 +8917,8 @@
         </p:nvSpPr>
         <p:spPr>
           <a:xfrm>
-            <a:off x="307972" y="6853797"/>
-            <a:ext cx="1985851" cy="77016"/>
+            <a:off x="307972" y="6853796"/>
+            <a:ext cx="3071323" cy="87349"/>
           </a:xfrm>
           <a:custGeom>
             <a:avLst/>
@@ -10189,19 +8987,15 @@
               </a:spcBef>
             </a:pPr>
             <a:r>
-              <a:rPr lang="en-US" sz="1400" b="1" spc="-10" dirty="0">
+              <a:rPr lang="fr-FR" sz="1400" b="1">
                 <a:solidFill>
                   <a:srgbClr val="020302"/>
                 </a:solidFill>
                 <a:latin typeface="Adobe Clean"/>
                 <a:cs typeface="Adobe Clean"/>
               </a:rPr>
-              <a:t>Standard Support Features</a:t>
+              <a:t>Fonctionnalités de l’assistance Standard</a:t>
             </a:r>
-            <a:endParaRPr lang="en-US" sz="1400" dirty="0">
-              <a:latin typeface="Adobe Clean"/>
-              <a:cs typeface="Adobe Clean"/>
-            </a:endParaRPr>
           </a:p>
         </p:txBody>
       </p:sp>
@@ -10276,8 +9070,8 @@
         </p:nvSpPr>
         <p:spPr>
           <a:xfrm>
-            <a:off x="872580" y="7278776"/>
-            <a:ext cx="1384310" cy="184666"/>
+            <a:off x="872579" y="7278776"/>
+            <a:ext cx="1800281" cy="169277"/>
           </a:xfrm>
           <a:prstGeom prst="rect">
             <a:avLst/>
@@ -10298,12 +9092,12 @@
               </a:spcAft>
             </a:pPr>
             <a:r>
-              <a:rPr lang="en-US" sz="1200" b="1" dirty="0">
+              <a:rPr lang="fr-FR" sz="1100" b="1" dirty="0">
                 <a:latin typeface="Adobe Clean" panose="020B0503020404020204" pitchFamily="34" charset="0"/>
                 <a:ea typeface="Open Sans" pitchFamily="34" charset="0"/>
                 <a:cs typeface="Open Sans" pitchFamily="34" charset="0"/>
               </a:rPr>
-              <a:t>Community Forums</a:t>
+              <a:t>Forums de la communauté</a:t>
             </a:r>
           </a:p>
         </p:txBody>
@@ -10322,8 +9116,8 @@
         </p:nvSpPr>
         <p:spPr>
           <a:xfrm>
-            <a:off x="445049" y="7520945"/>
-            <a:ext cx="2148840" cy="959237"/>
+            <a:off x="445048" y="7520945"/>
+            <a:ext cx="2227811" cy="866904"/>
           </a:xfrm>
           <a:prstGeom prst="rect">
             <a:avLst/>
@@ -10336,13 +9130,13 @@
           <a:lstStyle/>
           <a:p>
             <a:r>
-              <a:rPr lang="en-US" sz="1000" dirty="0">
+              <a:rPr lang="fr-FR" sz="900" dirty="0">
                 <a:solidFill>
                   <a:srgbClr val="000000"/>
                 </a:solidFill>
                 <a:latin typeface="Adobe Clean Light" panose="020B0303020404020204" pitchFamily="34" charset="0"/>
               </a:rPr>
-              <a:t>Continuous online access to a growing database of technical solutions, product documentation, FAQs and more. Connect with other customers on Adobe Community to share best practices and lessons learned..</a:t>
+              <a:t>Accès en ligne permanent à une base de données croissante de solutions techniques, de documentation sur les produits, de questions fréquentes, etc. Communiquez avec d’autres clients de la communauté Adobe pour partager les bonnes pratiques et les leçons apprises.</a:t>
             </a:r>
           </a:p>
         </p:txBody>
@@ -10364,7 +9158,7 @@
         <p:spPr>
           <a:xfrm>
             <a:off x="3379295" y="7277122"/>
-            <a:ext cx="1013098" cy="184666"/>
+            <a:ext cx="1630254" cy="169277"/>
           </a:xfrm>
           <a:prstGeom prst="rect">
             <a:avLst/>
@@ -10385,12 +9179,12 @@
               </a:spcAft>
             </a:pPr>
             <a:r>
-              <a:rPr lang="en-US" sz="1200" b="1" dirty="0">
+              <a:rPr lang="fr-FR" sz="1100" b="1">
                 <a:latin typeface="Adobe Clean" panose="020B0503020404020204" pitchFamily="34" charset="0"/>
                 <a:ea typeface="Open Sans" pitchFamily="34" charset="0"/>
                 <a:cs typeface="Open Sans" pitchFamily="34" charset="0"/>
               </a:rPr>
-              <a:t>Self-Help Portal</a:t>
+              <a:t>Portail d’aide automatique</a:t>
             </a:r>
           </a:p>
         </p:txBody>
@@ -10410,7 +9204,7 @@
         <p:spPr>
           <a:xfrm>
             <a:off x="2933792" y="7510816"/>
-            <a:ext cx="2148840" cy="805349"/>
+            <a:ext cx="2148840" cy="728405"/>
           </a:xfrm>
           <a:prstGeom prst="rect">
             <a:avLst/>
@@ -10423,13 +9217,13 @@
           <a:lstStyle/>
           <a:p>
             <a:r>
-              <a:rPr lang="en-US" sz="1000" dirty="0">
+              <a:rPr lang="fr-FR" sz="900" dirty="0">
                 <a:solidFill>
                   <a:srgbClr val="000000"/>
                 </a:solidFill>
                 <a:latin typeface="Adobe Clean Light" panose="020B0303020404020204" pitchFamily="34" charset="0"/>
               </a:rPr>
-              <a:t>On-demand access to the online Self-help Support Portal review case status, and browse other resources, like our  news and alerts, knowledge base, featured tips, and more.</a:t>
+              <a:t>Accès à la demande au portail d’assistance automatique en ligne pour examiner le statut des cas et parcourir d’autres ressources, telles que notre base de connaissances, les actualités et les alertes, les conseils présentés, etc.</a:t>
             </a:r>
           </a:p>
         </p:txBody>
@@ -10448,8 +9242,8 @@
         </p:nvSpPr>
         <p:spPr>
           <a:xfrm>
-            <a:off x="5422535" y="7486269"/>
-            <a:ext cx="2148840" cy="641201"/>
+            <a:off x="5422534" y="7486269"/>
+            <a:ext cx="2222865" cy="718145"/>
           </a:xfrm>
           <a:prstGeom prst="rect">
             <a:avLst/>
@@ -10473,104 +9267,14 @@
               </a:tabLst>
             </a:pPr>
             <a:r>
-              <a:rPr lang="en-US" sz="1000" spc="-20" dirty="0">
+              <a:rPr lang="fr-FR" sz="900" dirty="0">
                 <a:solidFill>
                   <a:srgbClr val="020302"/>
                 </a:solidFill>
                 <a:latin typeface="AdobeClean-Light"/>
                 <a:cs typeface="AdobeClean-Light"/>
               </a:rPr>
-              <a:t>Authorized Users (Admins) can start a chat session with Adobe Support </a:t>
-            </a:r>
-            <a:r>
-              <a:rPr lang="en-US" sz="1000" spc="-5" dirty="0">
-                <a:solidFill>
-                  <a:srgbClr val="020302"/>
-                </a:solidFill>
-                <a:latin typeface="AdobeClean-Light"/>
-                <a:cs typeface="AdobeClean-Light"/>
-              </a:rPr>
-              <a:t>to </a:t>
-            </a:r>
-            <a:r>
-              <a:rPr lang="en-US" sz="1000" spc="-10" dirty="0">
-                <a:solidFill>
-                  <a:srgbClr val="020302"/>
-                </a:solidFill>
-                <a:latin typeface="AdobeClean-Light"/>
-                <a:cs typeface="AdobeClean-Light"/>
-              </a:rPr>
-              <a:t>get </a:t>
-            </a:r>
-            <a:r>
-              <a:rPr lang="en-US" sz="1000" spc="-20" dirty="0">
-                <a:solidFill>
-                  <a:srgbClr val="020302"/>
-                </a:solidFill>
-                <a:latin typeface="AdobeClean-Light"/>
-                <a:cs typeface="AdobeClean-Light"/>
-              </a:rPr>
-              <a:t>answers</a:t>
-            </a:r>
-            <a:r>
-              <a:rPr lang="en-US" sz="1000" spc="-45" dirty="0">
-                <a:solidFill>
-                  <a:srgbClr val="020302"/>
-                </a:solidFill>
-                <a:latin typeface="AdobeClean-Light"/>
-                <a:cs typeface="AdobeClean-Light"/>
-              </a:rPr>
-              <a:t> and </a:t>
-            </a:r>
-            <a:r>
-              <a:rPr lang="en-US" sz="1000" spc="-15" dirty="0">
-                <a:solidFill>
-                  <a:srgbClr val="020302"/>
-                </a:solidFill>
-                <a:latin typeface="AdobeClean-Light"/>
-                <a:cs typeface="AdobeClean-Light"/>
-              </a:rPr>
-              <a:t>help </a:t>
-            </a:r>
-            <a:r>
-              <a:rPr lang="en-US" sz="1000" spc="-10" dirty="0">
-                <a:solidFill>
-                  <a:srgbClr val="020302"/>
-                </a:solidFill>
-                <a:latin typeface="AdobeClean-Light"/>
-                <a:cs typeface="AdobeClean-Light"/>
-              </a:rPr>
-              <a:t>with</a:t>
-            </a:r>
-            <a:r>
-              <a:rPr lang="en-US" sz="1000" spc="85" dirty="0">
-                <a:solidFill>
-                  <a:srgbClr val="020302"/>
-                </a:solidFill>
-                <a:latin typeface="AdobeClean-Light"/>
-                <a:cs typeface="AdobeClean-Light"/>
-              </a:rPr>
-              <a:t> </a:t>
-            </a:r>
-            <a:r>
-              <a:rPr lang="en-US" sz="1000" spc="-10" dirty="0">
-                <a:solidFill>
-                  <a:srgbClr val="020302"/>
-                </a:solidFill>
-                <a:latin typeface="AdobeClean-Light"/>
-                <a:cs typeface="AdobeClean-Light"/>
-              </a:rPr>
-              <a:t>case </a:t>
-            </a:r>
-            <a:r>
-              <a:rPr lang="en-US" sz="1000" spc="-20" dirty="0">
-                <a:solidFill>
-                  <a:srgbClr val="020302"/>
-                </a:solidFill>
-                <a:latin typeface="AdobeClean-Light"/>
-                <a:cs typeface="AdobeClean-Light"/>
-              </a:rPr>
-              <a:t>submission.</a:t>
+              <a:t>Les utilisateurs autorisés (admin) peuvent commencer une session de conversation avec l’assistance Adobe pour obtenir des réponses et de l’aide lors de l’envoi des cas.</a:t>
             </a:r>
           </a:p>
           <a:p>
@@ -10586,19 +9290,15 @@
               </a:tabLst>
             </a:pPr>
             <a:r>
-              <a:rPr lang="en-US" sz="1000" i="1" spc="-10" dirty="0">
+              <a:rPr lang="fr-FR" sz="900" i="1" dirty="0">
                 <a:solidFill>
                   <a:srgbClr val="7A7A7A"/>
                 </a:solidFill>
                 <a:latin typeface="AdobeClean-LightIt"/>
                 <a:cs typeface="AdobeClean-LightIt"/>
               </a:rPr>
-              <a:t>Subject to local hours</a:t>
+              <a:t>Soumis aux heures locales</a:t>
             </a:r>
-            <a:endParaRPr lang="en-US" sz="1000" dirty="0">
-              <a:latin typeface="AdobeClean-Light"/>
-              <a:cs typeface="AdobeClean-Light"/>
-            </a:endParaRPr>
           </a:p>
         </p:txBody>
       </p:sp>
@@ -10619,7 +9319,7 @@
         <p:spPr>
           <a:xfrm>
             <a:off x="5937487" y="7264890"/>
-            <a:ext cx="841577" cy="184666"/>
+            <a:ext cx="1643079" cy="169277"/>
           </a:xfrm>
           <a:prstGeom prst="rect">
             <a:avLst/>
@@ -10640,12 +9340,12 @@
               </a:spcAft>
             </a:pPr>
             <a:r>
-              <a:rPr lang="en-US" sz="1200" b="1" dirty="0">
+              <a:rPr lang="fr-FR" sz="1100" b="1">
                 <a:latin typeface="Adobe Clean" panose="020B0503020404020204" pitchFamily="34" charset="0"/>
                 <a:ea typeface="Open Sans" pitchFamily="34" charset="0"/>
                 <a:cs typeface="Open Sans" pitchFamily="34" charset="0"/>
               </a:rPr>
-              <a:t>Chat Support</a:t>
+              <a:t>Assistance de conversation</a:t>
             </a:r>
           </a:p>
         </p:txBody>
@@ -10666,8 +9366,8 @@
         </p:nvSpPr>
         <p:spPr>
           <a:xfrm>
-            <a:off x="2214435" y="8850387"/>
-            <a:ext cx="963405" cy="184666"/>
+            <a:off x="2017585" y="8850387"/>
+            <a:ext cx="1485984" cy="169277"/>
           </a:xfrm>
           <a:prstGeom prst="rect">
             <a:avLst/>
@@ -10688,12 +9388,12 @@
               </a:spcAft>
             </a:pPr>
             <a:r>
-              <a:rPr lang="en-US" sz="1200" b="1" dirty="0">
+              <a:rPr lang="fr-FR" sz="1100" b="1">
                 <a:latin typeface="Adobe Clean" panose="020B0503020404020204" pitchFamily="34" charset="0"/>
                 <a:ea typeface="Open Sans" pitchFamily="34" charset="0"/>
                 <a:cs typeface="Open Sans" pitchFamily="34" charset="0"/>
               </a:rPr>
-              <a:t>Phone Support</a:t>
+              <a:t>Assistance téléphonique</a:t>
             </a:r>
           </a:p>
         </p:txBody>
@@ -10712,8 +9412,8 @@
         </p:nvSpPr>
         <p:spPr>
           <a:xfrm>
-            <a:off x="1896499" y="9097542"/>
-            <a:ext cx="2023834" cy="651460"/>
+            <a:off x="1699649" y="9097542"/>
+            <a:ext cx="2023834" cy="589905"/>
           </a:xfrm>
           <a:prstGeom prst="rect">
             <a:avLst/>
@@ -10726,116 +9426,42 @@
           <a:lstStyle/>
           <a:p>
             <a:r>
-              <a:rPr lang="en-US" sz="1000" dirty="0">
+              <a:rPr lang="fr-FR" sz="900">
                 <a:solidFill>
                   <a:srgbClr val="020302"/>
                 </a:solidFill>
                 <a:latin typeface="AdobeClean-Light"/>
               </a:rPr>
-              <a:t>Authorized Users (Admins) </a:t>
+              <a:t>Les utilisateurs autorisés (admin) </a:t>
             </a:r>
             <a:r>
-              <a:rPr lang="en-US" sz="1000" dirty="0">
+              <a:rPr lang="fr-FR" sz="900">
                 <a:latin typeface="Adobe Clean Light"/>
               </a:rPr>
-              <a:t>can call Adobe Support via phone </a:t>
+              <a:t>peuvent appeler l’assistance Adobe </a:t>
             </a:r>
             <a:r>
-              <a:rPr lang="en-US" sz="1000" spc="-5" dirty="0">
+              <a:rPr lang="fr-FR" sz="900">
                 <a:solidFill>
                   <a:srgbClr val="020302"/>
                 </a:solidFill>
                 <a:latin typeface="AdobeClean-Light"/>
                 <a:cs typeface="AdobeClean-Light"/>
               </a:rPr>
-              <a:t>to </a:t>
-            </a:r>
-            <a:r>
-              <a:rPr lang="en-US" sz="1000" spc="-10" dirty="0">
-                <a:solidFill>
-                  <a:srgbClr val="020302"/>
-                </a:solidFill>
-                <a:latin typeface="AdobeClean-Light"/>
-                <a:cs typeface="AdobeClean-Light"/>
-              </a:rPr>
-              <a:t>get </a:t>
-            </a:r>
-            <a:r>
-              <a:rPr lang="en-US" sz="1000" spc="-20" dirty="0">
-                <a:solidFill>
-                  <a:srgbClr val="020302"/>
-                </a:solidFill>
-                <a:latin typeface="AdobeClean-Light"/>
-                <a:cs typeface="AdobeClean-Light"/>
-              </a:rPr>
-              <a:t>answers</a:t>
-            </a:r>
-            <a:r>
-              <a:rPr lang="en-US" sz="1000" spc="-45" dirty="0">
-                <a:solidFill>
-                  <a:srgbClr val="020302"/>
-                </a:solidFill>
-                <a:latin typeface="AdobeClean-Light"/>
-                <a:cs typeface="AdobeClean-Light"/>
-              </a:rPr>
-              <a:t> and</a:t>
-            </a:r>
-            <a:r>
-              <a:rPr lang="en-US" sz="1000" dirty="0">
-                <a:solidFill>
-                  <a:srgbClr val="020302"/>
-                </a:solidFill>
-                <a:latin typeface="AdobeClean-Light"/>
-                <a:cs typeface="AdobeClean-Light"/>
-              </a:rPr>
-              <a:t> </a:t>
-            </a:r>
-            <a:r>
-              <a:rPr lang="en-US" sz="1000" spc="-15" dirty="0">
-                <a:solidFill>
-                  <a:srgbClr val="020302"/>
-                </a:solidFill>
-                <a:latin typeface="AdobeClean-Light"/>
-                <a:cs typeface="AdobeClean-Light"/>
-              </a:rPr>
-              <a:t>help </a:t>
-            </a:r>
-            <a:r>
-              <a:rPr lang="en-US" sz="1000" spc="-10" dirty="0">
-                <a:solidFill>
-                  <a:srgbClr val="020302"/>
-                </a:solidFill>
-                <a:latin typeface="AdobeClean-Light"/>
-                <a:cs typeface="AdobeClean-Light"/>
-              </a:rPr>
-              <a:t>with case </a:t>
-            </a:r>
-            <a:r>
-              <a:rPr lang="en-US" sz="1000" spc="-20" dirty="0">
-                <a:solidFill>
-                  <a:srgbClr val="020302"/>
-                </a:solidFill>
-                <a:latin typeface="AdobeClean-Light"/>
-                <a:cs typeface="AdobeClean-Light"/>
-              </a:rPr>
-              <a:t>submission.</a:t>
+              <a:t>pour obtenir des réponses et de l’aide lors de l’envoi des cas.</a:t>
             </a:r>
           </a:p>
           <a:p>
             <a:r>
-              <a:rPr lang="en-US" sz="1000" i="1" spc="-10" dirty="0">
+              <a:rPr lang="fr-FR" sz="900" i="1">
                 <a:solidFill>
                   <a:srgbClr val="7A7A7A"/>
                 </a:solidFill>
                 <a:latin typeface="Adobe Clean Light" panose="020B0303020404020204" pitchFamily="34" charset="0"/>
                 <a:cs typeface="AdobeClean-LightIt"/>
               </a:rPr>
-              <a:t>Subject to local hours</a:t>
+              <a:t>Soumis aux heures locales</a:t>
             </a:r>
-            <a:endParaRPr lang="en-US" sz="1000" i="1" dirty="0">
-              <a:latin typeface="Adobe Clean Light" panose="020B0303020404020204" pitchFamily="34" charset="0"/>
-              <a:cs typeface="AdobeClean-Light"/>
-            </a:endParaRPr>
           </a:p>
         </p:txBody>
       </p:sp>
@@ -10855,8 +9481,8 @@
         </p:nvSpPr>
         <p:spPr>
           <a:xfrm>
-            <a:off x="4665030" y="8845241"/>
-            <a:ext cx="1402628" cy="184666"/>
+            <a:off x="4468180" y="8845241"/>
+            <a:ext cx="1267976" cy="169277"/>
           </a:xfrm>
           <a:prstGeom prst="rect">
             <a:avLst/>
@@ -10877,12 +9503,12 @@
               </a:spcAft>
             </a:pPr>
             <a:r>
-              <a:rPr lang="en-US" sz="1200" b="1" dirty="0">
+              <a:rPr lang="fr-FR" sz="1100" b="1">
                 <a:latin typeface="Adobe Clean" panose="020B0503020404020204" pitchFamily="34" charset="0"/>
                 <a:ea typeface="Open Sans" pitchFamily="34" charset="0"/>
                 <a:cs typeface="Open Sans" pitchFamily="34" charset="0"/>
               </a:rPr>
-              <a:t>Web Case Submission</a:t>
+              <a:t>Envoi de cas en ligne</a:t>
             </a:r>
           </a:p>
         </p:txBody>
@@ -10901,8 +9527,8 @@
         </p:nvSpPr>
         <p:spPr>
           <a:xfrm>
-            <a:off x="4167337" y="9097542"/>
-            <a:ext cx="2148840" cy="707886"/>
+            <a:off x="3970486" y="9097542"/>
+            <a:ext cx="2455671" cy="646331"/>
           </a:xfrm>
           <a:prstGeom prst="rect">
             <a:avLst/>
@@ -10915,26 +9541,20 @@
           <a:lstStyle/>
           <a:p>
             <a:r>
-              <a:rPr lang="en-US" sz="1000" dirty="0">
+              <a:rPr lang="fr-FR" sz="900" dirty="0">
                 <a:solidFill>
                   <a:srgbClr val="020302"/>
                 </a:solidFill>
                 <a:latin typeface="AdobeClean-Light"/>
               </a:rPr>
-              <a:t>Authorized Users (Admins) </a:t>
+              <a:t>Les utilisateurs autorisés (admin) </a:t>
             </a:r>
             <a:r>
-              <a:rPr lang="en-US" sz="1000" dirty="0">
+              <a:rPr lang="fr-FR" sz="900" dirty="0">
                 <a:latin typeface="Adobe Clean Light"/>
               </a:rPr>
-              <a:t>can submit unlimited web cases at any time for support issues for review by our technical support team.</a:t>
+              <a:t>peuvent envoyer un nombre illimité de cas en ligne à tout moment pour que les problèmes soient examinés par notre équipe d’assistance technique.</a:t>
             </a:r>
-            <a:endParaRPr lang="en-US" sz="1000" dirty="0">
-              <a:solidFill>
-                <a:srgbClr val="000000"/>
-              </a:solidFill>
-              <a:latin typeface="Adobe Clean Light"/>
-            </a:endParaRPr>
           </a:p>
         </p:txBody>
       </p:sp>
@@ -10952,8 +9572,8 @@
         </p:nvSpPr>
         <p:spPr>
           <a:xfrm>
-            <a:off x="5241757" y="1187127"/>
-            <a:ext cx="2280307" cy="805349"/>
+            <a:off x="5241757" y="1225227"/>
+            <a:ext cx="2280307" cy="866904"/>
           </a:xfrm>
           <a:prstGeom prst="rect">
             <a:avLst/>
@@ -10967,23 +9587,19 @@
           <a:p>
             <a:pPr marL="12700" marR="5080"/>
             <a:r>
-              <a:rPr lang="en-US" sz="1000" dirty="0">
+              <a:rPr lang="fr-FR" sz="900">
                 <a:latin typeface="Adobe Clean Light" panose="020B0303020404020204" pitchFamily="34" charset="0"/>
                 <a:cs typeface="AdobeClean-Light"/>
               </a:rPr>
-              <a:t>Receive prioritized routing to ensure faster connection to more senior support resources on submitted cases, as well as </a:t>
+              <a:t>Bénéficiez d’un acheminement prioritaire pour garantir une connexion rapide à des ressources d’assistance senior supplémentaires sur les cas envoyés, </a:t>
             </a:r>
             <a:r>
-              <a:rPr lang="en-US" sz="1000" dirty="0">
+              <a:rPr lang="fr-FR" sz="900">
                 <a:latin typeface="Adobe Clean Light" panose="020B0303020404020204" pitchFamily="34" charset="0"/>
                 <a:cs typeface="Adobe Clean Light"/>
               </a:rPr>
-              <a:t>higher prioritization on support case work through facilitated engagement with Engineering.</a:t>
+              <a:t>ainsi que d’une accélération du traitement des cas d’assistance grâce à une interaction simple avec l’équipe d’ingénierie.</a:t>
             </a:r>
-            <a:endParaRPr lang="en-US" sz="1000" dirty="0">
-              <a:latin typeface="Adobe Clean Light" panose="020B0303020404020204" pitchFamily="34" charset="0"/>
-              <a:cs typeface="AdobeClean-Light"/>
-            </a:endParaRPr>
           </a:p>
         </p:txBody>
       </p:sp>
@@ -11003,8 +9619,8 @@
         </p:nvSpPr>
         <p:spPr>
           <a:xfrm>
-            <a:off x="5570691" y="832185"/>
-            <a:ext cx="1976242" cy="369332"/>
+            <a:off x="5570691" y="749635"/>
+            <a:ext cx="1976242" cy="482440"/>
           </a:xfrm>
           <a:prstGeom prst="rect">
             <a:avLst/>
@@ -11017,6 +9633,9 @@
           <a:lstStyle/>
           <a:p>
             <a:pPr>
+              <a:lnSpc>
+                <a:spcPct val="95000"/>
+              </a:lnSpc>
               <a:spcBef>
                 <a:spcPts val="600"/>
               </a:spcBef>
@@ -11025,13 +9644,13 @@
               </a:spcAft>
             </a:pPr>
             <a:r>
-              <a:rPr lang="en-US" sz="1200" b="1" spc="-10" dirty="0">
+              <a:rPr lang="fr-FR" sz="1100" b="1" dirty="0">
                 <a:solidFill>
                   <a:srgbClr val="020302"/>
                 </a:solidFill>
                 <a:latin typeface="Adobe Clean" panose="020B0503020404020204" pitchFamily="34" charset="0"/>
               </a:rPr>
-              <a:t>Priority Case Routing &amp; Accelerated Issue Prioritization</a:t>
+              <a:t>Acheminement prioritaire des cas et accélération du traitement des problèmes</a:t>
             </a:r>
           </a:p>
         </p:txBody>
@@ -11051,7 +9670,7 @@
         <p:spPr>
           <a:xfrm>
             <a:off x="358574" y="2781808"/>
-            <a:ext cx="2140042" cy="959237"/>
+            <a:ext cx="2140042" cy="956929"/>
           </a:xfrm>
           <a:prstGeom prst="rect">
             <a:avLst/>
@@ -11065,22 +9684,18 @@
           <a:p>
             <a:pPr marL="12700">
               <a:lnSpc>
-                <a:spcPct val="100000"/>
+                <a:spcPct val="95000"/>
               </a:lnSpc>
               <a:spcBef>
                 <a:spcPts val="100"/>
               </a:spcBef>
             </a:pPr>
             <a:r>
-              <a:rPr lang="en-US" sz="1000" dirty="0">
+              <a:rPr lang="fr-FR" sz="900" dirty="0">
                 <a:latin typeface="Adobe Clean Light" panose="020B0303020404020204" pitchFamily="34" charset="0"/>
               </a:rPr>
-              <a:t>A designated point of contact within Adobe who will actively monitor open cases and can provide escalation assistance, regular updates and ensure priority is given to your most critical open support requests.</a:t>
+              <a:t>Il s’agit d’un point de contact désigné au sein d’Adobe qui surveillera les cas ouverts de manière active et pourra fournir une assistance en matière de remontées d’informations, des mises à jour régulières et s’assurant que la priorité est mise sur vos demandes d’assistance ouvertes les plus importantes.</a:t>
             </a:r>
-            <a:endParaRPr lang="en-US" sz="1000" dirty="0">
-              <a:latin typeface="Adobe Clean Light" panose="020B0303020404020204" pitchFamily="34" charset="0"/>
-              <a:cs typeface="AdobeClean-Light"/>
-            </a:endParaRPr>
           </a:p>
         </p:txBody>
       </p:sp>
@@ -11100,8 +9715,8 @@
         </p:nvSpPr>
         <p:spPr>
           <a:xfrm>
-            <a:off x="764873" y="2390174"/>
-            <a:ext cx="1797891" cy="369332"/>
+            <a:off x="764873" y="2333024"/>
+            <a:ext cx="1797891" cy="482440"/>
           </a:xfrm>
           <a:prstGeom prst="rect">
             <a:avLst/>
@@ -11114,6 +9729,9 @@
           <a:lstStyle/>
           <a:p>
             <a:pPr>
+              <a:lnSpc>
+                <a:spcPct val="95000"/>
+              </a:lnSpc>
               <a:spcBef>
                 <a:spcPts val="600"/>
               </a:spcBef>
@@ -11122,13 +9740,13 @@
               </a:spcAft>
             </a:pPr>
             <a:r>
-              <a:rPr lang="en-US" sz="1200" b="1" spc="-10" dirty="0">
+              <a:rPr lang="fr-FR" sz="1100" b="1" dirty="0">
                 <a:solidFill>
                   <a:srgbClr val="020302"/>
                 </a:solidFill>
                 <a:latin typeface="Adobe Clean" panose="020B0503020404020204" pitchFamily="34" charset="0"/>
               </a:rPr>
-              <a:t>Proactive Case Monitoring and Escalation Management</a:t>
+              <a:t>Surveillance des cas proactive et gestion des remontées d’informations</a:t>
             </a:r>
           </a:p>
         </p:txBody>
@@ -11148,7 +9766,7 @@
         <p:spPr>
           <a:xfrm>
             <a:off x="5583949" y="2474957"/>
-            <a:ext cx="1036205" cy="197490"/>
+            <a:ext cx="1801860" cy="182101"/>
           </a:xfrm>
           <a:prstGeom prst="rect">
             <a:avLst/>
@@ -11169,149 +9787,15 @@
               </a:spcBef>
             </a:pPr>
             <a:r>
-              <a:rPr sz="1200" b="1" spc="-20" dirty="0">
+              <a:rPr lang="fr-FR" sz="1100" b="1" dirty="0">
                 <a:solidFill>
                   <a:srgbClr val="020302"/>
                 </a:solidFill>
                 <a:latin typeface="Adobe Clean"/>
                 <a:cs typeface="Adobe Clean"/>
               </a:rPr>
-              <a:t>S</a:t>
+              <a:t>Examens de service</a:t>
             </a:r>
-            <a:r>
-              <a:rPr sz="1200" b="1" spc="-25" dirty="0">
-                <a:solidFill>
-                  <a:srgbClr val="020302"/>
-                </a:solidFill>
-                <a:latin typeface="Adobe Clean"/>
-                <a:cs typeface="Adobe Clean"/>
-              </a:rPr>
-              <a:t>e</a:t>
-            </a:r>
-            <a:r>
-              <a:rPr sz="1200" b="1" spc="-20" dirty="0">
-                <a:solidFill>
-                  <a:srgbClr val="020302"/>
-                </a:solidFill>
-                <a:latin typeface="Adobe Clean"/>
-                <a:cs typeface="Adobe Clean"/>
-              </a:rPr>
-              <a:t>r</a:t>
-            </a:r>
-            <a:r>
-              <a:rPr sz="1200" b="1" spc="-25" dirty="0">
-                <a:solidFill>
-                  <a:srgbClr val="020302"/>
-                </a:solidFill>
-                <a:latin typeface="Adobe Clean"/>
-                <a:cs typeface="Adobe Clean"/>
-              </a:rPr>
-              <a:t>v</a:t>
-            </a:r>
-            <a:r>
-              <a:rPr sz="1200" b="1" spc="-20" dirty="0">
-                <a:solidFill>
-                  <a:srgbClr val="020302"/>
-                </a:solidFill>
-                <a:latin typeface="Adobe Clean"/>
-                <a:cs typeface="Adobe Clean"/>
-              </a:rPr>
-              <a:t>i</a:t>
-            </a:r>
-            <a:r>
-              <a:rPr sz="1200" b="1" spc="-30" dirty="0">
-                <a:solidFill>
-                  <a:srgbClr val="020302"/>
-                </a:solidFill>
-                <a:latin typeface="Adobe Clean"/>
-                <a:cs typeface="Adobe Clean"/>
-              </a:rPr>
-              <a:t>c</a:t>
-            </a:r>
-            <a:r>
-              <a:rPr sz="1200" b="1" dirty="0">
-                <a:solidFill>
-                  <a:srgbClr val="020302"/>
-                </a:solidFill>
-                <a:latin typeface="Adobe Clean"/>
-                <a:cs typeface="Adobe Clean"/>
-              </a:rPr>
-              <a:t>e</a:t>
-            </a:r>
-            <a:r>
-              <a:rPr sz="1200" b="1" spc="-80" dirty="0">
-                <a:solidFill>
-                  <a:srgbClr val="020302"/>
-                </a:solidFill>
-                <a:latin typeface="Adobe Clean"/>
-                <a:cs typeface="Adobe Clean"/>
-              </a:rPr>
-              <a:t> </a:t>
-            </a:r>
-            <a:r>
-              <a:rPr sz="1200" b="1" spc="-20" dirty="0">
-                <a:solidFill>
-                  <a:srgbClr val="020302"/>
-                </a:solidFill>
-                <a:latin typeface="Adobe Clean"/>
-                <a:cs typeface="Adobe Clean"/>
-              </a:rPr>
-              <a:t>R</a:t>
-            </a:r>
-            <a:r>
-              <a:rPr sz="1200" b="1" spc="-25" dirty="0">
-                <a:solidFill>
-                  <a:srgbClr val="020302"/>
-                </a:solidFill>
-                <a:latin typeface="Adobe Clean"/>
-                <a:cs typeface="Adobe Clean"/>
-              </a:rPr>
-              <a:t>e</a:t>
-            </a:r>
-            <a:r>
-              <a:rPr sz="1200" b="1" spc="-30" dirty="0">
-                <a:solidFill>
-                  <a:srgbClr val="020302"/>
-                </a:solidFill>
-                <a:latin typeface="Adobe Clean"/>
-                <a:cs typeface="Adobe Clean"/>
-              </a:rPr>
-              <a:t>v</a:t>
-            </a:r>
-            <a:r>
-              <a:rPr sz="1200" b="1" spc="-20" dirty="0">
-                <a:solidFill>
-                  <a:srgbClr val="020302"/>
-                </a:solidFill>
-                <a:latin typeface="Adobe Clean"/>
-                <a:cs typeface="Adobe Clean"/>
-              </a:rPr>
-              <a:t>i</a:t>
-            </a:r>
-            <a:r>
-              <a:rPr sz="1200" b="1" spc="-25" dirty="0">
-                <a:solidFill>
-                  <a:srgbClr val="020302"/>
-                </a:solidFill>
-                <a:latin typeface="Adobe Clean"/>
-                <a:cs typeface="Adobe Clean"/>
-              </a:rPr>
-              <a:t>ew</a:t>
-            </a:r>
-            <a:r>
-              <a:rPr sz="1200" b="1" dirty="0">
-                <a:solidFill>
-                  <a:srgbClr val="020302"/>
-                </a:solidFill>
-                <a:latin typeface="Adobe Clean"/>
-                <a:cs typeface="Adobe Clean"/>
-              </a:rPr>
-              <a:t>s</a:t>
-            </a:r>
-            <a:endParaRPr sz="1200" dirty="0">
-              <a:latin typeface="Adobe Clean"/>
-              <a:cs typeface="Adobe Clean"/>
-            </a:endParaRPr>
           </a:p>
         </p:txBody>
       </p:sp>
@@ -11330,7 +9814,7 @@
         <p:spPr>
           <a:xfrm>
             <a:off x="5217782" y="2759013"/>
-            <a:ext cx="2194560" cy="628377"/>
+            <a:ext cx="2194560" cy="705321"/>
           </a:xfrm>
           <a:prstGeom prst="rect">
             <a:avLst/>
@@ -11351,15 +9835,11 @@
               </a:spcBef>
             </a:pPr>
             <a:r>
-              <a:rPr lang="en-US" sz="1000" dirty="0">
+              <a:rPr lang="fr-FR" sz="900">
                 <a:latin typeface="Adobe Clean Light" panose="020B0303020404020204" pitchFamily="34" charset="0"/>
               </a:rPr>
-              <a:t>Comprehensive quarterly review of Elite program services, benefits and support performance. May be combined with other strategic business reviews held with Adobe.</a:t>
+              <a:t>Il s’agit d’un examen trimestriel complet des services, avantages et performances d’assistance liés au programme Elite. Peut être associé à d’autres examens commerciaux stratégiques effectués par Adobe.</a:t>
             </a:r>
-            <a:endParaRPr sz="1000" dirty="0">
-              <a:latin typeface="Adobe Clean Light" panose="020B0303020404020204" pitchFamily="34" charset="0"/>
-              <a:cs typeface="AdobeClean-Light"/>
-            </a:endParaRPr>
           </a:p>
         </p:txBody>
       </p:sp>
@@ -11378,7 +9858,7 @@
         <p:spPr>
           <a:xfrm>
             <a:off x="3138045" y="2474957"/>
-            <a:ext cx="1036205" cy="197490"/>
+            <a:ext cx="1036205" cy="182101"/>
           </a:xfrm>
           <a:prstGeom prst="rect">
             <a:avLst/>
@@ -11399,99 +9879,15 @@
               </a:spcBef>
             </a:pPr>
             <a:r>
-              <a:rPr lang="en-US" sz="1200" b="1" spc="-20" dirty="0">
+              <a:rPr lang="fr-FR" sz="1100" b="1">
                 <a:solidFill>
                   <a:srgbClr val="020302"/>
                 </a:solidFill>
                 <a:latin typeface="Adobe Clean"/>
                 <a:cs typeface="Adobe Clean"/>
               </a:rPr>
-              <a:t>Cas</a:t>
+              <a:t>Examens de cas</a:t>
             </a:r>
-            <a:r>
-              <a:rPr sz="1200" b="1" dirty="0">
-                <a:solidFill>
-                  <a:srgbClr val="020302"/>
-                </a:solidFill>
-                <a:latin typeface="Adobe Clean"/>
-                <a:cs typeface="Adobe Clean"/>
-              </a:rPr>
-              <a:t>e</a:t>
-            </a:r>
-            <a:r>
-              <a:rPr sz="1200" b="1" spc="-80" dirty="0">
-                <a:solidFill>
-                  <a:srgbClr val="020302"/>
-                </a:solidFill>
-                <a:latin typeface="Adobe Clean"/>
-                <a:cs typeface="Adobe Clean"/>
-              </a:rPr>
-              <a:t> </a:t>
-            </a:r>
-            <a:r>
-              <a:rPr sz="1200" b="1" spc="-20" dirty="0">
-                <a:solidFill>
-                  <a:srgbClr val="020302"/>
-                </a:solidFill>
-                <a:latin typeface="Adobe Clean"/>
-                <a:cs typeface="Adobe Clean"/>
-              </a:rPr>
-              <a:t>R</a:t>
-            </a:r>
-            <a:r>
-              <a:rPr sz="1200" b="1" spc="-25" dirty="0">
-                <a:solidFill>
-                  <a:srgbClr val="020302"/>
-                </a:solidFill>
-                <a:latin typeface="Adobe Clean"/>
-                <a:cs typeface="Adobe Clean"/>
-              </a:rPr>
-              <a:t>e</a:t>
-            </a:r>
-            <a:r>
-              <a:rPr sz="1200" b="1" spc="-30" dirty="0">
-                <a:solidFill>
-                  <a:srgbClr val="020302"/>
-                </a:solidFill>
-                <a:latin typeface="Adobe Clean"/>
-                <a:cs typeface="Adobe Clean"/>
-              </a:rPr>
-              <a:t>v</a:t>
-            </a:r>
-            <a:r>
-              <a:rPr sz="1200" b="1" spc="-20" dirty="0">
-                <a:solidFill>
-                  <a:srgbClr val="020302"/>
-                </a:solidFill>
-                <a:latin typeface="Adobe Clean"/>
-                <a:cs typeface="Adobe Clean"/>
-              </a:rPr>
-              <a:t>i</a:t>
-            </a:r>
-            <a:r>
-              <a:rPr sz="1200" b="1" spc="-25" dirty="0">
-                <a:solidFill>
-                  <a:srgbClr val="020302"/>
-                </a:solidFill>
-                <a:latin typeface="Adobe Clean"/>
-                <a:cs typeface="Adobe Clean"/>
-              </a:rPr>
-              <a:t>ew</a:t>
-            </a:r>
-            <a:r>
-              <a:rPr sz="1200" b="1" dirty="0">
-                <a:solidFill>
-                  <a:srgbClr val="020302"/>
-                </a:solidFill>
-                <a:latin typeface="Adobe Clean"/>
-                <a:cs typeface="Adobe Clean"/>
-              </a:rPr>
-              <a:t>s</a:t>
-            </a:r>
-            <a:endParaRPr sz="1200" dirty="0">
-              <a:latin typeface="Adobe Clean"/>
-              <a:cs typeface="Adobe Clean"/>
-            </a:endParaRPr>
           </a:p>
         </p:txBody>
       </p:sp>
@@ -11510,7 +9906,7 @@
         <p:spPr>
           <a:xfrm>
             <a:off x="2762004" y="2778693"/>
-            <a:ext cx="2252540" cy="782265"/>
+            <a:ext cx="2252540" cy="843821"/>
           </a:xfrm>
           <a:prstGeom prst="rect">
             <a:avLst/>
@@ -11531,13 +9927,13 @@
               </a:spcBef>
             </a:pPr>
             <a:r>
-              <a:rPr lang="en-US" sz="1000" dirty="0">
+              <a:rPr lang="fr-FR" sz="900">
                 <a:latin typeface="Adobe Clean Light" panose="020B0303020404020204" pitchFamily="34" charset="0"/>
               </a:rPr>
-              <a:t>Regularly scheduled reviews of open support requests, ensuring customer alignment on case description, business impact, status, priority and agreement on next steps required to ensure a timely resolution</a:t>
+              <a:t>Il s’agit d’un examen planifié régulier des demandes d’assistance ouvertes, assurant l’alignement des clients avec la description des cas, l’impact sur l’entreprise, le statut, la priorité et l’accord concernant les prochaines étapes nécessaires pour garantir une résolution rapide</a:t>
             </a:r>
             <a:r>
-              <a:rPr lang="en-US" sz="1000" dirty="0">
+              <a:rPr lang="fr-FR" sz="900">
                 <a:solidFill>
                   <a:srgbClr val="4B4B4B"/>
                 </a:solidFill>
@@ -11545,10 +9941,6 @@
               </a:rPr>
               <a:t>.</a:t>
             </a:r>
-            <a:endParaRPr sz="1000" dirty="0">
-              <a:latin typeface="Adobe Clean Light" panose="020B0303020404020204" pitchFamily="34" charset="0"/>
-              <a:cs typeface="AdobeClean-Light"/>
-            </a:endParaRPr>
           </a:p>
         </p:txBody>
       </p:sp>
@@ -11567,7 +9959,7 @@
         <p:spPr>
           <a:xfrm>
             <a:off x="2762004" y="4269935"/>
-            <a:ext cx="2507536" cy="961802"/>
+            <a:ext cx="2507536" cy="1007968"/>
           </a:xfrm>
           <a:prstGeom prst="rect">
             <a:avLst/>
@@ -11585,19 +9977,15 @@
               </a:spcBef>
             </a:pPr>
             <a:r>
-              <a:rPr lang="en-US" sz="1000" dirty="0">
+              <a:rPr lang="fr-FR" sz="900" dirty="0">
                 <a:solidFill>
                   <a:srgbClr val="020302"/>
                 </a:solidFill>
                 <a:latin typeface="AdobeClean-Light"/>
                 <a:cs typeface="AdobeClean-Light"/>
               </a:rPr>
-              <a:t>Proactive review of your solution  deployment, configuration, and overall  architecture, including integrations. Align your solution and project roadmap to  mitigate risk and prepare for the future.</a:t>
+              <a:t>Il s’agit d’un examen proactif du déploiement, de la configuration et de l’architecture globale de votre solution, notamment les intégrations. Alignez votre feuille de route de projet et votre solution Adobe afin de réduire les risques et de préparer l’avenir.</a:t>
             </a:r>
-            <a:endParaRPr lang="en-US" sz="1000" dirty="0">
-              <a:latin typeface="AdobeClean-Light"/>
-              <a:cs typeface="AdobeClean-Light"/>
-            </a:endParaRPr>
           </a:p>
           <a:p>
             <a:pPr marL="18415" marR="262255" lvl="0">
@@ -11605,7 +9993,7 @@
                 <a:spcPts val="315"/>
               </a:spcBef>
             </a:pPr>
-            <a:endParaRPr lang="en-US" sz="1000" dirty="0">
+            <a:endParaRPr lang="en-US" sz="900" dirty="0">
               <a:solidFill>
                 <a:prstClr val="black"/>
               </a:solidFill>
@@ -11629,8 +10017,8 @@
         </p:nvSpPr>
         <p:spPr>
           <a:xfrm>
-            <a:off x="5586196" y="3849542"/>
-            <a:ext cx="1576220" cy="369332"/>
+            <a:off x="5586195" y="3849542"/>
+            <a:ext cx="1846661" cy="338554"/>
           </a:xfrm>
           <a:prstGeom prst="rect">
             <a:avLst/>
@@ -11648,22 +10036,15 @@
               </a:spcBef>
             </a:pPr>
             <a:r>
-              <a:rPr lang="en-US" sz="1200" b="1" dirty="0">
+              <a:rPr lang="fr-FR" sz="1100" b="1" dirty="0">
                 <a:solidFill>
                   <a:srgbClr val="020302"/>
                 </a:solidFill>
                 <a:latin typeface="Adobe Clean" panose="020B0503020404020204" pitchFamily="34" charset="0"/>
                 <a:cs typeface="Adobe Clean"/>
               </a:rPr>
-              <a:t>Release Preparation and Planning </a:t>
+              <a:t>Préparation et planification des versions </a:t>
             </a:r>
-            <a:endParaRPr lang="en-US" sz="1200" dirty="0">
-              <a:solidFill>
-                <a:prstClr val="black"/>
-              </a:solidFill>
-              <a:latin typeface="Adobe Clean" panose="020B0503020404020204" pitchFamily="34" charset="0"/>
-              <a:cs typeface="Adobe Clean"/>
-            </a:endParaRPr>
           </a:p>
         </p:txBody>
       </p:sp>
@@ -11682,7 +10063,7 @@
         <p:spPr>
           <a:xfrm>
             <a:off x="3131123" y="3878097"/>
-            <a:ext cx="2194560" cy="369332"/>
+            <a:ext cx="1768458" cy="338554"/>
           </a:xfrm>
           <a:prstGeom prst="rect">
             <a:avLst/>
@@ -11696,35 +10077,15 @@
           <a:p>
             <a:pPr lvl="0"/>
             <a:r>
-              <a:rPr lang="en-US" sz="1200" b="1" dirty="0">
+              <a:rPr lang="fr-FR" sz="1100" b="1" dirty="0">
                 <a:solidFill>
                   <a:srgbClr val="020302"/>
                 </a:solidFill>
                 <a:latin typeface="Adobe Clean" panose="020B0503020404020204" pitchFamily="34" charset="0"/>
                 <a:cs typeface="Adobe Clean"/>
               </a:rPr>
-              <a:t>Solution and Roadmap </a:t>
+              <a:t>Examen de la solution et de la feuille de route</a:t>
             </a:r>
-          </a:p>
-          <a:p>
-            <a:pPr lvl="0"/>
-            <a:r>
-              <a:rPr lang="en-US" sz="1200" b="1" dirty="0">
-                <a:solidFill>
-                  <a:srgbClr val="020302"/>
-                </a:solidFill>
-                <a:latin typeface="Adobe Clean" panose="020B0503020404020204" pitchFamily="34" charset="0"/>
-                <a:cs typeface="Adobe Clean"/>
-              </a:rPr>
-              <a:t>Review</a:t>
-            </a:r>
-            <a:endParaRPr lang="en-US" sz="1200" dirty="0">
-              <a:solidFill>
-                <a:prstClr val="black"/>
-              </a:solidFill>
-              <a:latin typeface="Adobe Clean" panose="020B0503020404020204" pitchFamily="34" charset="0"/>
-              <a:cs typeface="Adobe Clean"/>
-            </a:endParaRPr>
           </a:p>
         </p:txBody>
       </p:sp>
@@ -11743,7 +10104,7 @@
         <p:spPr>
           <a:xfrm>
             <a:off x="5182084" y="4238132"/>
-            <a:ext cx="2282011" cy="461665"/>
+            <a:ext cx="2282011" cy="415498"/>
           </a:xfrm>
           <a:prstGeom prst="rect">
             <a:avLst/>
@@ -11761,19 +10122,15 @@
               </a:spcBef>
             </a:pPr>
             <a:r>
-              <a:rPr lang="en-US" sz="1000" dirty="0">
+              <a:rPr lang="fr-FR" sz="900">
                 <a:solidFill>
                   <a:srgbClr val="020302"/>
                 </a:solidFill>
                 <a:latin typeface="AdobeClean-Light"/>
                 <a:cs typeface="AdobeClean-Light"/>
               </a:rPr>
-              <a:t>Benefit from tailored release information based on product configuration and use case(s). </a:t>
+              <a:t>Profitez d’informations personnalisées sur les versions en fonction de la configuration des produits et des cas d’utilisation. </a:t>
             </a:r>
-            <a:endParaRPr lang="en-US" sz="1000" dirty="0">
-              <a:latin typeface="AdobeClean-Light"/>
-              <a:cs typeface="AdobeClean-Light"/>
-            </a:endParaRPr>
           </a:p>
         </p:txBody>
       </p:sp>
@@ -11847,7 +10204,7 @@
         <p:spPr>
           <a:xfrm>
             <a:off x="375777" y="4352804"/>
-            <a:ext cx="2194560" cy="615553"/>
+            <a:ext cx="2194560" cy="692497"/>
           </a:xfrm>
           <a:prstGeom prst="rect">
             <a:avLst/>
@@ -11865,10 +10222,10 @@
               </a:spcBef>
             </a:pPr>
             <a:r>
-              <a:rPr lang="en-US" sz="1000" dirty="0">
+              <a:rPr lang="fr-FR" sz="900">
                 <a:latin typeface="Adobe Clean Light" panose="020B0303020404020204" pitchFamily="34" charset="0"/>
               </a:rPr>
-              <a:t>Receive support from members of our Adobe Support Team located within your global region. This may include in-country and/or in-language support. </a:t>
+              <a:t>Recevez l’aide des membres de notre équipe d’assistance Adobe qui se trouve dans votre région. Peut comprendre une assistance dans le pays et/ou dans la langue. </a:t>
             </a:r>
           </a:p>
         </p:txBody>
@@ -11888,7 +10245,7 @@
         <p:spPr>
           <a:xfrm>
             <a:off x="773188" y="4074058"/>
-            <a:ext cx="2194560" cy="184666"/>
+            <a:ext cx="2194560" cy="169277"/>
           </a:xfrm>
           <a:prstGeom prst="rect">
             <a:avLst/>
@@ -11906,22 +10263,15 @@
               </a:spcBef>
             </a:pPr>
             <a:r>
-              <a:rPr lang="en-US" sz="1200" b="1" dirty="0">
+              <a:rPr lang="fr-FR" sz="1100" b="1">
                 <a:solidFill>
                   <a:srgbClr val="020302"/>
                 </a:solidFill>
                 <a:latin typeface="Adobe Clean" panose="020B0503020404020204" pitchFamily="34" charset="0"/>
                 <a:cs typeface="Adobe Clean"/>
               </a:rPr>
-              <a:t>In-Region Support Option</a:t>
+              <a:t>Option d’assistance régionale</a:t>
             </a:r>
-            <a:endParaRPr lang="en-US" sz="1200" dirty="0">
-              <a:solidFill>
-                <a:prstClr val="black"/>
-              </a:solidFill>
-              <a:latin typeface="Adobe Clean" panose="020B0503020404020204" pitchFamily="34" charset="0"/>
-              <a:cs typeface="Adobe Clean"/>
-            </a:endParaRPr>
           </a:p>
         </p:txBody>
       </p:sp>
@@ -11939,8 +10289,8 @@
         </p:nvSpPr>
         <p:spPr>
           <a:xfrm>
-            <a:off x="2682827" y="5587536"/>
-            <a:ext cx="2194560" cy="461665"/>
+            <a:off x="2778077" y="5587536"/>
+            <a:ext cx="1933623" cy="415498"/>
           </a:xfrm>
           <a:prstGeom prst="rect">
             <a:avLst/>
@@ -11958,16 +10308,12 @@
               </a:spcBef>
             </a:pPr>
             <a:r>
-              <a:rPr lang="en-US" sz="1000" dirty="0">
+              <a:rPr lang="fr-FR" sz="900" dirty="0">
                 <a:latin typeface="AdobeClean-Light"/>
                 <a:cs typeface="AdobeClean-Light"/>
               </a:rPr>
-              <a:t>Benefit from the partnership of an Executive Sponsor from Adobe’s Support Leadership Team. </a:t>
+              <a:t>Profitez du partenariat d’un parrain du projet de l’équipe de direction d’assistance Adobe. </a:t>
             </a:r>
-            <a:endParaRPr sz="1000" dirty="0">
-              <a:latin typeface="AdobeClean-Light"/>
-              <a:cs typeface="AdobeClean-Light"/>
-            </a:endParaRPr>
           </a:p>
         </p:txBody>
       </p:sp>
@@ -11985,8 +10331,8 @@
         </p:nvSpPr>
         <p:spPr>
           <a:xfrm>
-            <a:off x="3112402" y="5331306"/>
-            <a:ext cx="1680344" cy="184666"/>
+            <a:off x="3207652" y="5331306"/>
+            <a:ext cx="1680344" cy="169277"/>
           </a:xfrm>
           <a:prstGeom prst="rect">
             <a:avLst/>
@@ -12004,22 +10350,15 @@
               </a:spcBef>
             </a:pPr>
             <a:r>
-              <a:rPr lang="en-US" sz="1200" b="1" dirty="0">
+              <a:rPr lang="fr-FR" sz="1100" b="1">
                 <a:solidFill>
                   <a:srgbClr val="020302"/>
                 </a:solidFill>
                 <a:latin typeface="Adobe Clean" panose="020B0503020404020204" pitchFamily="34" charset="0"/>
                 <a:cs typeface="Adobe Clean"/>
               </a:rPr>
-              <a:t>Executive Sponsor </a:t>
+              <a:t>Parrain du projet </a:t>
             </a:r>
-            <a:endParaRPr lang="en-US" sz="1200" dirty="0">
-              <a:solidFill>
-                <a:prstClr val="black"/>
-              </a:solidFill>
-              <a:latin typeface="Adobe Clean" panose="020B0503020404020204" pitchFamily="34" charset="0"/>
-              <a:cs typeface="Adobe Clean"/>
-            </a:endParaRPr>
           </a:p>
         </p:txBody>
       </p:sp>
@@ -12054,7 +10393,7 @@
         </p:blipFill>
         <p:spPr>
           <a:xfrm>
-            <a:off x="4221490" y="8791806"/>
+            <a:off x="4024640" y="8791806"/>
             <a:ext cx="365760" cy="365760"/>
           </a:xfrm>
           <a:prstGeom prst="rect">
@@ -12093,7 +10432,7 @@
         </p:blipFill>
         <p:spPr>
           <a:xfrm>
-            <a:off x="1827496" y="8728287"/>
+            <a:off x="1630646" y="8728287"/>
             <a:ext cx="365760" cy="365760"/>
           </a:xfrm>
           <a:prstGeom prst="rect">
@@ -12647,7 +10986,7 @@
         </p:blipFill>
         <p:spPr>
           <a:xfrm>
-            <a:off x="2682827" y="5244698"/>
+            <a:off x="2778077" y="5244698"/>
             <a:ext cx="365760" cy="365760"/>
           </a:xfrm>
           <a:prstGeom prst="rect">
@@ -12704,8 +11043,8 @@
         </p:nvSpPr>
         <p:spPr>
           <a:xfrm>
-            <a:off x="97788" y="9857050"/>
-            <a:ext cx="2245360" cy="133370"/>
+            <a:off x="97787" y="9857050"/>
+            <a:ext cx="3602631" cy="133365"/>
           </a:xfrm>
           <a:prstGeom prst="rect">
             <a:avLst/>
@@ -12817,36 +11156,24 @@
               </a:spcBef>
             </a:pPr>
             <a:r>
-              <a:rPr lang="en-US" spc="-10" dirty="0"/>
-              <a:t>©202</a:t>
+              <a:rPr lang="fr-FR" dirty="0"/>
+              <a:t>©2020 Adobe. All </a:t>
             </a:r>
             <a:r>
-              <a:rPr lang="en-US" spc="-5" dirty="0"/>
-              <a:t>2 Adobe. All</a:t>
+              <a:rPr lang="fr-FR" dirty="0" err="1"/>
+              <a:t>Rights</a:t>
             </a:r>
             <a:r>
-              <a:rPr lang="en-US" spc="-10" dirty="0"/>
-              <a:t> Rights</a:t>
-            </a:r>
-            <a:r>
-              <a:rPr lang="en-US" spc="-5" dirty="0"/>
+              <a:rPr lang="fr-FR" dirty="0"/>
               <a:t> </a:t>
             </a:r>
             <a:r>
-              <a:rPr lang="en-US" spc="-10" dirty="0"/>
-              <a:t>Reserved.</a:t>
+              <a:rPr lang="fr-FR" dirty="0" err="1"/>
+              <a:t>Reserved</a:t>
             </a:r>
             <a:r>
-              <a:rPr lang="en-US" spc="-5" dirty="0"/>
-              <a:t> Adobe</a:t>
-            </a:r>
-            <a:r>
-              <a:rPr lang="en-US" spc="60" dirty="0"/>
-              <a:t> </a:t>
-            </a:r>
-            <a:r>
-              <a:rPr lang="en-US" spc="-10" dirty="0"/>
-              <a:t>Confidential.</a:t>
+              <a:rPr lang="fr-FR" dirty="0"/>
+              <a:t>. Données confidentielles Adobe</a:t>
             </a:r>
           </a:p>
         </p:txBody>
@@ -12908,49 +11235,15 @@
               </a:lnSpc>
             </a:pPr>
             <a:r>
-              <a:rPr sz="500" spc="-5">
+              <a:rPr lang="fr-FR" sz="500">
                 <a:solidFill>
                   <a:srgbClr val="6C6C6C"/>
                 </a:solidFill>
                 <a:latin typeface="Adobe Clean"/>
                 <a:cs typeface="Adobe Clean"/>
               </a:rPr>
-              <a:t>©2020 Adobe. All Rights Reserved. </a:t>
+              <a:t>©2020 Adobe. All Rights Reserved. Données confidentielles Adobe</a:t>
             </a:r>
-            <a:r>
-              <a:rPr sz="500">
-                <a:solidFill>
-                  <a:srgbClr val="6C6C6C"/>
-                </a:solidFill>
-                <a:latin typeface="Adobe Clean"/>
-                <a:cs typeface="Adobe Clean"/>
-              </a:rPr>
-              <a:t>Adobe</a:t>
-            </a:r>
-            <a:r>
-              <a:rPr sz="500" spc="5">
-                <a:solidFill>
-                  <a:srgbClr val="6C6C6C"/>
-                </a:solidFill>
-                <a:latin typeface="Adobe Clean"/>
-                <a:cs typeface="Adobe Clean"/>
-              </a:rPr>
-              <a:t> </a:t>
-            </a:r>
-            <a:r>
-              <a:rPr sz="500" spc="-5">
-                <a:solidFill>
-                  <a:srgbClr val="6C6C6C"/>
-                </a:solidFill>
-                <a:latin typeface="Adobe Clean"/>
-                <a:cs typeface="Adobe Clean"/>
-              </a:rPr>
-              <a:t>Confidential.</a:t>
-            </a:r>
-            <a:endParaRPr sz="500">
-              <a:latin typeface="Adobe Clean"/>
-              <a:cs typeface="Adobe Clean"/>
-            </a:endParaRPr>
           </a:p>
           <a:p>
             <a:pPr>
@@ -12976,39 +11269,15 @@
               </a:spcBef>
             </a:pPr>
             <a:r>
-              <a:rPr sz="800" spc="-5">
+              <a:rPr lang="fr-FR" sz="800">
                 <a:solidFill>
                   <a:srgbClr val="6D6D6D"/>
                 </a:solidFill>
                 <a:latin typeface="Adobe Clean"/>
                 <a:cs typeface="Adobe Clean"/>
               </a:rPr>
-              <a:t>©2020 Adobe. All Rights Reserved. Adobe</a:t>
+              <a:t>©2020 Adobe. All Rights Reserved. Données confidentielles Adobe</a:t>
             </a:r>
-            <a:r>
-              <a:rPr sz="800" spc="75">
-                <a:solidFill>
-                  <a:srgbClr val="6D6D6D"/>
-                </a:solidFill>
-                <a:latin typeface="Adobe Clean"/>
-                <a:cs typeface="Adobe Clean"/>
-              </a:rPr>
-              <a:t> </a:t>
-            </a:r>
-            <a:r>
-              <a:rPr sz="800" spc="-5">
-                <a:solidFill>
-                  <a:srgbClr val="6D6D6D"/>
-                </a:solidFill>
-                <a:latin typeface="Adobe Clean"/>
-                <a:cs typeface="Adobe Clean"/>
-              </a:rPr>
-              <a:t>Confidential.</a:t>
-            </a:r>
-            <a:endParaRPr sz="800">
-              <a:latin typeface="Adobe Clean"/>
-              <a:cs typeface="Adobe Clean"/>
-            </a:endParaRPr>
           </a:p>
         </p:txBody>
       </p:sp>
@@ -13092,19 +11361,15 @@
               </a:spcBef>
             </a:pPr>
             <a:r>
-              <a:rPr lang="en-US" sz="1400" b="1" spc="-15">
+              <a:rPr lang="fr-FR" sz="1400" b="1">
                 <a:solidFill>
                   <a:srgbClr val="020302"/>
                 </a:solidFill>
                 <a:latin typeface="Adobe Clean"/>
                 <a:cs typeface="Adobe Clean"/>
               </a:rPr>
-              <a:t>Resources</a:t>
+              <a:t>Ressources</a:t>
             </a:r>
-            <a:endParaRPr sz="1400">
-              <a:latin typeface="Adobe Clean"/>
-              <a:cs typeface="Adobe Clean"/>
-            </a:endParaRPr>
           </a:p>
         </p:txBody>
       </p:sp>
@@ -13138,7 +11403,7 @@
               </a:spcBef>
             </a:pPr>
             <a:r>
-              <a:rPr sz="800" spc="-15">
+              <a:rPr lang="fr-FR" sz="800">
                 <a:solidFill>
                   <a:srgbClr val="777879"/>
                 </a:solidFill>
@@ -13147,10 +11412,6 @@
               </a:rPr>
               <a:t>Adobe</a:t>
             </a:r>
-            <a:endParaRPr sz="800">
-              <a:latin typeface="Adobe Clean"/>
-              <a:cs typeface="Adobe Clean"/>
-            </a:endParaRPr>
           </a:p>
           <a:p>
             <a:pPr marL="12700">
@@ -13159,39 +11420,15 @@
               </a:lnSpc>
             </a:pPr>
             <a:r>
-              <a:rPr sz="800" spc="-15">
+              <a:rPr lang="fr-FR" sz="800">
                 <a:solidFill>
                   <a:srgbClr val="777879"/>
                 </a:solidFill>
                 <a:latin typeface="Adobe Clean"/>
                 <a:cs typeface="Adobe Clean"/>
               </a:rPr>
-              <a:t>345 Park</a:t>
+              <a:t>345 Park Avenue</a:t>
             </a:r>
-            <a:r>
-              <a:rPr sz="800" spc="-100">
-                <a:solidFill>
-                  <a:srgbClr val="777879"/>
-                </a:solidFill>
-                <a:latin typeface="Adobe Clean"/>
-                <a:cs typeface="Adobe Clean"/>
-              </a:rPr>
-              <a:t> </a:t>
-            </a:r>
-            <a:r>
-              <a:rPr sz="800" spc="-15">
-                <a:solidFill>
-                  <a:srgbClr val="777879"/>
-                </a:solidFill>
-                <a:latin typeface="Adobe Clean"/>
-                <a:cs typeface="Adobe Clean"/>
-              </a:rPr>
-              <a:t>Avenue</a:t>
-            </a:r>
-            <a:endParaRPr sz="800">
-              <a:latin typeface="Adobe Clean"/>
-              <a:cs typeface="Adobe Clean"/>
-            </a:endParaRPr>
           </a:p>
           <a:p>
             <a:pPr marL="12700">
@@ -13200,49 +11437,15 @@
               </a:lnSpc>
             </a:pPr>
             <a:r>
-              <a:rPr sz="800" spc="-10">
+              <a:rPr lang="fr-FR" sz="800">
                 <a:solidFill>
                   <a:srgbClr val="777879"/>
                 </a:solidFill>
                 <a:latin typeface="Adobe Clean"/>
                 <a:cs typeface="Adobe Clean"/>
               </a:rPr>
-              <a:t>San </a:t>
+              <a:t>San Jose, CA95110-2704</a:t>
             </a:r>
-            <a:r>
-              <a:rPr sz="800" spc="-15">
-                <a:solidFill>
-                  <a:srgbClr val="777879"/>
-                </a:solidFill>
-                <a:latin typeface="Adobe Clean"/>
-                <a:cs typeface="Adobe Clean"/>
-              </a:rPr>
-              <a:t>Jose,</a:t>
-            </a:r>
-            <a:r>
-              <a:rPr sz="800" spc="-140">
-                <a:solidFill>
-                  <a:srgbClr val="777879"/>
-                </a:solidFill>
-                <a:latin typeface="Adobe Clean"/>
-                <a:cs typeface="Adobe Clean"/>
-              </a:rPr>
-              <a:t> </a:t>
-            </a:r>
-            <a:r>
-              <a:rPr sz="800" spc="-20">
-                <a:solidFill>
-                  <a:srgbClr val="777879"/>
-                </a:solidFill>
-                <a:latin typeface="Adobe Clean"/>
-                <a:cs typeface="Adobe Clean"/>
-              </a:rPr>
-              <a:t>CA95110-2704</a:t>
-            </a:r>
-            <a:endParaRPr sz="800">
-              <a:latin typeface="Adobe Clean"/>
-              <a:cs typeface="Adobe Clean"/>
-            </a:endParaRPr>
           </a:p>
           <a:p>
             <a:pPr marL="12700">
@@ -13254,19 +11457,15 @@
               </a:spcBef>
             </a:pPr>
             <a:r>
-              <a:rPr sz="800" spc="-10">
+              <a:rPr lang="fr-FR" sz="800">
                 <a:solidFill>
                   <a:srgbClr val="777879"/>
                 </a:solidFill>
                 <a:latin typeface="Adobe Clean"/>
                 <a:cs typeface="Adobe Clean"/>
               </a:rPr>
-              <a:t>USA</a:t>
+              <a:t>États-Unis</a:t>
             </a:r>
-            <a:endParaRPr sz="800">
-              <a:latin typeface="Adobe Clean"/>
-              <a:cs typeface="Adobe Clean"/>
-            </a:endParaRPr>
           </a:p>
           <a:p>
             <a:pPr marL="12700">
@@ -13278,7 +11477,7 @@
               </a:spcBef>
             </a:pPr>
             <a:r>
-              <a:rPr sz="800" u="sng" spc="-25">
+              <a:rPr lang="fr-FR" sz="800" u="sng">
                 <a:solidFill>
                   <a:srgbClr val="5F5F5F"/>
                 </a:solidFill>
@@ -13291,12 +11490,8 @@
                 <a:cs typeface="Adobe Clean"/>
                 <a:hlinkClick r:id="rId3"/>
               </a:rPr>
-              <a:t>www.adobe.com</a:t>
+              <a:t>www.adobe.com/fr/</a:t>
             </a:r>
-            <a:endParaRPr sz="800">
-              <a:latin typeface="Adobe Clean"/>
-              <a:cs typeface="Adobe Clean"/>
-            </a:endParaRPr>
           </a:p>
         </p:txBody>
       </p:sp>
@@ -13471,439 +11666,15 @@
               </a:spcBef>
             </a:pPr>
             <a:r>
-              <a:rPr sz="1100" i="1" spc="-10" dirty="0">
+              <a:rPr lang="fr-FR" sz="1100" i="1">
                 <a:solidFill>
                   <a:srgbClr val="777879"/>
                 </a:solidFill>
                 <a:latin typeface="AdobeClean-LightIt"/>
                 <a:cs typeface="AdobeClean-LightIt"/>
               </a:rPr>
-              <a:t>To</a:t>
+              <a:t>Pour en apprendre plus sur les offres de l’assistance Adobe et sur le niveau qui vous convient, contactez votre gestionnaire de compte nommé (NAM) ou votre gestionnaire de Succès client (CSM).</a:t>
             </a:r>
-            <a:r>
-              <a:rPr sz="1100" i="1" spc="-50" dirty="0">
-                <a:solidFill>
-                  <a:srgbClr val="777879"/>
-                </a:solidFill>
-                <a:latin typeface="AdobeClean-LightIt"/>
-                <a:cs typeface="AdobeClean-LightIt"/>
-              </a:rPr>
-              <a:t> </a:t>
-            </a:r>
-            <a:r>
-              <a:rPr sz="1100" i="1" spc="-15" dirty="0">
-                <a:solidFill>
-                  <a:srgbClr val="777879"/>
-                </a:solidFill>
-                <a:latin typeface="AdobeClean-LightIt"/>
-                <a:cs typeface="AdobeClean-LightIt"/>
-              </a:rPr>
-              <a:t>learn</a:t>
-            </a:r>
-            <a:r>
-              <a:rPr sz="1100" i="1" spc="-40" dirty="0">
-                <a:solidFill>
-                  <a:srgbClr val="777879"/>
-                </a:solidFill>
-                <a:latin typeface="AdobeClean-LightIt"/>
-                <a:cs typeface="AdobeClean-LightIt"/>
-              </a:rPr>
-              <a:t> </a:t>
-            </a:r>
-            <a:r>
-              <a:rPr sz="1100" i="1" spc="-15" dirty="0">
-                <a:solidFill>
-                  <a:srgbClr val="777879"/>
-                </a:solidFill>
-                <a:latin typeface="AdobeClean-LightIt"/>
-                <a:cs typeface="AdobeClean-LightIt"/>
-              </a:rPr>
-              <a:t>more</a:t>
-            </a:r>
-            <a:r>
-              <a:rPr sz="1100" i="1" spc="-45" dirty="0">
-                <a:solidFill>
-                  <a:srgbClr val="777879"/>
-                </a:solidFill>
-                <a:latin typeface="AdobeClean-LightIt"/>
-                <a:cs typeface="AdobeClean-LightIt"/>
-              </a:rPr>
-              <a:t> </a:t>
-            </a:r>
-            <a:r>
-              <a:rPr sz="1100" i="1" spc="-15" dirty="0">
-                <a:solidFill>
-                  <a:srgbClr val="777879"/>
-                </a:solidFill>
-                <a:latin typeface="AdobeClean-LightIt"/>
-                <a:cs typeface="AdobeClean-LightIt"/>
-              </a:rPr>
-              <a:t>about</a:t>
-            </a:r>
-            <a:r>
-              <a:rPr sz="1100" i="1" spc="-45" dirty="0">
-                <a:solidFill>
-                  <a:srgbClr val="777879"/>
-                </a:solidFill>
-                <a:latin typeface="AdobeClean-LightIt"/>
-                <a:cs typeface="AdobeClean-LightIt"/>
-              </a:rPr>
-              <a:t> </a:t>
-            </a:r>
-            <a:r>
-              <a:rPr sz="1100" i="1" spc="-15" dirty="0">
-                <a:solidFill>
-                  <a:srgbClr val="777879"/>
-                </a:solidFill>
-                <a:latin typeface="AdobeClean-LightIt"/>
-                <a:cs typeface="AdobeClean-LightIt"/>
-              </a:rPr>
-              <a:t>Adobe</a:t>
-            </a:r>
-            <a:r>
-              <a:rPr sz="1100" i="1" spc="-60" dirty="0">
-                <a:solidFill>
-                  <a:srgbClr val="777879"/>
-                </a:solidFill>
-                <a:latin typeface="AdobeClean-LightIt"/>
-                <a:cs typeface="AdobeClean-LightIt"/>
-              </a:rPr>
-              <a:t> </a:t>
-            </a:r>
-            <a:r>
-              <a:rPr sz="1100" i="1" spc="-15" dirty="0">
-                <a:solidFill>
-                  <a:srgbClr val="777879"/>
-                </a:solidFill>
-                <a:latin typeface="AdobeClean-LightIt"/>
-                <a:cs typeface="AdobeClean-LightIt"/>
-              </a:rPr>
-              <a:t>Support</a:t>
-            </a:r>
-            <a:r>
-              <a:rPr lang="en-US" sz="1100" i="1" spc="-15" dirty="0">
-                <a:solidFill>
-                  <a:srgbClr val="777879"/>
-                </a:solidFill>
-                <a:latin typeface="AdobeClean-LightIt"/>
-                <a:cs typeface="AdobeClean-LightIt"/>
-              </a:rPr>
-              <a:t> Offerings</a:t>
-            </a:r>
-            <a:r>
-              <a:rPr sz="1100" i="1" spc="-75" dirty="0">
-                <a:solidFill>
-                  <a:srgbClr val="777879"/>
-                </a:solidFill>
-                <a:latin typeface="AdobeClean-LightIt"/>
-                <a:cs typeface="AdobeClean-LightIt"/>
-              </a:rPr>
-              <a:t> </a:t>
-            </a:r>
-            <a:r>
-              <a:rPr sz="1100" i="1" spc="-15" dirty="0">
-                <a:solidFill>
-                  <a:srgbClr val="777879"/>
-                </a:solidFill>
-                <a:latin typeface="AdobeClean-LightIt"/>
-                <a:cs typeface="AdobeClean-LightIt"/>
-              </a:rPr>
-              <a:t>and</a:t>
-            </a:r>
-            <a:r>
-              <a:rPr sz="1100" i="1" spc="-50" dirty="0">
-                <a:solidFill>
-                  <a:srgbClr val="777879"/>
-                </a:solidFill>
-                <a:latin typeface="AdobeClean-LightIt"/>
-                <a:cs typeface="AdobeClean-LightIt"/>
-              </a:rPr>
-              <a:t> </a:t>
-            </a:r>
-            <a:r>
-              <a:rPr sz="1100" i="1" spc="-15" dirty="0">
-                <a:solidFill>
-                  <a:srgbClr val="777879"/>
-                </a:solidFill>
-                <a:latin typeface="AdobeClean-LightIt"/>
-                <a:cs typeface="AdobeClean-LightIt"/>
-              </a:rPr>
-              <a:t>the</a:t>
-            </a:r>
-            <a:r>
-              <a:rPr sz="1100" i="1" spc="-55" dirty="0">
-                <a:solidFill>
-                  <a:srgbClr val="777879"/>
-                </a:solidFill>
-                <a:latin typeface="AdobeClean-LightIt"/>
-                <a:cs typeface="AdobeClean-LightIt"/>
-              </a:rPr>
-              <a:t> </a:t>
-            </a:r>
-            <a:r>
-              <a:rPr sz="1100" i="1" spc="-15" dirty="0">
-                <a:solidFill>
-                  <a:srgbClr val="777879"/>
-                </a:solidFill>
-                <a:latin typeface="AdobeClean-LightIt"/>
-                <a:cs typeface="AdobeClean-LightIt"/>
-              </a:rPr>
-              <a:t>right</a:t>
-            </a:r>
-            <a:r>
-              <a:rPr sz="1100" i="1" spc="-95" dirty="0">
-                <a:solidFill>
-                  <a:srgbClr val="777879"/>
-                </a:solidFill>
-                <a:latin typeface="AdobeClean-LightIt"/>
-                <a:cs typeface="AdobeClean-LightIt"/>
-              </a:rPr>
-              <a:t> </a:t>
-            </a:r>
-            <a:r>
-              <a:rPr sz="1100" i="1" spc="-15" dirty="0">
-                <a:solidFill>
-                  <a:srgbClr val="777879"/>
-                </a:solidFill>
-                <a:latin typeface="AdobeClean-LightIt"/>
-                <a:cs typeface="AdobeClean-LightIt"/>
-              </a:rPr>
-              <a:t>level</a:t>
-            </a:r>
-            <a:r>
-              <a:rPr sz="1100" i="1" spc="-55" dirty="0">
-                <a:solidFill>
-                  <a:srgbClr val="777879"/>
-                </a:solidFill>
-                <a:latin typeface="AdobeClean-LightIt"/>
-                <a:cs typeface="AdobeClean-LightIt"/>
-              </a:rPr>
-              <a:t> </a:t>
-            </a:r>
-            <a:r>
-              <a:rPr sz="1100" i="1" spc="-15" dirty="0">
-                <a:solidFill>
-                  <a:srgbClr val="777879"/>
-                </a:solidFill>
-                <a:latin typeface="AdobeClean-LightIt"/>
-                <a:cs typeface="AdobeClean-LightIt"/>
-              </a:rPr>
-              <a:t>for</a:t>
-            </a:r>
-            <a:r>
-              <a:rPr sz="1100" i="1" spc="-85" dirty="0">
-                <a:solidFill>
-                  <a:srgbClr val="777879"/>
-                </a:solidFill>
-                <a:latin typeface="AdobeClean-LightIt"/>
-                <a:cs typeface="AdobeClean-LightIt"/>
-              </a:rPr>
-              <a:t> </a:t>
-            </a:r>
-            <a:r>
-              <a:rPr sz="1100" i="1" spc="-15" dirty="0">
-                <a:solidFill>
-                  <a:srgbClr val="777879"/>
-                </a:solidFill>
-                <a:latin typeface="AdobeClean-LightIt"/>
-                <a:cs typeface="AdobeClean-LightIt"/>
-              </a:rPr>
-              <a:t>you,</a:t>
-            </a:r>
-            <a:r>
-              <a:rPr sz="1100" i="1" spc="-65" dirty="0">
-                <a:solidFill>
-                  <a:srgbClr val="777879"/>
-                </a:solidFill>
-                <a:latin typeface="AdobeClean-LightIt"/>
-                <a:cs typeface="AdobeClean-LightIt"/>
-              </a:rPr>
-              <a:t> </a:t>
-            </a:r>
-            <a:r>
-              <a:rPr sz="1100" i="1" spc="-15" dirty="0">
-                <a:solidFill>
-                  <a:srgbClr val="777879"/>
-                </a:solidFill>
-                <a:latin typeface="AdobeClean-LightIt"/>
-                <a:cs typeface="AdobeClean-LightIt"/>
-              </a:rPr>
-              <a:t>contact</a:t>
-            </a:r>
-            <a:r>
-              <a:rPr sz="1100" i="1" spc="-85" dirty="0">
-                <a:solidFill>
-                  <a:srgbClr val="777879"/>
-                </a:solidFill>
-                <a:latin typeface="AdobeClean-LightIt"/>
-                <a:cs typeface="AdobeClean-LightIt"/>
-              </a:rPr>
-              <a:t> </a:t>
-            </a:r>
-            <a:r>
-              <a:rPr sz="1100" i="1" spc="-15" dirty="0">
-                <a:solidFill>
-                  <a:srgbClr val="777879"/>
-                </a:solidFill>
-                <a:latin typeface="AdobeClean-LightIt"/>
-                <a:cs typeface="AdobeClean-LightIt"/>
-              </a:rPr>
-              <a:t>your</a:t>
-            </a:r>
-            <a:r>
-              <a:rPr sz="1100" i="1" spc="-70" dirty="0">
-                <a:solidFill>
-                  <a:srgbClr val="777879"/>
-                </a:solidFill>
-                <a:latin typeface="AdobeClean-LightIt"/>
-                <a:cs typeface="AdobeClean-LightIt"/>
-              </a:rPr>
-              <a:t> </a:t>
-            </a:r>
-            <a:r>
-              <a:rPr sz="1100" i="1" spc="-15" dirty="0">
-                <a:solidFill>
-                  <a:srgbClr val="777879"/>
-                </a:solidFill>
-                <a:latin typeface="AdobeClean-LightIt"/>
-                <a:cs typeface="AdobeClean-LightIt"/>
-              </a:rPr>
-              <a:t>Named</a:t>
-            </a:r>
-            <a:r>
-              <a:rPr sz="1100" i="1" spc="-55" dirty="0">
-                <a:solidFill>
-                  <a:srgbClr val="777879"/>
-                </a:solidFill>
-                <a:latin typeface="AdobeClean-LightIt"/>
-                <a:cs typeface="AdobeClean-LightIt"/>
-              </a:rPr>
-              <a:t> </a:t>
-            </a:r>
-            <a:r>
-              <a:rPr sz="1100" i="1" spc="-25" dirty="0">
-                <a:solidFill>
-                  <a:srgbClr val="777879"/>
-                </a:solidFill>
-                <a:latin typeface="AdobeClean-LightIt"/>
-                <a:cs typeface="AdobeClean-LightIt"/>
-              </a:rPr>
-              <a:t>Account</a:t>
-            </a:r>
-            <a:r>
-              <a:rPr sz="1100" i="1" spc="-120" dirty="0">
-                <a:solidFill>
-                  <a:srgbClr val="777879"/>
-                </a:solidFill>
-                <a:latin typeface="AdobeClean-LightIt"/>
-                <a:cs typeface="AdobeClean-LightIt"/>
-              </a:rPr>
-              <a:t> </a:t>
-            </a:r>
-            <a:r>
-              <a:rPr sz="1100" i="1" spc="-20" dirty="0">
-                <a:solidFill>
-                  <a:srgbClr val="777879"/>
-                </a:solidFill>
-                <a:latin typeface="AdobeClean-LightIt"/>
-                <a:cs typeface="AdobeClean-LightIt"/>
-              </a:rPr>
-              <a:t>Manager </a:t>
-            </a:r>
-            <a:r>
-              <a:rPr sz="1100" i="1" spc="-15" dirty="0">
-                <a:solidFill>
-                  <a:srgbClr val="777879"/>
-                </a:solidFill>
-                <a:latin typeface="AdobeClean-LightIt"/>
-                <a:cs typeface="AdobeClean-LightIt"/>
-              </a:rPr>
-              <a:t>(NAM) </a:t>
-            </a:r>
-            <a:r>
-              <a:rPr sz="1100" i="1" spc="-10" dirty="0">
-                <a:solidFill>
-                  <a:srgbClr val="777879"/>
-                </a:solidFill>
-                <a:latin typeface="AdobeClean-LightIt"/>
-                <a:cs typeface="AdobeClean-LightIt"/>
-              </a:rPr>
-              <a:t>or </a:t>
-            </a:r>
-            <a:r>
-              <a:rPr sz="1100" i="1" spc="-15" dirty="0">
-                <a:solidFill>
-                  <a:srgbClr val="777879"/>
-                </a:solidFill>
-                <a:latin typeface="AdobeClean-LightIt"/>
-                <a:cs typeface="AdobeClean-LightIt"/>
-              </a:rPr>
-              <a:t>Customer </a:t>
-            </a:r>
-            <a:r>
-              <a:rPr sz="1100" i="1" spc="-20" dirty="0">
-                <a:solidFill>
-                  <a:srgbClr val="777879"/>
-                </a:solidFill>
-                <a:latin typeface="AdobeClean-LightIt"/>
-                <a:cs typeface="AdobeClean-LightIt"/>
-              </a:rPr>
-              <a:t>Success</a:t>
-            </a:r>
-            <a:r>
-              <a:rPr sz="1100" i="1" spc="-180" dirty="0">
-                <a:solidFill>
-                  <a:srgbClr val="777879"/>
-                </a:solidFill>
-                <a:latin typeface="AdobeClean-LightIt"/>
-                <a:cs typeface="AdobeClean-LightIt"/>
-              </a:rPr>
-              <a:t> </a:t>
-            </a:r>
-            <a:r>
-              <a:rPr sz="1100" i="1" spc="-15" dirty="0">
-                <a:solidFill>
-                  <a:srgbClr val="777879"/>
-                </a:solidFill>
-                <a:latin typeface="AdobeClean-LightIt"/>
-                <a:cs typeface="AdobeClean-LightIt"/>
-              </a:rPr>
-              <a:t>Manager</a:t>
-            </a:r>
-            <a:r>
-              <a:rPr lang="en-US" sz="1100" i="1" spc="-15" dirty="0">
-                <a:solidFill>
-                  <a:srgbClr val="777879"/>
-                </a:solidFill>
-                <a:latin typeface="AdobeClean-LightIt"/>
-                <a:cs typeface="AdobeClean-LightIt"/>
-              </a:rPr>
-              <a:t> </a:t>
-            </a:r>
-            <a:r>
-              <a:rPr sz="1100" i="1" spc="-15" dirty="0">
-                <a:solidFill>
-                  <a:srgbClr val="777879"/>
-                </a:solidFill>
-                <a:latin typeface="AdobeClean-LightIt"/>
-                <a:cs typeface="AdobeClean-LightIt"/>
-              </a:rPr>
-              <a:t>(CSM)</a:t>
-            </a:r>
-            <a:r>
-              <a:rPr lang="en-US" sz="1100" i="1" spc="-15" dirty="0">
-                <a:solidFill>
-                  <a:srgbClr val="777879"/>
-                </a:solidFill>
-                <a:latin typeface="AdobeClean-LightIt"/>
-                <a:cs typeface="AdobeClean-LightIt"/>
-              </a:rPr>
-              <a:t>.</a:t>
-            </a:r>
-            <a:endParaRPr sz="1100" dirty="0">
-              <a:latin typeface="AdobeClean-LightIt"/>
-              <a:cs typeface="AdobeClean-LightIt"/>
-            </a:endParaRPr>
           </a:p>
           <a:p>
             <a:pPr marL="34290">
@@ -13915,59 +11686,15 @@
               </a:spcBef>
             </a:pPr>
             <a:r>
-              <a:rPr sz="800" spc="-5" dirty="0">
+              <a:rPr lang="fr-FR" sz="800">
                 <a:solidFill>
                   <a:srgbClr val="6D6D6D"/>
                 </a:solidFill>
                 <a:latin typeface="Adobe Clean"/>
                 <a:cs typeface="Adobe Clean"/>
               </a:rPr>
-              <a:t>©202</a:t>
+              <a:t>©2020 Adobe. All Rights Reserved. Données confidentielles Adobe</a:t>
             </a:r>
-            <a:r>
-              <a:rPr lang="en-US" sz="800" spc="-5" dirty="0">
-                <a:solidFill>
-                  <a:srgbClr val="6D6D6D"/>
-                </a:solidFill>
-                <a:latin typeface="Adobe Clean"/>
-                <a:cs typeface="Adobe Clean"/>
-              </a:rPr>
-              <a:t>2</a:t>
-            </a:r>
-            <a:r>
-              <a:rPr sz="800" spc="-5" dirty="0">
-                <a:solidFill>
-                  <a:srgbClr val="6D6D6D"/>
-                </a:solidFill>
-                <a:latin typeface="Adobe Clean"/>
-                <a:cs typeface="Adobe Clean"/>
-              </a:rPr>
-              <a:t> Adobe. All Rights Reserved. Adobe</a:t>
-            </a:r>
-            <a:r>
-              <a:rPr sz="800" spc="75" dirty="0">
-                <a:solidFill>
-                  <a:srgbClr val="6D6D6D"/>
-                </a:solidFill>
-                <a:latin typeface="Adobe Clean"/>
-                <a:cs typeface="Adobe Clean"/>
-              </a:rPr>
-              <a:t> </a:t>
-            </a:r>
-            <a:r>
-              <a:rPr sz="800" spc="-5" dirty="0">
-                <a:solidFill>
-                  <a:srgbClr val="6D6D6D"/>
-                </a:solidFill>
-                <a:latin typeface="Adobe Clean"/>
-                <a:cs typeface="Adobe Clean"/>
-              </a:rPr>
-              <a:t>Confidential.</a:t>
-            </a:r>
-            <a:endParaRPr sz="800" dirty="0">
-              <a:latin typeface="Adobe Clean"/>
-              <a:cs typeface="Adobe Clean"/>
-            </a:endParaRPr>
           </a:p>
         </p:txBody>
       </p:sp>
@@ -14004,19 +11731,15 @@
               </a:spcBef>
             </a:pPr>
             <a:r>
-              <a:rPr lang="en-US" sz="1400" b="1" spc="-15" dirty="0">
+              <a:rPr lang="fr-FR" sz="1400" b="1">
                 <a:solidFill>
                   <a:srgbClr val="020302"/>
                 </a:solidFill>
                 <a:latin typeface="Adobe Clean"/>
                 <a:cs typeface="Adobe Clean"/>
               </a:rPr>
-              <a:t>Regional scope of Adobe Support, Local Hours Of Operation And Language Support</a:t>
+              <a:t>Portée régionale de l’assistance Adobe, heures ouvrables locales et assistance linguistique</a:t>
             </a:r>
-            <a:endParaRPr lang="en-US" sz="1400" spc="-15" dirty="0">
-              <a:ea typeface="+mn-lt"/>
-              <a:cs typeface="+mn-lt"/>
-            </a:endParaRPr>
           </a:p>
           <a:p>
             <a:pPr lvl="0">
@@ -14025,13 +11748,13 @@
               </a:spcBef>
             </a:pPr>
             <a:r>
-              <a:rPr lang="en-US" sz="1000" spc="-15" dirty="0">
+              <a:rPr lang="fr-FR" sz="1000">
                 <a:solidFill>
                   <a:srgbClr val="1F1F1F"/>
                 </a:solidFill>
                 <a:latin typeface="AdobeClean-Light"/>
               </a:rPr>
-              <a:t>Adobe’s local business hours align to the customer’s billing region.</a:t>
+              <a:t>Les heures ouvrables locales d’Adobe s’alignent sur la région de facturation du client.</a:t>
             </a:r>
           </a:p>
         </p:txBody>
@@ -14134,8 +11857,8 @@
         </p:nvSpPr>
         <p:spPr>
           <a:xfrm>
-            <a:off x="2840871" y="8528519"/>
-            <a:ext cx="810895" cy="385445"/>
+            <a:off x="2643507" y="8528519"/>
+            <a:ext cx="1172843" cy="382797"/>
           </a:xfrm>
           <a:prstGeom prst="rect">
             <a:avLst/>
@@ -14147,7 +11870,7 @@
           </a:bodyPr>
           <a:lstStyle/>
           <a:p>
-            <a:pPr marL="139065" marR="5080" indent="-139065">
+            <a:pPr marL="139065" marR="5080" indent="-139065" algn="ctr">
               <a:lnSpc>
                 <a:spcPts val="1390"/>
               </a:lnSpc>
@@ -14156,129 +11879,15 @@
               </a:spcBef>
             </a:pPr>
             <a:r>
-              <a:rPr sz="1200" b="1" spc="-15">
+              <a:rPr lang="fr-FR" sz="1200" b="1" dirty="0">
                 <a:solidFill>
                   <a:srgbClr val="FFFFFF"/>
                 </a:solidFill>
                 <a:latin typeface="Adobe Clean"/>
                 <a:cs typeface="Adobe Clean"/>
               </a:rPr>
-              <a:t>U</a:t>
+              <a:t>Expertise incomparable</a:t>
             </a:r>
-            <a:r>
-              <a:rPr sz="1200" b="1" spc="-20">
-                <a:solidFill>
-                  <a:srgbClr val="FFFFFF"/>
-                </a:solidFill>
-                <a:latin typeface="Adobe Clean"/>
-                <a:cs typeface="Adobe Clean"/>
-              </a:rPr>
-              <a:t>n</a:t>
-            </a:r>
-            <a:r>
-              <a:rPr sz="1200" b="1" spc="-25">
-                <a:solidFill>
-                  <a:srgbClr val="FFFFFF"/>
-                </a:solidFill>
-                <a:latin typeface="Adobe Clean"/>
-                <a:cs typeface="Adobe Clean"/>
-              </a:rPr>
-              <a:t>p</a:t>
-            </a:r>
-            <a:r>
-              <a:rPr sz="1200" b="1" spc="-15">
-                <a:solidFill>
-                  <a:srgbClr val="FFFFFF"/>
-                </a:solidFill>
-                <a:latin typeface="Adobe Clean"/>
-                <a:cs typeface="Adobe Clean"/>
-              </a:rPr>
-              <a:t>a</a:t>
-            </a:r>
-            <a:r>
-              <a:rPr sz="1200" b="1" spc="-25">
-                <a:solidFill>
-                  <a:srgbClr val="FFFFFF"/>
-                </a:solidFill>
-                <a:latin typeface="Adobe Clean"/>
-                <a:cs typeface="Adobe Clean"/>
-              </a:rPr>
-              <a:t>r</a:t>
-            </a:r>
-            <a:r>
-              <a:rPr sz="1200" b="1" spc="-15">
-                <a:solidFill>
-                  <a:srgbClr val="FFFFFF"/>
-                </a:solidFill>
-                <a:latin typeface="Adobe Clean"/>
-                <a:cs typeface="Adobe Clean"/>
-              </a:rPr>
-              <a:t>a</a:t>
-            </a:r>
-            <a:r>
-              <a:rPr sz="1200" b="1" spc="-30">
-                <a:solidFill>
-                  <a:srgbClr val="FFFFFF"/>
-                </a:solidFill>
-                <a:latin typeface="Adobe Clean"/>
-                <a:cs typeface="Adobe Clean"/>
-              </a:rPr>
-              <a:t>ll</a:t>
-            </a:r>
-            <a:r>
-              <a:rPr sz="1200" b="1" spc="-25">
-                <a:solidFill>
-                  <a:srgbClr val="FFFFFF"/>
-                </a:solidFill>
-                <a:latin typeface="Adobe Clean"/>
-                <a:cs typeface="Adobe Clean"/>
-              </a:rPr>
-              <a:t>e</a:t>
-            </a:r>
-            <a:r>
-              <a:rPr sz="1200" b="1" spc="-30">
-                <a:solidFill>
-                  <a:srgbClr val="FFFFFF"/>
-                </a:solidFill>
-                <a:latin typeface="Adobe Clean"/>
-                <a:cs typeface="Adobe Clean"/>
-              </a:rPr>
-              <a:t>l</a:t>
-            </a:r>
-            <a:r>
-              <a:rPr sz="1200" b="1" spc="-25">
-                <a:solidFill>
-                  <a:srgbClr val="FFFFFF"/>
-                </a:solidFill>
-                <a:latin typeface="Adobe Clean"/>
-                <a:cs typeface="Adobe Clean"/>
-              </a:rPr>
-              <a:t>e</a:t>
-            </a:r>
-            <a:r>
-              <a:rPr sz="1200" b="1">
-                <a:solidFill>
-                  <a:srgbClr val="FFFFFF"/>
-                </a:solidFill>
-                <a:latin typeface="Adobe Clean"/>
-                <a:cs typeface="Adobe Clean"/>
-              </a:rPr>
-              <a:t>d  </a:t>
-            </a:r>
-            <a:r>
-              <a:rPr sz="1200" b="1" spc="-25">
-                <a:solidFill>
-                  <a:srgbClr val="FFFFFF"/>
-                </a:solidFill>
-                <a:latin typeface="Adobe Clean"/>
-                <a:cs typeface="Adobe Clean"/>
-              </a:rPr>
-              <a:t>Expertise</a:t>
-            </a:r>
-            <a:endParaRPr sz="1200">
-              <a:latin typeface="Adobe Clean"/>
-              <a:cs typeface="Adobe Clean"/>
-            </a:endParaRPr>
           </a:p>
         </p:txBody>
       </p:sp>
@@ -14296,8 +11905,8 @@
         </p:nvSpPr>
         <p:spPr>
           <a:xfrm>
-            <a:off x="4732495" y="8541244"/>
-            <a:ext cx="810895" cy="382797"/>
+            <a:off x="4580095" y="8541244"/>
+            <a:ext cx="874555" cy="382797"/>
           </a:xfrm>
           <a:prstGeom prst="rect">
             <a:avLst/>
@@ -14309,7 +11918,7 @@
           </a:bodyPr>
           <a:lstStyle/>
           <a:p>
-            <a:pPr marL="139065" marR="5080" indent="-139065">
+            <a:pPr marL="138113" marR="5080" indent="-23813" algn="ctr">
               <a:lnSpc>
                 <a:spcPts val="1390"/>
               </a:lnSpc>
@@ -14318,19 +11927,15 @@
               </a:spcBef>
             </a:pPr>
             <a:r>
-              <a:rPr lang="en-US" sz="1200" b="1" spc="-15">
+              <a:rPr lang="fr-FR" sz="1200" b="1" dirty="0">
                 <a:solidFill>
                   <a:srgbClr val="FFFFFF"/>
                 </a:solidFill>
                 <a:latin typeface="Adobe Clean"/>
                 <a:cs typeface="Adobe Clean"/>
               </a:rPr>
-              <a:t>Accelerated Support</a:t>
+              <a:t>Assistance accélérée</a:t>
             </a:r>
-            <a:endParaRPr sz="1200">
-              <a:latin typeface="Adobe Clean"/>
-              <a:cs typeface="Adobe Clean"/>
-            </a:endParaRPr>
           </a:p>
         </p:txBody>
       </p:sp>
@@ -14348,8 +11953,8 @@
         </p:nvSpPr>
         <p:spPr>
           <a:xfrm>
-            <a:off x="6624119" y="8543943"/>
-            <a:ext cx="510540" cy="385445"/>
+            <a:off x="6419850" y="8543943"/>
+            <a:ext cx="920750" cy="382797"/>
           </a:xfrm>
           <a:prstGeom prst="rect">
             <a:avLst/>
@@ -14361,7 +11966,7 @@
           </a:bodyPr>
           <a:lstStyle/>
           <a:p>
-            <a:pPr marL="50800" marR="5080" indent="-51435">
+            <a:pPr marL="50800" marR="5080" indent="-51435" algn="ctr">
               <a:lnSpc>
                 <a:spcPts val="1390"/>
               </a:lnSpc>
@@ -14370,109 +11975,15 @@
               </a:spcBef>
             </a:pPr>
             <a:r>
-              <a:rPr sz="1200" b="1" spc="-50">
+              <a:rPr lang="fr-FR" sz="1200" b="1" dirty="0">
                 <a:solidFill>
                   <a:srgbClr val="FFFFFF"/>
                 </a:solidFill>
                 <a:latin typeface="Adobe Clean"/>
                 <a:cs typeface="Adobe Clean"/>
               </a:rPr>
-              <a:t>S</a:t>
+              <a:t>Conseil stratégique</a:t>
             </a:r>
-            <a:r>
-              <a:rPr sz="1200" b="1" spc="-20">
-                <a:solidFill>
-                  <a:srgbClr val="FFFFFF"/>
-                </a:solidFill>
-                <a:latin typeface="Adobe Clean"/>
-                <a:cs typeface="Adobe Clean"/>
-              </a:rPr>
-              <a:t>t</a:t>
-            </a:r>
-            <a:r>
-              <a:rPr sz="1200" b="1" spc="-75">
-                <a:solidFill>
-                  <a:srgbClr val="FFFFFF"/>
-                </a:solidFill>
-                <a:latin typeface="Adobe Clean"/>
-                <a:cs typeface="Adobe Clean"/>
-              </a:rPr>
-              <a:t>r</a:t>
-            </a:r>
-            <a:r>
-              <a:rPr sz="1200" b="1" spc="-90">
-                <a:solidFill>
-                  <a:srgbClr val="FFFFFF"/>
-                </a:solidFill>
-                <a:latin typeface="Adobe Clean"/>
-                <a:cs typeface="Adobe Clean"/>
-              </a:rPr>
-              <a:t>a</a:t>
-            </a:r>
-            <a:r>
-              <a:rPr sz="1200" b="1" spc="-55">
-                <a:solidFill>
-                  <a:srgbClr val="FFFFFF"/>
-                </a:solidFill>
-                <a:latin typeface="Adobe Clean"/>
-                <a:cs typeface="Adobe Clean"/>
-              </a:rPr>
-              <a:t>t</a:t>
-            </a:r>
-            <a:r>
-              <a:rPr sz="1200" b="1" spc="-100">
-                <a:solidFill>
-                  <a:srgbClr val="FFFFFF"/>
-                </a:solidFill>
-                <a:latin typeface="Adobe Clean"/>
-                <a:cs typeface="Adobe Clean"/>
-              </a:rPr>
-              <a:t>e</a:t>
-            </a:r>
-            <a:r>
-              <a:rPr sz="1200" b="1" spc="-80">
-                <a:solidFill>
-                  <a:srgbClr val="FFFFFF"/>
-                </a:solidFill>
-                <a:latin typeface="Adobe Clean"/>
-                <a:cs typeface="Adobe Clean"/>
-              </a:rPr>
-              <a:t>g</a:t>
-            </a:r>
-            <a:r>
-              <a:rPr sz="1200" b="1" spc="-35">
-                <a:solidFill>
-                  <a:srgbClr val="FFFFFF"/>
-                </a:solidFill>
-                <a:latin typeface="Adobe Clean"/>
-                <a:cs typeface="Adobe Clean"/>
-              </a:rPr>
-              <a:t>i</a:t>
-            </a:r>
-            <a:r>
-              <a:rPr sz="1200" b="1">
-                <a:solidFill>
-                  <a:srgbClr val="FFFFFF"/>
-                </a:solidFill>
-                <a:latin typeface="Adobe Clean"/>
-                <a:cs typeface="Adobe Clean"/>
-              </a:rPr>
-              <a:t>c  </a:t>
-            </a:r>
-            <a:r>
-              <a:rPr sz="1200" b="1" spc="-45">
-                <a:solidFill>
-                  <a:srgbClr val="FFFFFF"/>
-                </a:solidFill>
-                <a:latin typeface="Adobe Clean"/>
-                <a:cs typeface="Adobe Clean"/>
-              </a:rPr>
-              <a:t>Advice</a:t>
-            </a:r>
-            <a:endParaRPr sz="1200">
-              <a:latin typeface="Adobe Clean"/>
-              <a:cs typeface="Adobe Clean"/>
-            </a:endParaRPr>
           </a:p>
         </p:txBody>
       </p:sp>
@@ -14661,16 +12172,16 @@
                     <a:p>
                       <a:pPr algn="ctr"/>
                       <a:r>
-                        <a:rPr lang="en-US" sz="1100">
+                        <a:rPr lang="fr-FR" sz="1100">
                           <a:solidFill>
                             <a:schemeClr val="tx1"/>
                           </a:solidFill>
                           <a:latin typeface="Adobe Clean" panose="020B0503020404020204" pitchFamily="34" charset="0"/>
                         </a:rPr>
-                        <a:t>Americas </a:t>
+                        <a:t>Amériques </a:t>
                       </a:r>
                       <a:r>
-                        <a:rPr lang="en-US" sz="1100" baseline="30000">
+                        <a:rPr lang="fr-FR" sz="1100" baseline="30000">
                           <a:solidFill>
                             <a:schemeClr val="tx1"/>
                           </a:solidFill>
@@ -14735,13 +12246,13 @@
                     <a:p>
                       <a:pPr algn="ctr"/>
                       <a:r>
-                        <a:rPr lang="en-US" sz="1100">
+                        <a:rPr lang="fr-FR" sz="1100">
                           <a:solidFill>
                             <a:schemeClr val="tx1"/>
                           </a:solidFill>
                           <a:latin typeface="Adobe Clean" panose="020B0503020404020204" pitchFamily="34" charset="0"/>
                         </a:rPr>
-                        <a:t>Europe, Middle East &amp; Africa</a:t>
+                        <a:t>Europe, Moyen-Orient et Afrique</a:t>
                       </a:r>
                     </a:p>
                   </a:txBody>
@@ -14800,13 +12311,13 @@
                     <a:p>
                       <a:pPr algn="ctr"/>
                       <a:r>
-                        <a:rPr lang="en-US" sz="1100">
+                        <a:rPr lang="fr-FR" sz="1100">
                           <a:solidFill>
                             <a:schemeClr val="tx1"/>
                           </a:solidFill>
                           <a:latin typeface="Adobe Clean" panose="020B0503020404020204" pitchFamily="34" charset="0"/>
                         </a:rPr>
-                        <a:t>Asia Pacific</a:t>
+                        <a:t>Asie-Pacifique</a:t>
                       </a:r>
                     </a:p>
                   </a:txBody>
@@ -14865,13 +12376,13 @@
                     <a:p>
                       <a:pPr algn="ctr"/>
                       <a:r>
-                        <a:rPr lang="en-US" sz="1100">
+                        <a:rPr lang="fr-FR" sz="1100">
                           <a:solidFill>
                             <a:schemeClr val="tx1"/>
                           </a:solidFill>
                           <a:latin typeface="Adobe Clean" panose="020B0503020404020204" pitchFamily="34" charset="0"/>
                         </a:rPr>
-                        <a:t>Japan </a:t>
+                        <a:t>Japon </a:t>
                       </a:r>
                     </a:p>
                   </a:txBody>
@@ -14937,7 +12448,7 @@
                     <a:p>
                       <a:pPr algn="ctr"/>
                       <a:r>
-                        <a:rPr lang="en-US" sz="1100">
+                        <a:rPr lang="fr-FR" sz="1100">
                           <a:solidFill>
                             <a:schemeClr val="tx1"/>
                           </a:solidFill>
@@ -15002,13 +12513,13 @@
                     <a:p>
                       <a:pPr algn="ctr"/>
                       <a:r>
-                        <a:rPr lang="en-US" sz="1100">
+                        <a:rPr lang="fr-FR" sz="1100">
                           <a:solidFill>
                             <a:schemeClr val="tx1"/>
                           </a:solidFill>
                           <a:latin typeface="Adobe Clean" panose="020B0503020404020204" pitchFamily="34" charset="0"/>
                         </a:rPr>
-                        <a:t>9 am – 5 pm</a:t>
+                        <a:t>9 h 00 à 17 h 00</a:t>
                       </a:r>
                     </a:p>
                   </a:txBody>
@@ -15067,13 +12578,13 @@
                     <a:p>
                       <a:pPr algn="ctr"/>
                       <a:r>
-                        <a:rPr lang="en-US" sz="1100">
+                        <a:rPr lang="fr-FR" sz="1100">
                           <a:solidFill>
                             <a:schemeClr val="tx1"/>
                           </a:solidFill>
                           <a:latin typeface="Adobe Clean" panose="020B0503020404020204" pitchFamily="34" charset="0"/>
                         </a:rPr>
-                        <a:t>9 am – 5 pm</a:t>
+                        <a:t>9 h 00 à 17 h 00</a:t>
                       </a:r>
                     </a:p>
                   </a:txBody>
@@ -15132,13 +12643,13 @@
                     <a:p>
                       <a:pPr algn="ctr"/>
                       <a:r>
-                        <a:rPr lang="en-US" sz="1100">
+                        <a:rPr lang="fr-FR" sz="1100">
                           <a:solidFill>
                             <a:schemeClr val="tx1"/>
                           </a:solidFill>
                           <a:latin typeface="Adobe Clean" panose="020B0503020404020204" pitchFamily="34" charset="0"/>
                         </a:rPr>
-                        <a:t>9 am – 5:30 pm</a:t>
+                        <a:t>9 h 00 - 17 h 30</a:t>
                       </a:r>
                     </a:p>
                   </a:txBody>
@@ -15202,7 +12713,7 @@
                     <a:bodyPr/>
                     <a:lstStyle/>
                     <a:p>
-                      <a:pPr marL="0" marR="0" lvl="0" indent="0" algn="ctr" defTabSz="914400" eaLnBrk="1" fontAlgn="auto" latinLnBrk="0" hangingPunct="1">
+                      <a:pPr marL="0" marR="0" lvl="0" indent="0" algn="l" defTabSz="914400" rtl="0" eaLnBrk="1" fontAlgn="auto" latinLnBrk="0" hangingPunct="1">
                         <a:lnSpc>
                           <a:spcPct val="100000"/>
                         </a:lnSpc>
@@ -15245,7 +12756,7 @@
                         <a:defRPr/>
                       </a:pPr>
                       <a:r>
-                        <a:rPr lang="en-US" sz="1100" baseline="30000" dirty="0">
+                        <a:rPr lang="fr-FR" sz="1100" baseline="30000">
                           <a:solidFill>
                             <a:schemeClr val="tx1"/>
                           </a:solidFill>
@@ -15254,17 +12765,17 @@
                         <a:t>1</a:t>
                       </a:r>
                       <a:r>
-                        <a:rPr lang="en-US" sz="1100" dirty="0">
+                        <a:rPr lang="fr-FR" sz="1100">
                           <a:solidFill>
                             <a:schemeClr val="tx1"/>
                           </a:solidFill>
                           <a:latin typeface="Adobe Clean" panose="020B0503020404020204" pitchFamily="34" charset="0"/>
                         </a:rPr>
-                        <a:t>Americas Language support available in English only.</a:t>
+                        <a:t>Assistance linguistique pour les Amériques en anglais uniquement.</a:t>
                       </a:r>
                     </a:p>
                     <a:p>
-                      <a:pPr marL="0" marR="0" lvl="0" indent="0" algn="ctr" defTabSz="914400" eaLnBrk="1" fontAlgn="auto" latinLnBrk="0" hangingPunct="1">
+                      <a:pPr marL="0" marR="0" lvl="0" indent="0" algn="l" defTabSz="914400" rtl="0" eaLnBrk="1" fontAlgn="auto" latinLnBrk="0" hangingPunct="1">
                         <a:lnSpc>
                           <a:spcPct val="100000"/>
                         </a:lnSpc>
@@ -15560,7 +13071,7 @@
         </p:nvGraphicFramePr>
         <p:xfrm>
           <a:off x="194237" y="1272353"/>
-          <a:ext cx="7368291" cy="2473960"/>
+          <a:ext cx="7368291" cy="2956560"/>
         </p:xfrm>
         <a:graphic>
           <a:graphicData uri="http://schemas.openxmlformats.org/drawingml/2006/table">
@@ -15594,7 +13105,7 @@
                         <a:buNone/>
                       </a:pPr>
                       <a:r>
-                        <a:rPr lang="en-US" sz="1200" b="0" strike="noStrike" dirty="0">
+                        <a:rPr lang="fr-FR" sz="1200" b="0" strike="noStrike">
                           <a:solidFill>
                             <a:srgbClr val="5F5F5F"/>
                           </a:solidFill>
@@ -15603,9 +13114,8 @@
                           <a:cs typeface="+mn-cs"/>
                           <a:hlinkClick r:id="rId13"/>
                         </a:rPr>
-                        <a:t>Enterprise Learn &amp; Support</a:t>
+                        <a:t>Formation et support aux entreprises</a:t>
                       </a:r>
-                      <a:endParaRPr lang="en-US"/>
                     </a:p>
                   </a:txBody>
                   <a:tcPr marL="47625" marR="47625" marT="0" marB="0" anchor="ctr">
@@ -15677,7 +13187,7 @@
                         <a:buNone/>
                       </a:pPr>
                       <a:r>
-                        <a:rPr lang="en-US" sz="1000" b="0" strike="noStrike" kern="1200" dirty="0">
+                        <a:rPr lang="fr-FR" sz="1000" b="0" strike="noStrike">
                           <a:solidFill>
                             <a:schemeClr val="tx1"/>
                           </a:solidFill>
@@ -15685,7 +13195,7 @@
                           <a:ea typeface="+mn-ea"/>
                           <a:cs typeface="+mn-cs"/>
                         </a:rPr>
-                        <a:t>Enterprise Learn &amp; Support is a place where Adobe customers can find self-help tutorials, product documentation, instructor-led training, community and support for select Adobe Creative Cloud and Document products.</a:t>
+                        <a:t>Formation et support aux entreprises est un endroit où les clients Adobe peuvent trouver des tutoriels automatiques, de la documentation sur les produits, une formation dispensée par un instructeur, une communauté et une assistance technique pour les produits Creative Cloud et Document sélectionnés.</a:t>
                       </a:r>
                     </a:p>
                   </a:txBody>
@@ -15767,11 +13277,10 @@
                         <a:defRPr/>
                       </a:pPr>
                       <a:r>
-                        <a:rPr lang="en-US" sz="1200" strike="noStrike" dirty="0">
+                        <a:rPr lang="fr-FR" sz="1200" strike="noStrike">
                           <a:solidFill>
                             <a:srgbClr val="5F5F5F"/>
                           </a:solidFill>
-                          <a:effectLst/>
                           <a:latin typeface="Adobe Clean"/>
                           <a:ea typeface="+mn-ea"/>
                           <a:cs typeface="+mn-cs"/>
@@ -15783,17 +13292,8 @@
                             </a:extLst>
                           </a:hlinkClick>
                         </a:rPr>
-                        <a:t>Adobe Support Community </a:t>
+                        <a:t>Communauté d’assistance Adobe </a:t>
                       </a:r>
-                      <a:endParaRPr lang="en-US" sz="1200" strike="noStrike" dirty="0">
-                        <a:solidFill>
-                          <a:srgbClr val="5F5F5F"/>
-                        </a:solidFill>
-                        <a:effectLst/>
-                        <a:latin typeface="Adobe Clean"/>
-                        <a:ea typeface="+mn-ea"/>
-                        <a:cs typeface="+mn-cs"/>
-                      </a:endParaRPr>
                     </a:p>
                   </a:txBody>
                   <a:tcPr anchor="ctr">
@@ -15867,7 +13367,7 @@
                         <a:defRPr/>
                       </a:pPr>
                       <a:r>
-                        <a:rPr lang="en-US" sz="1000" strike="noStrike" kern="1200" dirty="0">
+                        <a:rPr lang="fr-FR" sz="1000" strike="noStrike">
                           <a:solidFill>
                             <a:schemeClr val="tx1"/>
                           </a:solidFill>
@@ -15875,19 +13375,8 @@
                           <a:ea typeface="+mn-ea"/>
                           <a:cs typeface="+mn-cs"/>
                         </a:rPr>
-                        <a:t>The Adobe Support Community is the place to ask questions, find answers, learn from experts and share your knowledge.</a:t>
+                        <a:t>La communauté d’assistance Adobe est l’endroit où poser des questions, trouver des réponses, apprendre des experts et partager vos connaissances.</a:t>
                       </a:r>
-                      <a:endParaRPr lang="en-US" sz="1000" strike="noStrike" kern="1200" dirty="0">
-                        <a:solidFill>
-                          <a:schemeClr val="tx1"/>
-                        </a:solidFill>
-                        <a:highlight>
-                          <a:srgbClr val="FFFF00"/>
-                        </a:highlight>
-                        <a:latin typeface="Adobe Clean Light" panose="020B0303020404020204" pitchFamily="34" charset="0"/>
-                        <a:ea typeface="+mn-ea"/>
-                        <a:cs typeface="+mn-cs"/>
-                      </a:endParaRPr>
                     </a:p>
                   </a:txBody>
                   <a:tcPr anchor="ctr">
@@ -15968,11 +13457,10 @@
                         <a:defRPr/>
                       </a:pPr>
                       <a:r>
-                        <a:rPr lang="en-US" sz="1200" dirty="0">
+                        <a:rPr lang="fr-FR" sz="1200">
                           <a:solidFill>
                             <a:srgbClr val="5F5F5F"/>
                           </a:solidFill>
-                          <a:effectLst/>
                           <a:latin typeface="Adobe Clean"/>
                           <a:ea typeface="+mn-ea"/>
                           <a:cs typeface="+mn-cs"/>
@@ -15984,17 +13472,8 @@
                             </a:extLst>
                           </a:hlinkClick>
                         </a:rPr>
-                        <a:t>Production Issues &amp; System Outages</a:t>
+                        <a:t>Problèmes de production et panne du système</a:t>
                       </a:r>
-                      <a:endParaRPr lang="en-US" sz="1200" dirty="0">
-                        <a:solidFill>
-                          <a:srgbClr val="5F5F5F"/>
-                        </a:solidFill>
-                        <a:effectLst/>
-                        <a:latin typeface="Adobe Clean"/>
-                        <a:ea typeface="+mn-ea"/>
-                        <a:cs typeface="+mn-cs"/>
-                      </a:endParaRPr>
                     </a:p>
                   </a:txBody>
                   <a:tcPr anchor="ctr">
@@ -16068,7 +13547,7 @@
                         <a:defRPr/>
                       </a:pPr>
                       <a:r>
-                        <a:rPr lang="en-US" sz="1000" kern="1200" dirty="0">
+                        <a:rPr lang="fr-FR" sz="1000">
                           <a:solidFill>
                             <a:schemeClr val="tx1"/>
                           </a:solidFill>
@@ -16076,7 +13555,7 @@
                           <a:ea typeface="+mn-ea"/>
                           <a:cs typeface="+mn-cs"/>
                         </a:rPr>
-                        <a:t>Status.adobe.com conveys the health information of all Adobe products and services that are deployed in multi-tenant environments. Customers can choose their subscription preferences to get email notifications whenever Adobe creates, updates or resolves a product event. This can include scheduled maintenance or service issues of varying levels of severity. </a:t>
+                        <a:t>Status.adobe.com transmet les informations d’intégrité de tous les produits et services d’Adobe déployés dans des environnements multi-entité. Les clients peuvent choisir leurs préférences d’abonnement afin de recevoir des notifications par e-mail chaque fois qu’Adobe crée, met à jour ou résout un événement de produit. Cet événement peut inclure des problèmes de maintenance planifiée ou de service présentant différents niveaux de gravité. </a:t>
                       </a:r>
                     </a:p>
                   </a:txBody>
@@ -16158,11 +13637,10 @@
                         <a:defRPr/>
                       </a:pPr>
                       <a:r>
-                        <a:rPr lang="en-US" sz="1200" dirty="0">
+                        <a:rPr lang="fr-FR" sz="1200">
                           <a:solidFill>
                             <a:srgbClr val="5F5F5F"/>
                           </a:solidFill>
-                          <a:effectLst/>
                           <a:latin typeface="Adobe Clean"/>
                           <a:ea typeface="+mn-ea"/>
                           <a:cs typeface="+mn-cs"/>
@@ -16174,17 +13652,8 @@
                             </a:extLst>
                           </a:hlinkClick>
                         </a:rPr>
-                        <a:t>Terms and Conditions</a:t>
+                        <a:t>Termes et conditions</a:t>
                       </a:r>
-                      <a:endParaRPr lang="en-US" sz="1200" dirty="0">
-                        <a:solidFill>
-                          <a:srgbClr val="5F5F5F"/>
-                        </a:solidFill>
-                        <a:effectLst/>
-                        <a:latin typeface="Adobe Clean"/>
-                        <a:ea typeface="+mn-ea"/>
-                        <a:cs typeface="+mn-cs"/>
-                      </a:endParaRPr>
                     </a:p>
                   </a:txBody>
                   <a:tcPr anchor="ctr">
@@ -16241,7 +13710,7 @@
                     <a:lstStyle/>
                     <a:p>
                       <a:r>
-                        <a:rPr lang="en-US" sz="1000" kern="1200" dirty="0">
+                        <a:rPr lang="fr-FR" sz="1000">
                           <a:solidFill>
                             <a:schemeClr val="tx1"/>
                           </a:solidFill>
@@ -16249,7 +13718,7 @@
                           <a:ea typeface="+mn-ea"/>
                           <a:cs typeface="+mn-cs"/>
                         </a:rPr>
-                        <a:t>Terms and conditions detailing Support Services offerings.</a:t>
+                        <a:t>Il s’agit des termes et conditions détaillant les offres des services d’assistance.</a:t>
                       </a:r>
                     </a:p>
                   </a:txBody>
@@ -16325,8 +13794,8 @@
         </p:nvSpPr>
         <p:spPr>
           <a:xfrm>
-            <a:off x="194237" y="911588"/>
-            <a:ext cx="777240" cy="77016"/>
+            <a:off x="194236" y="911587"/>
+            <a:ext cx="897963" cy="86707"/>
           </a:xfrm>
           <a:custGeom>
             <a:avLst/>
@@ -16951,9 +14420,12 @@
 </file>
 
 <file path=customXml/item1.xml><?xml version="1.0" encoding="utf-8"?>
-<p:properties xmlns:p="http://schemas.microsoft.com/office/2006/metadata/properties" xmlns:xsi="http://www.w3.org/2001/XMLSchema-instance" xmlns:pc="http://schemas.microsoft.com/office/infopath/2007/PartnerControls">
-  <documentManagement/>
-</p:properties>
+<?mso-contentType ?>
+<FormTemplates xmlns="http://schemas.microsoft.com/sharepoint/v3/contenttype/forms">
+  <Display>DocumentLibraryForm</Display>
+  <Edit>DocumentLibraryForm</Edit>
+  <New>DocumentLibraryForm</New>
+</FormTemplates>
 </file>
 
 <file path=customXml/item2.xml><?xml version="1.0" encoding="utf-8"?>
@@ -17174,27 +14646,15 @@
 </file>
 
 <file path=customXml/item3.xml><?xml version="1.0" encoding="utf-8"?>
-<?mso-contentType ?>
-<FormTemplates xmlns="http://schemas.microsoft.com/sharepoint/v3/contenttype/forms">
-  <Display>DocumentLibraryForm</Display>
-  <Edit>DocumentLibraryForm</Edit>
-  <New>DocumentLibraryForm</New>
-</FormTemplates>
+<p:properties xmlns:p="http://schemas.microsoft.com/office/2006/metadata/properties" xmlns:xsi="http://www.w3.org/2001/XMLSchema-instance" xmlns:pc="http://schemas.microsoft.com/office/infopath/2007/PartnerControls">
+  <documentManagement/>
+</p:properties>
 </file>
 
 <file path=customXml/itemProps1.xml><?xml version="1.0" encoding="utf-8"?>
-<ds:datastoreItem xmlns:ds="http://schemas.openxmlformats.org/officeDocument/2006/customXml" ds:itemID="{CED41536-010B-47B1-9229-B72BE4090090}">
+<ds:datastoreItem xmlns:ds="http://schemas.openxmlformats.org/officeDocument/2006/customXml" ds:itemID="{669D9D3B-3229-44EE-9964-24A06AE66887}">
   <ds:schemaRefs>
-    <ds:schemaRef ds:uri="http://schemas.microsoft.com/office/infopath/2007/PartnerControls"/>
-    <ds:schemaRef ds:uri="http://schemas.microsoft.com/office/2006/metadata/properties"/>
-    <ds:schemaRef ds:uri="281057cd-4f7e-4aa3-94a7-05201549cd15"/>
-    <ds:schemaRef ds:uri="http://purl.org/dc/dcmitype/"/>
-    <ds:schemaRef ds:uri="http://schemas.microsoft.com/office/2006/documentManagement/types"/>
-    <ds:schemaRef ds:uri="http://purl.org/dc/terms/"/>
-    <ds:schemaRef ds:uri="http://schemas.openxmlformats.org/package/2006/metadata/core-properties"/>
-    <ds:schemaRef ds:uri="http://purl.org/dc/elements/1.1/"/>
-    <ds:schemaRef ds:uri="01e63850-2818-4a9f-a0cd-2d4201ad5cd5"/>
-    <ds:schemaRef ds:uri="http://www.w3.org/XML/1998/namespace"/>
+    <ds:schemaRef ds:uri="http://schemas.microsoft.com/sharepoint/v3/contenttype/forms"/>
   </ds:schemaRefs>
 </ds:datastoreItem>
 </file>
@@ -17219,9 +14679,18 @@
 </file>
 
 <file path=customXml/itemProps3.xml><?xml version="1.0" encoding="utf-8"?>
-<ds:datastoreItem xmlns:ds="http://schemas.openxmlformats.org/officeDocument/2006/customXml" ds:itemID="{669D9D3B-3229-44EE-9964-24A06AE66887}">
+<ds:datastoreItem xmlns:ds="http://schemas.openxmlformats.org/officeDocument/2006/customXml" ds:itemID="{CED41536-010B-47B1-9229-B72BE4090090}">
   <ds:schemaRefs>
-    <ds:schemaRef ds:uri="http://schemas.microsoft.com/sharepoint/v3/contenttype/forms"/>
+    <ds:schemaRef ds:uri="http://schemas.microsoft.com/office/infopath/2007/PartnerControls"/>
+    <ds:schemaRef ds:uri="http://schemas.microsoft.com/office/2006/metadata/properties"/>
+    <ds:schemaRef ds:uri="281057cd-4f7e-4aa3-94a7-05201549cd15"/>
+    <ds:schemaRef ds:uri="http://purl.org/dc/dcmitype/"/>
+    <ds:schemaRef ds:uri="http://schemas.microsoft.com/office/2006/documentManagement/types"/>
+    <ds:schemaRef ds:uri="http://purl.org/dc/terms/"/>
+    <ds:schemaRef ds:uri="http://schemas.openxmlformats.org/package/2006/metadata/core-properties"/>
+    <ds:schemaRef ds:uri="http://purl.org/dc/elements/1.1/"/>
+    <ds:schemaRef ds:uri="01e63850-2818-4a9f-a0cd-2d4201ad5cd5"/>
+    <ds:schemaRef ds:uri="http://www.w3.org/XML/1998/namespace"/>
   </ds:schemaRefs>
 </ds:datastoreItem>
 </file>